--- a/analysis/figures/2022_12_20_k_fold_to_find_best_section_for_testing.pptx
+++ b/analysis/figures/2022_12_20_k_fold_to_find_best_section_for_testing.pptx
@@ -18,6 +18,7 @@
     <p:sldId id="266" r:id="rId12"/>
     <p:sldId id="267" r:id="rId13"/>
     <p:sldId id="268" r:id="rId14"/>
+    <p:sldId id="269" r:id="rId15"/>
   </p:sldIdLst>
   <p:sldSz cx="12192000" cy="6858000"/>
   <p:notesSz cx="6858000" cy="9144000"/>
@@ -116,6 +117,11 @@
       </a:defRPr>
     </a:lvl9pPr>
   </p:defaultTextStyle>
+  <p:extLst>
+    <p:ext uri="{EFAFB233-063F-42B5-8137-9DF3F51BA10A}">
+      <p15:sldGuideLst xmlns:p15="http://schemas.microsoft.com/office/powerpoint/2012/main"/>
+    </p:ext>
+  </p:extLst>
 </p:presentation>
 </file>
 
@@ -268,7 +274,7 @@
           <a:p>
             <a:fld id="{6CB9F3C9-8239-4B31-8DAA-75D510E2179F}" type="datetimeFigureOut">
               <a:rPr lang="he-IL" smtClean="0"/>
-              <a:t>כ"ו/כסלו/תשפ"ג</a:t>
+              <a:t>א'/טבת/תשפ"ג</a:t>
             </a:fld>
             <a:endParaRPr lang="he-IL"/>
           </a:p>
@@ -468,7 +474,7 @@
           <a:p>
             <a:fld id="{6CB9F3C9-8239-4B31-8DAA-75D510E2179F}" type="datetimeFigureOut">
               <a:rPr lang="he-IL" smtClean="0"/>
-              <a:t>כ"ו/כסלו/תשפ"ג</a:t>
+              <a:t>א'/טבת/תשפ"ג</a:t>
             </a:fld>
             <a:endParaRPr lang="he-IL"/>
           </a:p>
@@ -678,7 +684,7 @@
           <a:p>
             <a:fld id="{6CB9F3C9-8239-4B31-8DAA-75D510E2179F}" type="datetimeFigureOut">
               <a:rPr lang="he-IL" smtClean="0"/>
-              <a:t>כ"ו/כסלו/תשפ"ג</a:t>
+              <a:t>א'/טבת/תשפ"ג</a:t>
             </a:fld>
             <a:endParaRPr lang="he-IL"/>
           </a:p>
@@ -878,7 +884,7 @@
           <a:p>
             <a:fld id="{6CB9F3C9-8239-4B31-8DAA-75D510E2179F}" type="datetimeFigureOut">
               <a:rPr lang="he-IL" smtClean="0"/>
-              <a:t>כ"ו/כסלו/תשפ"ג</a:t>
+              <a:t>א'/טבת/תשפ"ג</a:t>
             </a:fld>
             <a:endParaRPr lang="he-IL"/>
           </a:p>
@@ -1154,7 +1160,7 @@
           <a:p>
             <a:fld id="{6CB9F3C9-8239-4B31-8DAA-75D510E2179F}" type="datetimeFigureOut">
               <a:rPr lang="he-IL" smtClean="0"/>
-              <a:t>כ"ו/כסלו/תשפ"ג</a:t>
+              <a:t>א'/טבת/תשפ"ג</a:t>
             </a:fld>
             <a:endParaRPr lang="he-IL"/>
           </a:p>
@@ -1422,7 +1428,7 @@
           <a:p>
             <a:fld id="{6CB9F3C9-8239-4B31-8DAA-75D510E2179F}" type="datetimeFigureOut">
               <a:rPr lang="he-IL" smtClean="0"/>
-              <a:t>כ"ו/כסלו/תשפ"ג</a:t>
+              <a:t>א'/טבת/תשפ"ג</a:t>
             </a:fld>
             <a:endParaRPr lang="he-IL"/>
           </a:p>
@@ -1837,7 +1843,7 @@
           <a:p>
             <a:fld id="{6CB9F3C9-8239-4B31-8DAA-75D510E2179F}" type="datetimeFigureOut">
               <a:rPr lang="he-IL" smtClean="0"/>
-              <a:t>כ"ו/כסלו/תשפ"ג</a:t>
+              <a:t>א'/טבת/תשפ"ג</a:t>
             </a:fld>
             <a:endParaRPr lang="he-IL"/>
           </a:p>
@@ -1979,7 +1985,7 @@
           <a:p>
             <a:fld id="{6CB9F3C9-8239-4B31-8DAA-75D510E2179F}" type="datetimeFigureOut">
               <a:rPr lang="he-IL" smtClean="0"/>
-              <a:t>כ"ו/כסלו/תשפ"ג</a:t>
+              <a:t>א'/טבת/תשפ"ג</a:t>
             </a:fld>
             <a:endParaRPr lang="he-IL"/>
           </a:p>
@@ -2092,7 +2098,7 @@
           <a:p>
             <a:fld id="{6CB9F3C9-8239-4B31-8DAA-75D510E2179F}" type="datetimeFigureOut">
               <a:rPr lang="he-IL" smtClean="0"/>
-              <a:t>כ"ו/כסלו/תשפ"ג</a:t>
+              <a:t>א'/טבת/תשפ"ג</a:t>
             </a:fld>
             <a:endParaRPr lang="he-IL"/>
           </a:p>
@@ -2405,7 +2411,7 @@
           <a:p>
             <a:fld id="{6CB9F3C9-8239-4B31-8DAA-75D510E2179F}" type="datetimeFigureOut">
               <a:rPr lang="he-IL" smtClean="0"/>
-              <a:t>כ"ו/כסלו/תשפ"ג</a:t>
+              <a:t>א'/טבת/תשפ"ג</a:t>
             </a:fld>
             <a:endParaRPr lang="he-IL"/>
           </a:p>
@@ -2694,7 +2700,7 @@
           <a:p>
             <a:fld id="{6CB9F3C9-8239-4B31-8DAA-75D510E2179F}" type="datetimeFigureOut">
               <a:rPr lang="he-IL" smtClean="0"/>
-              <a:t>כ"ו/כסלו/תשפ"ג</a:t>
+              <a:t>א'/טבת/תשפ"ג</a:t>
             </a:fld>
             <a:endParaRPr lang="he-IL"/>
           </a:p>
@@ -2937,7 +2943,7 @@
           <a:p>
             <a:fld id="{6CB9F3C9-8239-4B31-8DAA-75D510E2179F}" type="datetimeFigureOut">
               <a:rPr lang="he-IL" smtClean="0"/>
-              <a:t>כ"ו/כסלו/תשפ"ג</a:t>
+              <a:t>א'/טבת/תשפ"ג</a:t>
             </a:fld>
             <a:endParaRPr lang="he-IL"/>
           </a:p>
@@ -3454,6 +3460,36 @@
           <a:chExt cx="0" cy="0"/>
         </a:xfrm>
       </p:grpSpPr>
+      <p:pic>
+        <p:nvPicPr>
+          <p:cNvPr id="3" name="Picture 2">
+            <a:extLst>
+              <a:ext uri="{FF2B5EF4-FFF2-40B4-BE49-F238E27FC236}">
+                <a16:creationId xmlns:a16="http://schemas.microsoft.com/office/drawing/2014/main" id="{EBFE9CF6-BE83-5CE1-4BEF-A6ED1C841A32}"/>
+              </a:ext>
+            </a:extLst>
+          </p:cNvPr>
+          <p:cNvPicPr>
+            <a:picLocks noChangeAspect="1"/>
+          </p:cNvPicPr>
+          <p:nvPr/>
+        </p:nvPicPr>
+        <p:blipFill>
+          <a:blip r:embed="rId2"/>
+          <a:stretch>
+            <a:fillRect/>
+          </a:stretch>
+        </p:blipFill>
+        <p:spPr>
+          <a:xfrm>
+            <a:off x="0" y="349250"/>
+            <a:ext cx="12192000" cy="6159500"/>
+          </a:xfrm>
+          <a:prstGeom prst="rect">
+            <a:avLst/>
+          </a:prstGeom>
+        </p:spPr>
+      </p:pic>
     </p:spTree>
     <p:extLst>
       <p:ext uri="{BB962C8B-B14F-4D97-AF65-F5344CB8AC3E}">
@@ -3484,6 +3520,36 @@
           <a:chExt cx="0" cy="0"/>
         </a:xfrm>
       </p:grpSpPr>
+      <p:pic>
+        <p:nvPicPr>
+          <p:cNvPr id="3" name="Picture 2">
+            <a:extLst>
+              <a:ext uri="{FF2B5EF4-FFF2-40B4-BE49-F238E27FC236}">
+                <a16:creationId xmlns:a16="http://schemas.microsoft.com/office/drawing/2014/main" id="{F27E9C08-295C-64CF-C437-78990C7D886A}"/>
+              </a:ext>
+            </a:extLst>
+          </p:cNvPr>
+          <p:cNvPicPr>
+            <a:picLocks noChangeAspect="1"/>
+          </p:cNvPicPr>
+          <p:nvPr/>
+        </p:nvPicPr>
+        <p:blipFill>
+          <a:blip r:embed="rId2"/>
+          <a:stretch>
+            <a:fillRect/>
+          </a:stretch>
+        </p:blipFill>
+        <p:spPr>
+          <a:xfrm>
+            <a:off x="0" y="349250"/>
+            <a:ext cx="12192000" cy="6159500"/>
+          </a:xfrm>
+          <a:prstGeom prst="rect">
+            <a:avLst/>
+          </a:prstGeom>
+        </p:spPr>
+      </p:pic>
     </p:spTree>
     <p:extLst>
       <p:ext uri="{BB962C8B-B14F-4D97-AF65-F5344CB8AC3E}">
@@ -3514,6 +3580,36 @@
           <a:chExt cx="0" cy="0"/>
         </a:xfrm>
       </p:grpSpPr>
+      <p:pic>
+        <p:nvPicPr>
+          <p:cNvPr id="3" name="Picture 2">
+            <a:extLst>
+              <a:ext uri="{FF2B5EF4-FFF2-40B4-BE49-F238E27FC236}">
+                <a16:creationId xmlns:a16="http://schemas.microsoft.com/office/drawing/2014/main" id="{73843C6C-D972-773C-BE85-34564C042570}"/>
+              </a:ext>
+            </a:extLst>
+          </p:cNvPr>
+          <p:cNvPicPr>
+            <a:picLocks noChangeAspect="1"/>
+          </p:cNvPicPr>
+          <p:nvPr/>
+        </p:nvPicPr>
+        <p:blipFill>
+          <a:blip r:embed="rId2"/>
+          <a:stretch>
+            <a:fillRect/>
+          </a:stretch>
+        </p:blipFill>
+        <p:spPr>
+          <a:xfrm>
+            <a:off x="0" y="349250"/>
+            <a:ext cx="12192000" cy="6159500"/>
+          </a:xfrm>
+          <a:prstGeom prst="rect">
+            <a:avLst/>
+          </a:prstGeom>
+        </p:spPr>
+      </p:pic>
     </p:spTree>
     <p:extLst>
       <p:ext uri="{BB962C8B-B14F-4D97-AF65-F5344CB8AC3E}">
@@ -3544,10 +3640,5000 @@
           <a:chExt cx="0" cy="0"/>
         </a:xfrm>
       </p:grpSpPr>
+      <p:pic>
+        <p:nvPicPr>
+          <p:cNvPr id="3" name="Picture 2">
+            <a:extLst>
+              <a:ext uri="{FF2B5EF4-FFF2-40B4-BE49-F238E27FC236}">
+                <a16:creationId xmlns:a16="http://schemas.microsoft.com/office/drawing/2014/main" id="{858F705D-2078-4CD3-0517-07170E5F51F3}"/>
+              </a:ext>
+            </a:extLst>
+          </p:cNvPr>
+          <p:cNvPicPr>
+            <a:picLocks noChangeAspect="1"/>
+          </p:cNvPicPr>
+          <p:nvPr/>
+        </p:nvPicPr>
+        <p:blipFill>
+          <a:blip r:embed="rId2"/>
+          <a:stretch>
+            <a:fillRect/>
+          </a:stretch>
+        </p:blipFill>
+        <p:spPr>
+          <a:xfrm>
+            <a:off x="49428" y="-1583"/>
+            <a:ext cx="6552444" cy="6859589"/>
+          </a:xfrm>
+          <a:prstGeom prst="rect">
+            <a:avLst/>
+          </a:prstGeom>
+        </p:spPr>
+      </p:pic>
+      <p:pic>
+        <p:nvPicPr>
+          <p:cNvPr id="5" name="Picture 4">
+            <a:extLst>
+              <a:ext uri="{FF2B5EF4-FFF2-40B4-BE49-F238E27FC236}">
+                <a16:creationId xmlns:a16="http://schemas.microsoft.com/office/drawing/2014/main" id="{9653DF4A-56B2-76C2-9A57-5FF6097D283B}"/>
+              </a:ext>
+            </a:extLst>
+          </p:cNvPr>
+          <p:cNvPicPr>
+            <a:picLocks noChangeAspect="1"/>
+          </p:cNvPicPr>
+          <p:nvPr/>
+        </p:nvPicPr>
+        <p:blipFill rotWithShape="1">
+          <a:blip r:embed="rId3"/>
+          <a:srcRect t="218"/>
+          <a:stretch/>
+        </p:blipFill>
+        <p:spPr>
+          <a:xfrm>
+            <a:off x="7439023" y="-9526"/>
+            <a:ext cx="4743451" cy="5851327"/>
+          </a:xfrm>
+          <a:prstGeom prst="rect">
+            <a:avLst/>
+          </a:prstGeom>
+        </p:spPr>
+      </p:pic>
+      <p:sp>
+        <p:nvSpPr>
+          <p:cNvPr id="6" name="TextBox 5">
+            <a:extLst>
+              <a:ext uri="{FF2B5EF4-FFF2-40B4-BE49-F238E27FC236}">
+                <a16:creationId xmlns:a16="http://schemas.microsoft.com/office/drawing/2014/main" id="{5C03B6A6-F2D2-4AA8-A00C-C0388C4FEB72}"/>
+              </a:ext>
+            </a:extLst>
+          </p:cNvPr>
+          <p:cNvSpPr txBox="1"/>
+          <p:nvPr/>
+        </p:nvSpPr>
+        <p:spPr>
+          <a:xfrm>
+            <a:off x="5740443" y="0"/>
+            <a:ext cx="1252151" cy="369332"/>
+          </a:xfrm>
+          <a:prstGeom prst="rect">
+            <a:avLst/>
+          </a:prstGeom>
+          <a:noFill/>
+        </p:spPr>
+        <p:txBody>
+          <a:bodyPr wrap="square" rtlCol="1">
+            <a:spAutoFit/>
+          </a:bodyPr>
+          <a:lstStyle/>
+          <a:p>
+            <a:r>
+              <a:rPr lang="en-US" dirty="0">
+                <a:solidFill>
+                  <a:srgbClr val="FF0000"/>
+                </a:solidFill>
+              </a:rPr>
+              <a:t>150-300ms</a:t>
+            </a:r>
+          </a:p>
+        </p:txBody>
+      </p:sp>
     </p:spTree>
     <p:extLst>
       <p:ext uri="{BB962C8B-B14F-4D97-AF65-F5344CB8AC3E}">
         <p14:creationId xmlns:p14="http://schemas.microsoft.com/office/powerpoint/2010/main" val="552971019"/>
+      </p:ext>
+    </p:extLst>
+  </p:cSld>
+  <p:clrMapOvr>
+    <a:masterClrMapping/>
+  </p:clrMapOvr>
+</p:sld>
+</file>
+
+<file path=ppt/slides/slide14.xml><?xml version="1.0" encoding="utf-8"?>
+<p:sld xmlns:a="http://schemas.openxmlformats.org/drawingml/2006/main" xmlns:r="http://schemas.openxmlformats.org/officeDocument/2006/relationships" xmlns:p="http://schemas.openxmlformats.org/presentationml/2006/main">
+  <p:cSld>
+    <p:spTree>
+      <p:nvGrpSpPr>
+        <p:cNvPr id="1" name=""/>
+        <p:cNvGrpSpPr/>
+        <p:nvPr/>
+      </p:nvGrpSpPr>
+      <p:grpSpPr>
+        <a:xfrm>
+          <a:off x="0" y="0"/>
+          <a:ext cx="0" cy="0"/>
+          <a:chOff x="0" y="0"/>
+          <a:chExt cx="0" cy="0"/>
+        </a:xfrm>
+      </p:grpSpPr>
+      <p:graphicFrame>
+        <p:nvGraphicFramePr>
+          <p:cNvPr id="5" name="Table 4">
+            <a:extLst>
+              <a:ext uri="{FF2B5EF4-FFF2-40B4-BE49-F238E27FC236}">
+                <a16:creationId xmlns:a16="http://schemas.microsoft.com/office/drawing/2014/main" id="{70817A66-C78D-E19B-93FA-4C9BF35A0773}"/>
+              </a:ext>
+            </a:extLst>
+          </p:cNvPr>
+          <p:cNvGraphicFramePr>
+            <a:graphicFrameLocks noGrp="1"/>
+          </p:cNvGraphicFramePr>
+          <p:nvPr>
+            <p:extLst>
+              <p:ext uri="{D42A27DB-BD31-4B8C-83A1-F6EECF244321}">
+                <p14:modId xmlns:p14="http://schemas.microsoft.com/office/powerpoint/2010/main" val="278469511"/>
+              </p:ext>
+            </p:extLst>
+          </p:nvPr>
+        </p:nvGraphicFramePr>
+        <p:xfrm>
+          <a:off x="1843085" y="1600199"/>
+          <a:ext cx="8672514" cy="3490082"/>
+        </p:xfrm>
+        <a:graphic>
+          <a:graphicData uri="http://schemas.openxmlformats.org/drawingml/2006/table">
+            <a:tbl>
+              <a:tblPr rtl="1" firstRow="1" firstCol="1" bandRow="1"/>
+              <a:tblGrid>
+                <a:gridCol w="1258802">
+                  <a:extLst>
+                    <a:ext uri="{9D8B030D-6E8A-4147-A177-3AD203B41FA5}">
+                      <a16:colId xmlns:a16="http://schemas.microsoft.com/office/drawing/2014/main" val="2619496827"/>
+                    </a:ext>
+                  </a:extLst>
+                </a:gridCol>
+                <a:gridCol w="1060535">
+                  <a:extLst>
+                    <a:ext uri="{9D8B030D-6E8A-4147-A177-3AD203B41FA5}">
+                      <a16:colId xmlns:a16="http://schemas.microsoft.com/office/drawing/2014/main" val="1279795480"/>
+                    </a:ext>
+                  </a:extLst>
+                </a:gridCol>
+                <a:gridCol w="1176897">
+                  <a:extLst>
+                    <a:ext uri="{9D8B030D-6E8A-4147-A177-3AD203B41FA5}">
+                      <a16:colId xmlns:a16="http://schemas.microsoft.com/office/drawing/2014/main" val="2131062848"/>
+                    </a:ext>
+                  </a:extLst>
+                </a:gridCol>
+                <a:gridCol w="978630">
+                  <a:extLst>
+                    <a:ext uri="{9D8B030D-6E8A-4147-A177-3AD203B41FA5}">
+                      <a16:colId xmlns:a16="http://schemas.microsoft.com/office/drawing/2014/main" val="568802215"/>
+                    </a:ext>
+                  </a:extLst>
+                </a:gridCol>
+                <a:gridCol w="1258802">
+                  <a:extLst>
+                    <a:ext uri="{9D8B030D-6E8A-4147-A177-3AD203B41FA5}">
+                      <a16:colId xmlns:a16="http://schemas.microsoft.com/office/drawing/2014/main" val="3005776890"/>
+                    </a:ext>
+                  </a:extLst>
+                </a:gridCol>
+                <a:gridCol w="1036834">
+                  <a:extLst>
+                    <a:ext uri="{9D8B030D-6E8A-4147-A177-3AD203B41FA5}">
+                      <a16:colId xmlns:a16="http://schemas.microsoft.com/office/drawing/2014/main" val="2853017031"/>
+                    </a:ext>
+                  </a:extLst>
+                </a:gridCol>
+                <a:gridCol w="1902014">
+                  <a:extLst>
+                    <a:ext uri="{9D8B030D-6E8A-4147-A177-3AD203B41FA5}">
+                      <a16:colId xmlns:a16="http://schemas.microsoft.com/office/drawing/2014/main" val="2570104827"/>
+                    </a:ext>
+                  </a:extLst>
+                </a:gridCol>
+              </a:tblGrid>
+              <a:tr h="236281">
+                <a:tc gridSpan="2">
+                  <a:txBody>
+                    <a:bodyPr/>
+                    <a:lstStyle/>
+                    <a:p>
+                      <a:pPr algn="ctr" rtl="1"/>
+                      <a:r>
+                        <a:rPr lang="en-US" sz="1800" b="1">
+                          <a:effectLst/>
+                          <a:latin typeface="Calibri" panose="020F0502020204030204" pitchFamily="34" charset="0"/>
+                          <a:ea typeface="Calibri" panose="020F0502020204030204" pitchFamily="34" charset="0"/>
+                          <a:cs typeface="Arial" panose="020B0604020202020204" pitchFamily="34" charset="0"/>
+                        </a:rPr>
+                        <a:t>p-value</a:t>
+                      </a:r>
+                      <a:endParaRPr lang="en-US" sz="1800">
+                        <a:effectLst/>
+                        <a:latin typeface="Calibri" panose="020F0502020204030204" pitchFamily="34" charset="0"/>
+                        <a:ea typeface="Calibri" panose="020F0502020204030204" pitchFamily="34" charset="0"/>
+                        <a:cs typeface="Arial" panose="020B0604020202020204" pitchFamily="34" charset="0"/>
+                      </a:endParaRPr>
+                    </a:p>
+                  </a:txBody>
+                  <a:tcPr marL="68580" marR="68580" marT="0" marB="0">
+                    <a:lnL w="12700" cap="flat" cmpd="sng" algn="ctr">
+                      <a:solidFill>
+                        <a:srgbClr val="000000"/>
+                      </a:solidFill>
+                      <a:prstDash val="solid"/>
+                      <a:round/>
+                      <a:headEnd type="none" w="med" len="med"/>
+                      <a:tailEnd type="none" w="med" len="med"/>
+                    </a:lnL>
+                    <a:lnR w="38100" cap="flat" cmpd="sng" algn="ctr">
+                      <a:solidFill>
+                        <a:srgbClr val="000000"/>
+                      </a:solidFill>
+                      <a:prstDash val="solid"/>
+                      <a:round/>
+                      <a:headEnd type="none" w="med" len="med"/>
+                      <a:tailEnd type="none" w="med" len="med"/>
+                    </a:lnR>
+                    <a:lnT w="12700" cap="flat" cmpd="sng" algn="ctr">
+                      <a:solidFill>
+                        <a:srgbClr val="000000"/>
+                      </a:solidFill>
+                      <a:prstDash val="solid"/>
+                      <a:round/>
+                      <a:headEnd type="none" w="med" len="med"/>
+                      <a:tailEnd type="none" w="med" len="med"/>
+                    </a:lnT>
+                    <a:lnB w="38100" cap="flat" cmpd="sng" algn="ctr">
+                      <a:solidFill>
+                        <a:srgbClr val="000000"/>
+                      </a:solidFill>
+                      <a:prstDash val="solid"/>
+                      <a:round/>
+                      <a:headEnd type="none" w="med" len="med"/>
+                      <a:tailEnd type="none" w="med" len="med"/>
+                    </a:lnB>
+                  </a:tcPr>
+                </a:tc>
+                <a:tc hMerge="1">
+                  <a:txBody>
+                    <a:bodyPr/>
+                    <a:lstStyle/>
+                    <a:p>
+                      <a:pPr rtl="1"/>
+                      <a:endParaRPr lang="he-IL"/>
+                    </a:p>
+                  </a:txBody>
+                  <a:tcPr/>
+                </a:tc>
+                <a:tc gridSpan="2">
+                  <a:txBody>
+                    <a:bodyPr/>
+                    <a:lstStyle/>
+                    <a:p>
+                      <a:pPr algn="ctr" rtl="1"/>
+                      <a:r>
+                        <a:rPr lang="en-US" sz="1800" b="1">
+                          <a:effectLst/>
+                          <a:latin typeface="Calibri" panose="020F0502020204030204" pitchFamily="34" charset="0"/>
+                          <a:ea typeface="Calibri" panose="020F0502020204030204" pitchFamily="34" charset="0"/>
+                          <a:cs typeface="Arial" panose="020B0604020202020204" pitchFamily="34" charset="0"/>
+                        </a:rPr>
+                        <a:t>t-value</a:t>
+                      </a:r>
+                      <a:endParaRPr lang="en-US" sz="1800">
+                        <a:effectLst/>
+                        <a:latin typeface="Calibri" panose="020F0502020204030204" pitchFamily="34" charset="0"/>
+                        <a:ea typeface="Calibri" panose="020F0502020204030204" pitchFamily="34" charset="0"/>
+                        <a:cs typeface="Arial" panose="020B0604020202020204" pitchFamily="34" charset="0"/>
+                      </a:endParaRPr>
+                    </a:p>
+                  </a:txBody>
+                  <a:tcPr marL="68580" marR="68580" marT="0" marB="0">
+                    <a:lnL w="38100" cap="flat" cmpd="sng" algn="ctr">
+                      <a:solidFill>
+                        <a:srgbClr val="000000"/>
+                      </a:solidFill>
+                      <a:prstDash val="solid"/>
+                      <a:round/>
+                      <a:headEnd type="none" w="med" len="med"/>
+                      <a:tailEnd type="none" w="med" len="med"/>
+                    </a:lnL>
+                    <a:lnR w="38100" cap="flat" cmpd="sng" algn="ctr">
+                      <a:solidFill>
+                        <a:srgbClr val="000000"/>
+                      </a:solidFill>
+                      <a:prstDash val="solid"/>
+                      <a:round/>
+                      <a:headEnd type="none" w="med" len="med"/>
+                      <a:tailEnd type="none" w="med" len="med"/>
+                    </a:lnR>
+                    <a:lnT w="12700" cap="flat" cmpd="sng" algn="ctr">
+                      <a:solidFill>
+                        <a:srgbClr val="000000"/>
+                      </a:solidFill>
+                      <a:prstDash val="solid"/>
+                      <a:round/>
+                      <a:headEnd type="none" w="med" len="med"/>
+                      <a:tailEnd type="none" w="med" len="med"/>
+                    </a:lnT>
+                    <a:lnB w="38100" cap="flat" cmpd="sng" algn="ctr">
+                      <a:solidFill>
+                        <a:srgbClr val="000000"/>
+                      </a:solidFill>
+                      <a:prstDash val="solid"/>
+                      <a:round/>
+                      <a:headEnd type="none" w="med" len="med"/>
+                      <a:tailEnd type="none" w="med" len="med"/>
+                    </a:lnB>
+                  </a:tcPr>
+                </a:tc>
+                <a:tc hMerge="1">
+                  <a:txBody>
+                    <a:bodyPr/>
+                    <a:lstStyle/>
+                    <a:p>
+                      <a:pPr rtl="1"/>
+                      <a:endParaRPr lang="he-IL"/>
+                    </a:p>
+                  </a:txBody>
+                  <a:tcPr/>
+                </a:tc>
+                <a:tc gridSpan="2">
+                  <a:txBody>
+                    <a:bodyPr/>
+                    <a:lstStyle/>
+                    <a:p>
+                      <a:pPr algn="ctr" rtl="1"/>
+                      <a:r>
+                        <a:rPr lang="en-US" sz="1800" b="1">
+                          <a:effectLst/>
+                          <a:latin typeface="Calibri" panose="020F0502020204030204" pitchFamily="34" charset="0"/>
+                          <a:ea typeface="Calibri" panose="020F0502020204030204" pitchFamily="34" charset="0"/>
+                          <a:cs typeface="Arial" panose="020B0604020202020204" pitchFamily="34" charset="0"/>
+                        </a:rPr>
+                        <a:t>Cohen's d</a:t>
+                      </a:r>
+                      <a:endParaRPr lang="en-US" sz="1800">
+                        <a:effectLst/>
+                        <a:latin typeface="Calibri" panose="020F0502020204030204" pitchFamily="34" charset="0"/>
+                        <a:ea typeface="Calibri" panose="020F0502020204030204" pitchFamily="34" charset="0"/>
+                        <a:cs typeface="Arial" panose="020B0604020202020204" pitchFamily="34" charset="0"/>
+                      </a:endParaRPr>
+                    </a:p>
+                  </a:txBody>
+                  <a:tcPr marL="68580" marR="68580" marT="0" marB="0">
+                    <a:lnL w="38100" cap="flat" cmpd="sng" algn="ctr">
+                      <a:solidFill>
+                        <a:srgbClr val="000000"/>
+                      </a:solidFill>
+                      <a:prstDash val="solid"/>
+                      <a:round/>
+                      <a:headEnd type="none" w="med" len="med"/>
+                      <a:tailEnd type="none" w="med" len="med"/>
+                    </a:lnL>
+                    <a:lnR w="38100" cap="flat" cmpd="sng" algn="ctr">
+                      <a:solidFill>
+                        <a:srgbClr val="000000"/>
+                      </a:solidFill>
+                      <a:prstDash val="solid"/>
+                      <a:round/>
+                      <a:headEnd type="none" w="med" len="med"/>
+                      <a:tailEnd type="none" w="med" len="med"/>
+                    </a:lnR>
+                    <a:lnT w="12700" cap="flat" cmpd="sng" algn="ctr">
+                      <a:solidFill>
+                        <a:srgbClr val="000000"/>
+                      </a:solidFill>
+                      <a:prstDash val="solid"/>
+                      <a:round/>
+                      <a:headEnd type="none" w="med" len="med"/>
+                      <a:tailEnd type="none" w="med" len="med"/>
+                    </a:lnT>
+                    <a:lnB w="38100" cap="flat" cmpd="sng" algn="ctr">
+                      <a:solidFill>
+                        <a:srgbClr val="000000"/>
+                      </a:solidFill>
+                      <a:prstDash val="solid"/>
+                      <a:round/>
+                      <a:headEnd type="none" w="med" len="med"/>
+                      <a:tailEnd type="none" w="med" len="med"/>
+                    </a:lnB>
+                  </a:tcPr>
+                </a:tc>
+                <a:tc hMerge="1">
+                  <a:txBody>
+                    <a:bodyPr/>
+                    <a:lstStyle/>
+                    <a:p>
+                      <a:pPr rtl="1"/>
+                      <a:endParaRPr lang="he-IL"/>
+                    </a:p>
+                  </a:txBody>
+                  <a:tcPr/>
+                </a:tc>
+                <a:tc>
+                  <a:txBody>
+                    <a:bodyPr/>
+                    <a:lstStyle/>
+                    <a:p>
+                      <a:pPr algn="ctr" rtl="1"/>
+                      <a:r>
+                        <a:rPr lang="en-US" sz="1800" b="1">
+                          <a:effectLst/>
+                          <a:latin typeface="Calibri" panose="020F0502020204030204" pitchFamily="34" charset="0"/>
+                          <a:ea typeface="Calibri" panose="020F0502020204030204" pitchFamily="34" charset="0"/>
+                          <a:cs typeface="Arial" panose="020B0604020202020204" pitchFamily="34" charset="0"/>
+                        </a:rPr>
+                        <a:t>Variable</a:t>
+                      </a:r>
+                      <a:endParaRPr lang="en-US" sz="1800">
+                        <a:effectLst/>
+                        <a:latin typeface="Calibri" panose="020F0502020204030204" pitchFamily="34" charset="0"/>
+                        <a:ea typeface="Calibri" panose="020F0502020204030204" pitchFamily="34" charset="0"/>
+                        <a:cs typeface="Arial" panose="020B0604020202020204" pitchFamily="34" charset="0"/>
+                      </a:endParaRPr>
+                    </a:p>
+                  </a:txBody>
+                  <a:tcPr marL="68580" marR="68580" marT="0" marB="0">
+                    <a:lnL w="38100" cap="flat" cmpd="sng" algn="ctr">
+                      <a:solidFill>
+                        <a:srgbClr val="000000"/>
+                      </a:solidFill>
+                      <a:prstDash val="solid"/>
+                      <a:round/>
+                      <a:headEnd type="none" w="med" len="med"/>
+                      <a:tailEnd type="none" w="med" len="med"/>
+                    </a:lnL>
+                    <a:lnR w="12700" cap="flat" cmpd="sng" algn="ctr">
+                      <a:solidFill>
+                        <a:srgbClr val="000000"/>
+                      </a:solidFill>
+                      <a:prstDash val="solid"/>
+                      <a:round/>
+                      <a:headEnd type="none" w="med" len="med"/>
+                      <a:tailEnd type="none" w="med" len="med"/>
+                    </a:lnR>
+                    <a:lnT w="12700" cap="flat" cmpd="sng" algn="ctr">
+                      <a:solidFill>
+                        <a:srgbClr val="000000"/>
+                      </a:solidFill>
+                      <a:prstDash val="solid"/>
+                      <a:round/>
+                      <a:headEnd type="none" w="med" len="med"/>
+                      <a:tailEnd type="none" w="med" len="med"/>
+                    </a:lnT>
+                    <a:lnB w="38100" cap="flat" cmpd="sng" algn="ctr">
+                      <a:solidFill>
+                        <a:srgbClr val="000000"/>
+                      </a:solidFill>
+                      <a:prstDash val="solid"/>
+                      <a:round/>
+                      <a:headEnd type="none" w="med" len="med"/>
+                      <a:tailEnd type="none" w="med" len="med"/>
+                    </a:lnB>
+                  </a:tcPr>
+                </a:tc>
+                <a:extLst>
+                  <a:ext uri="{0D108BD9-81ED-4DB2-BD59-A6C34878D82A}">
+                    <a16:rowId xmlns:a16="http://schemas.microsoft.com/office/drawing/2014/main" val="1048344647"/>
+                  </a:ext>
+                </a:extLst>
+              </a:tr>
+              <a:tr h="472562">
+                <a:tc>
+                  <a:txBody>
+                    <a:bodyPr/>
+                    <a:lstStyle/>
+                    <a:p>
+                      <a:pPr algn="ctr" rtl="0"/>
+                      <a:r>
+                        <a:rPr lang="en-US" sz="1800">
+                          <a:effectLst/>
+                          <a:latin typeface="Calibri" panose="020F0502020204030204" pitchFamily="34" charset="0"/>
+                          <a:ea typeface="Calibri" panose="020F0502020204030204" pitchFamily="34" charset="0"/>
+                          <a:cs typeface="Arial" panose="020B0604020202020204" pitchFamily="34" charset="0"/>
+                        </a:rPr>
+                        <a:t>150-300ms</a:t>
+                      </a:r>
+                    </a:p>
+                  </a:txBody>
+                  <a:tcPr marL="68580" marR="68580" marT="0" marB="0">
+                    <a:lnL w="12700" cap="flat" cmpd="sng" algn="ctr">
+                      <a:solidFill>
+                        <a:srgbClr val="000000"/>
+                      </a:solidFill>
+                      <a:prstDash val="solid"/>
+                      <a:round/>
+                      <a:headEnd type="none" w="med" len="med"/>
+                      <a:tailEnd type="none" w="med" len="med"/>
+                    </a:lnL>
+                    <a:lnR w="12700" cap="flat" cmpd="sng" algn="ctr">
+                      <a:solidFill>
+                        <a:srgbClr val="000000"/>
+                      </a:solidFill>
+                      <a:prstDash val="solid"/>
+                      <a:round/>
+                      <a:headEnd type="none" w="med" len="med"/>
+                      <a:tailEnd type="none" w="med" len="med"/>
+                    </a:lnR>
+                    <a:lnT w="38100" cap="flat" cmpd="sng" algn="ctr">
+                      <a:solidFill>
+                        <a:srgbClr val="000000"/>
+                      </a:solidFill>
+                      <a:prstDash val="solid"/>
+                      <a:round/>
+                      <a:headEnd type="none" w="med" len="med"/>
+                      <a:tailEnd type="none" w="med" len="med"/>
+                    </a:lnT>
+                    <a:lnB w="12700" cap="flat" cmpd="sng" algn="ctr">
+                      <a:solidFill>
+                        <a:srgbClr val="000000"/>
+                      </a:solidFill>
+                      <a:prstDash val="solid"/>
+                      <a:round/>
+                      <a:headEnd type="none" w="med" len="med"/>
+                      <a:tailEnd type="none" w="med" len="med"/>
+                    </a:lnB>
+                  </a:tcPr>
+                </a:tc>
+                <a:tc>
+                  <a:txBody>
+                    <a:bodyPr/>
+                    <a:lstStyle/>
+                    <a:p>
+                      <a:pPr algn="ctr" rtl="0"/>
+                      <a:r>
+                        <a:rPr lang="en-US" sz="1800">
+                          <a:effectLst/>
+                          <a:latin typeface="Calibri" panose="020F0502020204030204" pitchFamily="34" charset="0"/>
+                          <a:ea typeface="Calibri" panose="020F0502020204030204" pitchFamily="34" charset="0"/>
+                          <a:cs typeface="Arial" panose="020B0604020202020204" pitchFamily="34" charset="0"/>
+                        </a:rPr>
+                        <a:t>0-300ms</a:t>
+                      </a:r>
+                    </a:p>
+                  </a:txBody>
+                  <a:tcPr marL="68580" marR="68580" marT="0" marB="0">
+                    <a:lnL w="12700" cap="flat" cmpd="sng" algn="ctr">
+                      <a:solidFill>
+                        <a:srgbClr val="000000"/>
+                      </a:solidFill>
+                      <a:prstDash val="solid"/>
+                      <a:round/>
+                      <a:headEnd type="none" w="med" len="med"/>
+                      <a:tailEnd type="none" w="med" len="med"/>
+                    </a:lnL>
+                    <a:lnR w="38100" cap="flat" cmpd="sng" algn="ctr">
+                      <a:solidFill>
+                        <a:srgbClr val="000000"/>
+                      </a:solidFill>
+                      <a:prstDash val="solid"/>
+                      <a:round/>
+                      <a:headEnd type="none" w="med" len="med"/>
+                      <a:tailEnd type="none" w="med" len="med"/>
+                    </a:lnR>
+                    <a:lnT w="38100" cap="flat" cmpd="sng" algn="ctr">
+                      <a:solidFill>
+                        <a:srgbClr val="000000"/>
+                      </a:solidFill>
+                      <a:prstDash val="solid"/>
+                      <a:round/>
+                      <a:headEnd type="none" w="med" len="med"/>
+                      <a:tailEnd type="none" w="med" len="med"/>
+                    </a:lnT>
+                    <a:lnB w="12700" cap="flat" cmpd="sng" algn="ctr">
+                      <a:solidFill>
+                        <a:srgbClr val="000000"/>
+                      </a:solidFill>
+                      <a:prstDash val="solid"/>
+                      <a:round/>
+                      <a:headEnd type="none" w="med" len="med"/>
+                      <a:tailEnd type="none" w="med" len="med"/>
+                    </a:lnB>
+                  </a:tcPr>
+                </a:tc>
+                <a:tc>
+                  <a:txBody>
+                    <a:bodyPr/>
+                    <a:lstStyle/>
+                    <a:p>
+                      <a:pPr algn="ctr" rtl="0"/>
+                      <a:r>
+                        <a:rPr lang="en-US" sz="1800" dirty="0">
+                          <a:effectLst/>
+                          <a:latin typeface="Calibri" panose="020F0502020204030204" pitchFamily="34" charset="0"/>
+                          <a:ea typeface="Calibri" panose="020F0502020204030204" pitchFamily="34" charset="0"/>
+                          <a:cs typeface="Arial" panose="020B0604020202020204" pitchFamily="34" charset="0"/>
+                        </a:rPr>
+                        <a:t>150-300ms</a:t>
+                      </a:r>
+                    </a:p>
+                  </a:txBody>
+                  <a:tcPr marL="68580" marR="68580" marT="0" marB="0">
+                    <a:lnL w="38100" cap="flat" cmpd="sng" algn="ctr">
+                      <a:solidFill>
+                        <a:srgbClr val="000000"/>
+                      </a:solidFill>
+                      <a:prstDash val="solid"/>
+                      <a:round/>
+                      <a:headEnd type="none" w="med" len="med"/>
+                      <a:tailEnd type="none" w="med" len="med"/>
+                    </a:lnL>
+                    <a:lnR w="12700" cap="flat" cmpd="sng" algn="ctr">
+                      <a:solidFill>
+                        <a:srgbClr val="000000"/>
+                      </a:solidFill>
+                      <a:prstDash val="solid"/>
+                      <a:round/>
+                      <a:headEnd type="none" w="med" len="med"/>
+                      <a:tailEnd type="none" w="med" len="med"/>
+                    </a:lnR>
+                    <a:lnT w="38100" cap="flat" cmpd="sng" algn="ctr">
+                      <a:solidFill>
+                        <a:srgbClr val="000000"/>
+                      </a:solidFill>
+                      <a:prstDash val="solid"/>
+                      <a:round/>
+                      <a:headEnd type="none" w="med" len="med"/>
+                      <a:tailEnd type="none" w="med" len="med"/>
+                    </a:lnT>
+                    <a:lnB w="12700" cap="flat" cmpd="sng" algn="ctr">
+                      <a:solidFill>
+                        <a:srgbClr val="000000"/>
+                      </a:solidFill>
+                      <a:prstDash val="solid"/>
+                      <a:round/>
+                      <a:headEnd type="none" w="med" len="med"/>
+                      <a:tailEnd type="none" w="med" len="med"/>
+                    </a:lnB>
+                  </a:tcPr>
+                </a:tc>
+                <a:tc>
+                  <a:txBody>
+                    <a:bodyPr/>
+                    <a:lstStyle/>
+                    <a:p>
+                      <a:pPr algn="ctr" rtl="0"/>
+                      <a:r>
+                        <a:rPr lang="en-US" sz="1800">
+                          <a:effectLst/>
+                          <a:latin typeface="Calibri" panose="020F0502020204030204" pitchFamily="34" charset="0"/>
+                          <a:ea typeface="Calibri" panose="020F0502020204030204" pitchFamily="34" charset="0"/>
+                          <a:cs typeface="Arial" panose="020B0604020202020204" pitchFamily="34" charset="0"/>
+                        </a:rPr>
+                        <a:t>0-300ms</a:t>
+                      </a:r>
+                    </a:p>
+                  </a:txBody>
+                  <a:tcPr marL="68580" marR="68580" marT="0" marB="0">
+                    <a:lnL w="12700" cap="flat" cmpd="sng" algn="ctr">
+                      <a:solidFill>
+                        <a:srgbClr val="000000"/>
+                      </a:solidFill>
+                      <a:prstDash val="solid"/>
+                      <a:round/>
+                      <a:headEnd type="none" w="med" len="med"/>
+                      <a:tailEnd type="none" w="med" len="med"/>
+                    </a:lnL>
+                    <a:lnR w="38100" cap="flat" cmpd="sng" algn="ctr">
+                      <a:solidFill>
+                        <a:srgbClr val="000000"/>
+                      </a:solidFill>
+                      <a:prstDash val="solid"/>
+                      <a:round/>
+                      <a:headEnd type="none" w="med" len="med"/>
+                      <a:tailEnd type="none" w="med" len="med"/>
+                    </a:lnR>
+                    <a:lnT w="38100" cap="flat" cmpd="sng" algn="ctr">
+                      <a:solidFill>
+                        <a:srgbClr val="000000"/>
+                      </a:solidFill>
+                      <a:prstDash val="solid"/>
+                      <a:round/>
+                      <a:headEnd type="none" w="med" len="med"/>
+                      <a:tailEnd type="none" w="med" len="med"/>
+                    </a:lnT>
+                    <a:lnB w="12700" cap="flat" cmpd="sng" algn="ctr">
+                      <a:solidFill>
+                        <a:srgbClr val="000000"/>
+                      </a:solidFill>
+                      <a:prstDash val="solid"/>
+                      <a:round/>
+                      <a:headEnd type="none" w="med" len="med"/>
+                      <a:tailEnd type="none" w="med" len="med"/>
+                    </a:lnB>
+                  </a:tcPr>
+                </a:tc>
+                <a:tc>
+                  <a:txBody>
+                    <a:bodyPr/>
+                    <a:lstStyle/>
+                    <a:p>
+                      <a:pPr algn="ctr" rtl="0"/>
+                      <a:r>
+                        <a:rPr lang="en-US" sz="1800">
+                          <a:effectLst/>
+                          <a:latin typeface="Calibri" panose="020F0502020204030204" pitchFamily="34" charset="0"/>
+                          <a:ea typeface="Calibri" panose="020F0502020204030204" pitchFamily="34" charset="0"/>
+                          <a:cs typeface="Arial" panose="020B0604020202020204" pitchFamily="34" charset="0"/>
+                        </a:rPr>
+                        <a:t>150-300ms</a:t>
+                      </a:r>
+                    </a:p>
+                  </a:txBody>
+                  <a:tcPr marL="68580" marR="68580" marT="0" marB="0">
+                    <a:lnL w="38100" cap="flat" cmpd="sng" algn="ctr">
+                      <a:solidFill>
+                        <a:srgbClr val="000000"/>
+                      </a:solidFill>
+                      <a:prstDash val="solid"/>
+                      <a:round/>
+                      <a:headEnd type="none" w="med" len="med"/>
+                      <a:tailEnd type="none" w="med" len="med"/>
+                    </a:lnL>
+                    <a:lnR w="12700" cap="flat" cmpd="sng" algn="ctr">
+                      <a:solidFill>
+                        <a:srgbClr val="000000"/>
+                      </a:solidFill>
+                      <a:prstDash val="solid"/>
+                      <a:round/>
+                      <a:headEnd type="none" w="med" len="med"/>
+                      <a:tailEnd type="none" w="med" len="med"/>
+                    </a:lnR>
+                    <a:lnT w="38100" cap="flat" cmpd="sng" algn="ctr">
+                      <a:solidFill>
+                        <a:srgbClr val="000000"/>
+                      </a:solidFill>
+                      <a:prstDash val="solid"/>
+                      <a:round/>
+                      <a:headEnd type="none" w="med" len="med"/>
+                      <a:tailEnd type="none" w="med" len="med"/>
+                    </a:lnT>
+                    <a:lnB w="12700" cap="flat" cmpd="sng" algn="ctr">
+                      <a:solidFill>
+                        <a:srgbClr val="000000"/>
+                      </a:solidFill>
+                      <a:prstDash val="solid"/>
+                      <a:round/>
+                      <a:headEnd type="none" w="med" len="med"/>
+                      <a:tailEnd type="none" w="med" len="med"/>
+                    </a:lnB>
+                  </a:tcPr>
+                </a:tc>
+                <a:tc>
+                  <a:txBody>
+                    <a:bodyPr/>
+                    <a:lstStyle/>
+                    <a:p>
+                      <a:pPr algn="ctr" rtl="0"/>
+                      <a:r>
+                        <a:rPr lang="en-US" sz="1800">
+                          <a:effectLst/>
+                          <a:latin typeface="Calibri" panose="020F0502020204030204" pitchFamily="34" charset="0"/>
+                          <a:ea typeface="Calibri" panose="020F0502020204030204" pitchFamily="34" charset="0"/>
+                          <a:cs typeface="Arial" panose="020B0604020202020204" pitchFamily="34" charset="0"/>
+                        </a:rPr>
+                        <a:t>0-300ms</a:t>
+                      </a:r>
+                    </a:p>
+                  </a:txBody>
+                  <a:tcPr marL="68580" marR="68580" marT="0" marB="0">
+                    <a:lnL w="12700" cap="flat" cmpd="sng" algn="ctr">
+                      <a:solidFill>
+                        <a:srgbClr val="000000"/>
+                      </a:solidFill>
+                      <a:prstDash val="solid"/>
+                      <a:round/>
+                      <a:headEnd type="none" w="med" len="med"/>
+                      <a:tailEnd type="none" w="med" len="med"/>
+                    </a:lnL>
+                    <a:lnR w="38100" cap="flat" cmpd="sng" algn="ctr">
+                      <a:solidFill>
+                        <a:srgbClr val="000000"/>
+                      </a:solidFill>
+                      <a:prstDash val="solid"/>
+                      <a:round/>
+                      <a:headEnd type="none" w="med" len="med"/>
+                      <a:tailEnd type="none" w="med" len="med"/>
+                    </a:lnR>
+                    <a:lnT w="38100" cap="flat" cmpd="sng" algn="ctr">
+                      <a:solidFill>
+                        <a:srgbClr val="000000"/>
+                      </a:solidFill>
+                      <a:prstDash val="solid"/>
+                      <a:round/>
+                      <a:headEnd type="none" w="med" len="med"/>
+                      <a:tailEnd type="none" w="med" len="med"/>
+                    </a:lnT>
+                    <a:lnB w="12700" cap="flat" cmpd="sng" algn="ctr">
+                      <a:solidFill>
+                        <a:srgbClr val="000000"/>
+                      </a:solidFill>
+                      <a:prstDash val="solid"/>
+                      <a:round/>
+                      <a:headEnd type="none" w="med" len="med"/>
+                      <a:tailEnd type="none" w="med" len="med"/>
+                    </a:lnB>
+                  </a:tcPr>
+                </a:tc>
+                <a:tc>
+                  <a:txBody>
+                    <a:bodyPr/>
+                    <a:lstStyle/>
+                    <a:p>
+                      <a:pPr algn="ctr" rtl="1"/>
+                      <a:r>
+                        <a:rPr lang="he-IL" sz="1800">
+                          <a:effectLst/>
+                          <a:latin typeface="Calibri" panose="020F0502020204030204" pitchFamily="34" charset="0"/>
+                          <a:ea typeface="Calibri" panose="020F0502020204030204" pitchFamily="34" charset="0"/>
+                          <a:cs typeface="Arial" panose="020B0604020202020204" pitchFamily="34" charset="0"/>
+                        </a:rPr>
+                        <a:t> </a:t>
+                      </a:r>
+                      <a:endParaRPr lang="en-US" sz="1800">
+                        <a:effectLst/>
+                        <a:latin typeface="Calibri" panose="020F0502020204030204" pitchFamily="34" charset="0"/>
+                        <a:ea typeface="Calibri" panose="020F0502020204030204" pitchFamily="34" charset="0"/>
+                        <a:cs typeface="Arial" panose="020B0604020202020204" pitchFamily="34" charset="0"/>
+                      </a:endParaRPr>
+                    </a:p>
+                  </a:txBody>
+                  <a:tcPr marL="68580" marR="68580" marT="0" marB="0">
+                    <a:lnL w="38100" cap="flat" cmpd="sng" algn="ctr">
+                      <a:solidFill>
+                        <a:srgbClr val="000000"/>
+                      </a:solidFill>
+                      <a:prstDash val="solid"/>
+                      <a:round/>
+                      <a:headEnd type="none" w="med" len="med"/>
+                      <a:tailEnd type="none" w="med" len="med"/>
+                    </a:lnL>
+                    <a:lnR w="12700" cap="flat" cmpd="sng" algn="ctr">
+                      <a:solidFill>
+                        <a:srgbClr val="000000"/>
+                      </a:solidFill>
+                      <a:prstDash val="solid"/>
+                      <a:round/>
+                      <a:headEnd type="none" w="med" len="med"/>
+                      <a:tailEnd type="none" w="med" len="med"/>
+                    </a:lnR>
+                    <a:lnT w="38100" cap="flat" cmpd="sng" algn="ctr">
+                      <a:solidFill>
+                        <a:srgbClr val="000000"/>
+                      </a:solidFill>
+                      <a:prstDash val="solid"/>
+                      <a:round/>
+                      <a:headEnd type="none" w="med" len="med"/>
+                      <a:tailEnd type="none" w="med" len="med"/>
+                    </a:lnT>
+                    <a:lnB w="12700" cap="flat" cmpd="sng" algn="ctr">
+                      <a:solidFill>
+                        <a:srgbClr val="000000"/>
+                      </a:solidFill>
+                      <a:prstDash val="solid"/>
+                      <a:round/>
+                      <a:headEnd type="none" w="med" len="med"/>
+                      <a:tailEnd type="none" w="med" len="med"/>
+                    </a:lnB>
+                  </a:tcPr>
+                </a:tc>
+                <a:extLst>
+                  <a:ext uri="{0D108BD9-81ED-4DB2-BD59-A6C34878D82A}">
+                    <a16:rowId xmlns:a16="http://schemas.microsoft.com/office/drawing/2014/main" val="3807551065"/>
+                  </a:ext>
+                </a:extLst>
+              </a:tr>
+              <a:tr h="236281">
+                <a:tc>
+                  <a:txBody>
+                    <a:bodyPr/>
+                    <a:lstStyle/>
+                    <a:p>
+                      <a:pPr algn="ctr" rtl="1"/>
+                      <a:r>
+                        <a:rPr lang="he-IL" sz="1800">
+                          <a:effectLst/>
+                          <a:latin typeface="Calibri" panose="020F0502020204030204" pitchFamily="34" charset="0"/>
+                          <a:ea typeface="Calibri" panose="020F0502020204030204" pitchFamily="34" charset="0"/>
+                          <a:cs typeface="Arial" panose="020B0604020202020204" pitchFamily="34" charset="0"/>
+                        </a:rPr>
+                        <a:t> </a:t>
+                      </a:r>
+                      <a:endParaRPr lang="en-US" sz="1800">
+                        <a:effectLst/>
+                        <a:latin typeface="Calibri" panose="020F0502020204030204" pitchFamily="34" charset="0"/>
+                        <a:ea typeface="Calibri" panose="020F0502020204030204" pitchFamily="34" charset="0"/>
+                        <a:cs typeface="Arial" panose="020B0604020202020204" pitchFamily="34" charset="0"/>
+                      </a:endParaRPr>
+                    </a:p>
+                  </a:txBody>
+                  <a:tcPr marL="68580" marR="68580" marT="0" marB="0">
+                    <a:lnL w="12700" cap="flat" cmpd="sng" algn="ctr">
+                      <a:solidFill>
+                        <a:srgbClr val="000000"/>
+                      </a:solidFill>
+                      <a:prstDash val="solid"/>
+                      <a:round/>
+                      <a:headEnd type="none" w="med" len="med"/>
+                      <a:tailEnd type="none" w="med" len="med"/>
+                    </a:lnL>
+                    <a:lnR w="12700" cap="flat" cmpd="sng" algn="ctr">
+                      <a:solidFill>
+                        <a:srgbClr val="000000"/>
+                      </a:solidFill>
+                      <a:prstDash val="solid"/>
+                      <a:round/>
+                      <a:headEnd type="none" w="med" len="med"/>
+                      <a:tailEnd type="none" w="med" len="med"/>
+                    </a:lnR>
+                    <a:lnT w="12700" cap="flat" cmpd="sng" algn="ctr">
+                      <a:solidFill>
+                        <a:srgbClr val="000000"/>
+                      </a:solidFill>
+                      <a:prstDash val="solid"/>
+                      <a:round/>
+                      <a:headEnd type="none" w="med" len="med"/>
+                      <a:tailEnd type="none" w="med" len="med"/>
+                    </a:lnT>
+                    <a:lnB w="12700" cap="flat" cmpd="sng" algn="ctr">
+                      <a:solidFill>
+                        <a:srgbClr val="000000"/>
+                      </a:solidFill>
+                      <a:prstDash val="solid"/>
+                      <a:round/>
+                      <a:headEnd type="none" w="med" len="med"/>
+                      <a:tailEnd type="none" w="med" len="med"/>
+                    </a:lnB>
+                  </a:tcPr>
+                </a:tc>
+                <a:tc>
+                  <a:txBody>
+                    <a:bodyPr/>
+                    <a:lstStyle/>
+                    <a:p>
+                      <a:pPr algn="ctr" rtl="1"/>
+                      <a:r>
+                        <a:rPr lang="he-IL" sz="1800">
+                          <a:effectLst/>
+                          <a:latin typeface="Calibri" panose="020F0502020204030204" pitchFamily="34" charset="0"/>
+                          <a:ea typeface="Calibri" panose="020F0502020204030204" pitchFamily="34" charset="0"/>
+                          <a:cs typeface="Arial" panose="020B0604020202020204" pitchFamily="34" charset="0"/>
+                        </a:rPr>
+                        <a:t> </a:t>
+                      </a:r>
+                      <a:endParaRPr lang="en-US" sz="1800">
+                        <a:effectLst/>
+                        <a:latin typeface="Calibri" panose="020F0502020204030204" pitchFamily="34" charset="0"/>
+                        <a:ea typeface="Calibri" panose="020F0502020204030204" pitchFamily="34" charset="0"/>
+                        <a:cs typeface="Arial" panose="020B0604020202020204" pitchFamily="34" charset="0"/>
+                      </a:endParaRPr>
+                    </a:p>
+                  </a:txBody>
+                  <a:tcPr marL="68580" marR="68580" marT="0" marB="0">
+                    <a:lnL w="12700" cap="flat" cmpd="sng" algn="ctr">
+                      <a:solidFill>
+                        <a:srgbClr val="000000"/>
+                      </a:solidFill>
+                      <a:prstDash val="solid"/>
+                      <a:round/>
+                      <a:headEnd type="none" w="med" len="med"/>
+                      <a:tailEnd type="none" w="med" len="med"/>
+                    </a:lnL>
+                    <a:lnR w="38100" cap="flat" cmpd="sng" algn="ctr">
+                      <a:solidFill>
+                        <a:srgbClr val="000000"/>
+                      </a:solidFill>
+                      <a:prstDash val="solid"/>
+                      <a:round/>
+                      <a:headEnd type="none" w="med" len="med"/>
+                      <a:tailEnd type="none" w="med" len="med"/>
+                    </a:lnR>
+                    <a:lnT w="12700" cap="flat" cmpd="sng" algn="ctr">
+                      <a:solidFill>
+                        <a:srgbClr val="000000"/>
+                      </a:solidFill>
+                      <a:prstDash val="solid"/>
+                      <a:round/>
+                      <a:headEnd type="none" w="med" len="med"/>
+                      <a:tailEnd type="none" w="med" len="med"/>
+                    </a:lnT>
+                    <a:lnB w="12700" cap="flat" cmpd="sng" algn="ctr">
+                      <a:solidFill>
+                        <a:srgbClr val="000000"/>
+                      </a:solidFill>
+                      <a:prstDash val="solid"/>
+                      <a:round/>
+                      <a:headEnd type="none" w="med" len="med"/>
+                      <a:tailEnd type="none" w="med" len="med"/>
+                    </a:lnB>
+                  </a:tcPr>
+                </a:tc>
+                <a:tc>
+                  <a:txBody>
+                    <a:bodyPr/>
+                    <a:lstStyle/>
+                    <a:p>
+                      <a:pPr algn="ctr" rtl="0"/>
+                      <a:r>
+                        <a:rPr lang="en-US" sz="1800">
+                          <a:effectLst/>
+                          <a:latin typeface="Calibri" panose="020F0502020204030204" pitchFamily="34" charset="0"/>
+                          <a:ea typeface="Calibri" panose="020F0502020204030204" pitchFamily="34" charset="0"/>
+                          <a:cs typeface="Arial" panose="020B0604020202020204" pitchFamily="34" charset="0"/>
+                        </a:rPr>
+                        <a:t>5.43</a:t>
+                      </a:r>
+                    </a:p>
+                  </a:txBody>
+                  <a:tcPr marL="68580" marR="68580" marT="0" marB="0">
+                    <a:lnL w="38100" cap="flat" cmpd="sng" algn="ctr">
+                      <a:solidFill>
+                        <a:srgbClr val="000000"/>
+                      </a:solidFill>
+                      <a:prstDash val="solid"/>
+                      <a:round/>
+                      <a:headEnd type="none" w="med" len="med"/>
+                      <a:tailEnd type="none" w="med" len="med"/>
+                    </a:lnL>
+                    <a:lnR w="12700" cap="flat" cmpd="sng" algn="ctr">
+                      <a:solidFill>
+                        <a:srgbClr val="000000"/>
+                      </a:solidFill>
+                      <a:prstDash val="solid"/>
+                      <a:round/>
+                      <a:headEnd type="none" w="med" len="med"/>
+                      <a:tailEnd type="none" w="med" len="med"/>
+                    </a:lnR>
+                    <a:lnT w="12700" cap="flat" cmpd="sng" algn="ctr">
+                      <a:solidFill>
+                        <a:srgbClr val="000000"/>
+                      </a:solidFill>
+                      <a:prstDash val="solid"/>
+                      <a:round/>
+                      <a:headEnd type="none" w="med" len="med"/>
+                      <a:tailEnd type="none" w="med" len="med"/>
+                    </a:lnT>
+                    <a:lnB w="12700" cap="flat" cmpd="sng" algn="ctr">
+                      <a:solidFill>
+                        <a:srgbClr val="000000"/>
+                      </a:solidFill>
+                      <a:prstDash val="solid"/>
+                      <a:round/>
+                      <a:headEnd type="none" w="med" len="med"/>
+                      <a:tailEnd type="none" w="med" len="med"/>
+                    </a:lnB>
+                  </a:tcPr>
+                </a:tc>
+                <a:tc>
+                  <a:txBody>
+                    <a:bodyPr/>
+                    <a:lstStyle/>
+                    <a:p>
+                      <a:pPr algn="ctr" rtl="0"/>
+                      <a:r>
+                        <a:rPr lang="en-US" sz="1800">
+                          <a:effectLst/>
+                          <a:latin typeface="Calibri" panose="020F0502020204030204" pitchFamily="34" charset="0"/>
+                          <a:ea typeface="Calibri" panose="020F0502020204030204" pitchFamily="34" charset="0"/>
+                          <a:cs typeface="Arial" panose="020B0604020202020204" pitchFamily="34" charset="0"/>
+                        </a:rPr>
+                        <a:t>7.57</a:t>
+                      </a:r>
+                    </a:p>
+                  </a:txBody>
+                  <a:tcPr marL="68580" marR="68580" marT="0" marB="0">
+                    <a:lnL w="12700" cap="flat" cmpd="sng" algn="ctr">
+                      <a:solidFill>
+                        <a:srgbClr val="000000"/>
+                      </a:solidFill>
+                      <a:prstDash val="solid"/>
+                      <a:round/>
+                      <a:headEnd type="none" w="med" len="med"/>
+                      <a:tailEnd type="none" w="med" len="med"/>
+                    </a:lnL>
+                    <a:lnR w="38100" cap="flat" cmpd="sng" algn="ctr">
+                      <a:solidFill>
+                        <a:srgbClr val="000000"/>
+                      </a:solidFill>
+                      <a:prstDash val="solid"/>
+                      <a:round/>
+                      <a:headEnd type="none" w="med" len="med"/>
+                      <a:tailEnd type="none" w="med" len="med"/>
+                    </a:lnR>
+                    <a:lnT w="12700" cap="flat" cmpd="sng" algn="ctr">
+                      <a:solidFill>
+                        <a:srgbClr val="000000"/>
+                      </a:solidFill>
+                      <a:prstDash val="solid"/>
+                      <a:round/>
+                      <a:headEnd type="none" w="med" len="med"/>
+                      <a:tailEnd type="none" w="med" len="med"/>
+                    </a:lnT>
+                    <a:lnB w="12700" cap="flat" cmpd="sng" algn="ctr">
+                      <a:solidFill>
+                        <a:srgbClr val="000000"/>
+                      </a:solidFill>
+                      <a:prstDash val="solid"/>
+                      <a:round/>
+                      <a:headEnd type="none" w="med" len="med"/>
+                      <a:tailEnd type="none" w="med" len="med"/>
+                    </a:lnB>
+                  </a:tcPr>
+                </a:tc>
+                <a:tc>
+                  <a:txBody>
+                    <a:bodyPr/>
+                    <a:lstStyle/>
+                    <a:p>
+                      <a:pPr algn="ctr" rtl="0"/>
+                      <a:r>
+                        <a:rPr lang="en-US" sz="1800">
+                          <a:solidFill>
+                            <a:srgbClr val="000000"/>
+                          </a:solidFill>
+                          <a:effectLst/>
+                          <a:latin typeface="Calibri" panose="020F0502020204030204" pitchFamily="34" charset="0"/>
+                          <a:ea typeface="Calibri" panose="020F0502020204030204" pitchFamily="34" charset="0"/>
+                          <a:cs typeface="Arial" panose="020B0604020202020204" pitchFamily="34" charset="0"/>
+                        </a:rPr>
+                        <a:t>0.83</a:t>
+                      </a:r>
+                      <a:endParaRPr lang="en-US" sz="1800">
+                        <a:effectLst/>
+                        <a:latin typeface="Calibri" panose="020F0502020204030204" pitchFamily="34" charset="0"/>
+                        <a:ea typeface="Calibri" panose="020F0502020204030204" pitchFamily="34" charset="0"/>
+                        <a:cs typeface="Arial" panose="020B0604020202020204" pitchFamily="34" charset="0"/>
+                      </a:endParaRPr>
+                    </a:p>
+                  </a:txBody>
+                  <a:tcPr marL="68580" marR="68580" marT="0" marB="0">
+                    <a:lnL w="38100" cap="flat" cmpd="sng" algn="ctr">
+                      <a:solidFill>
+                        <a:srgbClr val="000000"/>
+                      </a:solidFill>
+                      <a:prstDash val="solid"/>
+                      <a:round/>
+                      <a:headEnd type="none" w="med" len="med"/>
+                      <a:tailEnd type="none" w="med" len="med"/>
+                    </a:lnL>
+                    <a:lnR w="12700" cap="flat" cmpd="sng" algn="ctr">
+                      <a:solidFill>
+                        <a:srgbClr val="000000"/>
+                      </a:solidFill>
+                      <a:prstDash val="solid"/>
+                      <a:round/>
+                      <a:headEnd type="none" w="med" len="med"/>
+                      <a:tailEnd type="none" w="med" len="med"/>
+                    </a:lnR>
+                    <a:lnT w="12700" cap="flat" cmpd="sng" algn="ctr">
+                      <a:solidFill>
+                        <a:srgbClr val="000000"/>
+                      </a:solidFill>
+                      <a:prstDash val="solid"/>
+                      <a:round/>
+                      <a:headEnd type="none" w="med" len="med"/>
+                      <a:tailEnd type="none" w="med" len="med"/>
+                    </a:lnT>
+                    <a:lnB w="12700" cap="flat" cmpd="sng" algn="ctr">
+                      <a:solidFill>
+                        <a:srgbClr val="000000"/>
+                      </a:solidFill>
+                      <a:prstDash val="solid"/>
+                      <a:round/>
+                      <a:headEnd type="none" w="med" len="med"/>
+                      <a:tailEnd type="none" w="med" len="med"/>
+                    </a:lnB>
+                    <a:solidFill>
+                      <a:srgbClr val="C5E0B3"/>
+                    </a:solidFill>
+                  </a:tcPr>
+                </a:tc>
+                <a:tc>
+                  <a:txBody>
+                    <a:bodyPr/>
+                    <a:lstStyle/>
+                    <a:p>
+                      <a:pPr algn="ctr" rtl="0"/>
+                      <a:r>
+                        <a:rPr lang="en-US" sz="1800">
+                          <a:effectLst/>
+                          <a:latin typeface="Calibri" panose="020F0502020204030204" pitchFamily="34" charset="0"/>
+                          <a:ea typeface="Calibri" panose="020F0502020204030204" pitchFamily="34" charset="0"/>
+                          <a:cs typeface="Arial" panose="020B0604020202020204" pitchFamily="34" charset="0"/>
+                        </a:rPr>
+                        <a:t>0.79</a:t>
+                      </a:r>
+                    </a:p>
+                  </a:txBody>
+                  <a:tcPr marL="68580" marR="68580" marT="0" marB="0">
+                    <a:lnL w="12700" cap="flat" cmpd="sng" algn="ctr">
+                      <a:solidFill>
+                        <a:srgbClr val="000000"/>
+                      </a:solidFill>
+                      <a:prstDash val="solid"/>
+                      <a:round/>
+                      <a:headEnd type="none" w="med" len="med"/>
+                      <a:tailEnd type="none" w="med" len="med"/>
+                    </a:lnL>
+                    <a:lnR w="38100" cap="flat" cmpd="sng" algn="ctr">
+                      <a:solidFill>
+                        <a:srgbClr val="000000"/>
+                      </a:solidFill>
+                      <a:prstDash val="solid"/>
+                      <a:round/>
+                      <a:headEnd type="none" w="med" len="med"/>
+                      <a:tailEnd type="none" w="med" len="med"/>
+                    </a:lnR>
+                    <a:lnT w="12700" cap="flat" cmpd="sng" algn="ctr">
+                      <a:solidFill>
+                        <a:srgbClr val="000000"/>
+                      </a:solidFill>
+                      <a:prstDash val="solid"/>
+                      <a:round/>
+                      <a:headEnd type="none" w="med" len="med"/>
+                      <a:tailEnd type="none" w="med" len="med"/>
+                    </a:lnT>
+                    <a:lnB w="12700" cap="flat" cmpd="sng" algn="ctr">
+                      <a:solidFill>
+                        <a:srgbClr val="000000"/>
+                      </a:solidFill>
+                      <a:prstDash val="solid"/>
+                      <a:round/>
+                      <a:headEnd type="none" w="med" len="med"/>
+                      <a:tailEnd type="none" w="med" len="med"/>
+                    </a:lnB>
+                  </a:tcPr>
+                </a:tc>
+                <a:tc>
+                  <a:txBody>
+                    <a:bodyPr/>
+                    <a:lstStyle/>
+                    <a:p>
+                      <a:pPr algn="ctr" rtl="1"/>
+                      <a:r>
+                        <a:rPr lang="en-US" sz="1800">
+                          <a:effectLst/>
+                          <a:latin typeface="Calibri" panose="020F0502020204030204" pitchFamily="34" charset="0"/>
+                          <a:ea typeface="Calibri" panose="020F0502020204030204" pitchFamily="34" charset="0"/>
+                          <a:cs typeface="Arial" panose="020B0604020202020204" pitchFamily="34" charset="0"/>
+                        </a:rPr>
+                        <a:t>iEP</a:t>
+                      </a:r>
+                    </a:p>
+                  </a:txBody>
+                  <a:tcPr marL="68580" marR="68580" marT="0" marB="0">
+                    <a:lnL w="38100" cap="flat" cmpd="sng" algn="ctr">
+                      <a:solidFill>
+                        <a:srgbClr val="000000"/>
+                      </a:solidFill>
+                      <a:prstDash val="solid"/>
+                      <a:round/>
+                      <a:headEnd type="none" w="med" len="med"/>
+                      <a:tailEnd type="none" w="med" len="med"/>
+                    </a:lnL>
+                    <a:lnR w="12700" cap="flat" cmpd="sng" algn="ctr">
+                      <a:solidFill>
+                        <a:srgbClr val="000000"/>
+                      </a:solidFill>
+                      <a:prstDash val="solid"/>
+                      <a:round/>
+                      <a:headEnd type="none" w="med" len="med"/>
+                      <a:tailEnd type="none" w="med" len="med"/>
+                    </a:lnR>
+                    <a:lnT w="12700" cap="flat" cmpd="sng" algn="ctr">
+                      <a:solidFill>
+                        <a:srgbClr val="000000"/>
+                      </a:solidFill>
+                      <a:prstDash val="solid"/>
+                      <a:round/>
+                      <a:headEnd type="none" w="med" len="med"/>
+                      <a:tailEnd type="none" w="med" len="med"/>
+                    </a:lnT>
+                    <a:lnB w="12700" cap="flat" cmpd="sng" algn="ctr">
+                      <a:solidFill>
+                        <a:srgbClr val="000000"/>
+                      </a:solidFill>
+                      <a:prstDash val="solid"/>
+                      <a:round/>
+                      <a:headEnd type="none" w="med" len="med"/>
+                      <a:tailEnd type="none" w="med" len="med"/>
+                    </a:lnB>
+                  </a:tcPr>
+                </a:tc>
+                <a:extLst>
+                  <a:ext uri="{0D108BD9-81ED-4DB2-BD59-A6C34878D82A}">
+                    <a16:rowId xmlns:a16="http://schemas.microsoft.com/office/drawing/2014/main" val="2367642303"/>
+                  </a:ext>
+                </a:extLst>
+              </a:tr>
+              <a:tr h="236281">
+                <a:tc>
+                  <a:txBody>
+                    <a:bodyPr/>
+                    <a:lstStyle/>
+                    <a:p>
+                      <a:pPr algn="ctr" rtl="1"/>
+                      <a:r>
+                        <a:rPr lang="he-IL" sz="1800">
+                          <a:effectLst/>
+                          <a:latin typeface="Calibri" panose="020F0502020204030204" pitchFamily="34" charset="0"/>
+                          <a:ea typeface="Calibri" panose="020F0502020204030204" pitchFamily="34" charset="0"/>
+                          <a:cs typeface="Arial" panose="020B0604020202020204" pitchFamily="34" charset="0"/>
+                        </a:rPr>
+                        <a:t> </a:t>
+                      </a:r>
+                      <a:endParaRPr lang="en-US" sz="1800">
+                        <a:effectLst/>
+                        <a:latin typeface="Calibri" panose="020F0502020204030204" pitchFamily="34" charset="0"/>
+                        <a:ea typeface="Calibri" panose="020F0502020204030204" pitchFamily="34" charset="0"/>
+                        <a:cs typeface="Arial" panose="020B0604020202020204" pitchFamily="34" charset="0"/>
+                      </a:endParaRPr>
+                    </a:p>
+                  </a:txBody>
+                  <a:tcPr marL="68580" marR="68580" marT="0" marB="0">
+                    <a:lnL w="12700" cap="flat" cmpd="sng" algn="ctr">
+                      <a:solidFill>
+                        <a:srgbClr val="000000"/>
+                      </a:solidFill>
+                      <a:prstDash val="solid"/>
+                      <a:round/>
+                      <a:headEnd type="none" w="med" len="med"/>
+                      <a:tailEnd type="none" w="med" len="med"/>
+                    </a:lnL>
+                    <a:lnR w="12700" cap="flat" cmpd="sng" algn="ctr">
+                      <a:solidFill>
+                        <a:srgbClr val="000000"/>
+                      </a:solidFill>
+                      <a:prstDash val="solid"/>
+                      <a:round/>
+                      <a:headEnd type="none" w="med" len="med"/>
+                      <a:tailEnd type="none" w="med" len="med"/>
+                    </a:lnR>
+                    <a:lnT w="12700" cap="flat" cmpd="sng" algn="ctr">
+                      <a:solidFill>
+                        <a:srgbClr val="000000"/>
+                      </a:solidFill>
+                      <a:prstDash val="solid"/>
+                      <a:round/>
+                      <a:headEnd type="none" w="med" len="med"/>
+                      <a:tailEnd type="none" w="med" len="med"/>
+                    </a:lnT>
+                    <a:lnB w="12700" cap="flat" cmpd="sng" algn="ctr">
+                      <a:solidFill>
+                        <a:srgbClr val="000000"/>
+                      </a:solidFill>
+                      <a:prstDash val="solid"/>
+                      <a:round/>
+                      <a:headEnd type="none" w="med" len="med"/>
+                      <a:tailEnd type="none" w="med" len="med"/>
+                    </a:lnB>
+                  </a:tcPr>
+                </a:tc>
+                <a:tc>
+                  <a:txBody>
+                    <a:bodyPr/>
+                    <a:lstStyle/>
+                    <a:p>
+                      <a:pPr algn="ctr" rtl="1"/>
+                      <a:r>
+                        <a:rPr lang="he-IL" sz="1800">
+                          <a:effectLst/>
+                          <a:latin typeface="Calibri" panose="020F0502020204030204" pitchFamily="34" charset="0"/>
+                          <a:ea typeface="Calibri" panose="020F0502020204030204" pitchFamily="34" charset="0"/>
+                          <a:cs typeface="Arial" panose="020B0604020202020204" pitchFamily="34" charset="0"/>
+                        </a:rPr>
+                        <a:t> </a:t>
+                      </a:r>
+                      <a:endParaRPr lang="en-US" sz="1800">
+                        <a:effectLst/>
+                        <a:latin typeface="Calibri" panose="020F0502020204030204" pitchFamily="34" charset="0"/>
+                        <a:ea typeface="Calibri" panose="020F0502020204030204" pitchFamily="34" charset="0"/>
+                        <a:cs typeface="Arial" panose="020B0604020202020204" pitchFamily="34" charset="0"/>
+                      </a:endParaRPr>
+                    </a:p>
+                  </a:txBody>
+                  <a:tcPr marL="68580" marR="68580" marT="0" marB="0">
+                    <a:lnL w="12700" cap="flat" cmpd="sng" algn="ctr">
+                      <a:solidFill>
+                        <a:srgbClr val="000000"/>
+                      </a:solidFill>
+                      <a:prstDash val="solid"/>
+                      <a:round/>
+                      <a:headEnd type="none" w="med" len="med"/>
+                      <a:tailEnd type="none" w="med" len="med"/>
+                    </a:lnL>
+                    <a:lnR w="38100" cap="flat" cmpd="sng" algn="ctr">
+                      <a:solidFill>
+                        <a:srgbClr val="000000"/>
+                      </a:solidFill>
+                      <a:prstDash val="solid"/>
+                      <a:round/>
+                      <a:headEnd type="none" w="med" len="med"/>
+                      <a:tailEnd type="none" w="med" len="med"/>
+                    </a:lnR>
+                    <a:lnT w="12700" cap="flat" cmpd="sng" algn="ctr">
+                      <a:solidFill>
+                        <a:srgbClr val="000000"/>
+                      </a:solidFill>
+                      <a:prstDash val="solid"/>
+                      <a:round/>
+                      <a:headEnd type="none" w="med" len="med"/>
+                      <a:tailEnd type="none" w="med" len="med"/>
+                    </a:lnT>
+                    <a:lnB w="12700" cap="flat" cmpd="sng" algn="ctr">
+                      <a:solidFill>
+                        <a:srgbClr val="000000"/>
+                      </a:solidFill>
+                      <a:prstDash val="solid"/>
+                      <a:round/>
+                      <a:headEnd type="none" w="med" len="med"/>
+                      <a:tailEnd type="none" w="med" len="med"/>
+                    </a:lnB>
+                  </a:tcPr>
+                </a:tc>
+                <a:tc>
+                  <a:txBody>
+                    <a:bodyPr/>
+                    <a:lstStyle/>
+                    <a:p>
+                      <a:pPr algn="ctr" rtl="0"/>
+                      <a:r>
+                        <a:rPr lang="en-US" sz="1800">
+                          <a:effectLst/>
+                          <a:latin typeface="Calibri" panose="020F0502020204030204" pitchFamily="34" charset="0"/>
+                          <a:ea typeface="Calibri" panose="020F0502020204030204" pitchFamily="34" charset="0"/>
+                          <a:cs typeface="Arial" panose="020B0604020202020204" pitchFamily="34" charset="0"/>
+                        </a:rPr>
+                        <a:t>8.10</a:t>
+                      </a:r>
+                    </a:p>
+                  </a:txBody>
+                  <a:tcPr marL="68580" marR="68580" marT="0" marB="0">
+                    <a:lnL w="38100" cap="flat" cmpd="sng" algn="ctr">
+                      <a:solidFill>
+                        <a:srgbClr val="000000"/>
+                      </a:solidFill>
+                      <a:prstDash val="solid"/>
+                      <a:round/>
+                      <a:headEnd type="none" w="med" len="med"/>
+                      <a:tailEnd type="none" w="med" len="med"/>
+                    </a:lnL>
+                    <a:lnR w="12700" cap="flat" cmpd="sng" algn="ctr">
+                      <a:solidFill>
+                        <a:srgbClr val="000000"/>
+                      </a:solidFill>
+                      <a:prstDash val="solid"/>
+                      <a:round/>
+                      <a:headEnd type="none" w="med" len="med"/>
+                      <a:tailEnd type="none" w="med" len="med"/>
+                    </a:lnR>
+                    <a:lnT w="12700" cap="flat" cmpd="sng" algn="ctr">
+                      <a:solidFill>
+                        <a:srgbClr val="000000"/>
+                      </a:solidFill>
+                      <a:prstDash val="solid"/>
+                      <a:round/>
+                      <a:headEnd type="none" w="med" len="med"/>
+                      <a:tailEnd type="none" w="med" len="med"/>
+                    </a:lnT>
+                    <a:lnB w="12700" cap="flat" cmpd="sng" algn="ctr">
+                      <a:solidFill>
+                        <a:srgbClr val="000000"/>
+                      </a:solidFill>
+                      <a:prstDash val="solid"/>
+                      <a:round/>
+                      <a:headEnd type="none" w="med" len="med"/>
+                      <a:tailEnd type="none" w="med" len="med"/>
+                    </a:lnB>
+                  </a:tcPr>
+                </a:tc>
+                <a:tc>
+                  <a:txBody>
+                    <a:bodyPr/>
+                    <a:lstStyle/>
+                    <a:p>
+                      <a:pPr algn="ctr" rtl="0"/>
+                      <a:r>
+                        <a:rPr lang="en-US" sz="1800">
+                          <a:effectLst/>
+                          <a:latin typeface="Calibri" panose="020F0502020204030204" pitchFamily="34" charset="0"/>
+                          <a:ea typeface="Calibri" panose="020F0502020204030204" pitchFamily="34" charset="0"/>
+                          <a:cs typeface="Arial" panose="020B0604020202020204" pitchFamily="34" charset="0"/>
+                        </a:rPr>
+                        <a:t>7.3</a:t>
+                      </a:r>
+                    </a:p>
+                  </a:txBody>
+                  <a:tcPr marL="68580" marR="68580" marT="0" marB="0">
+                    <a:lnL w="12700" cap="flat" cmpd="sng" algn="ctr">
+                      <a:solidFill>
+                        <a:srgbClr val="000000"/>
+                      </a:solidFill>
+                      <a:prstDash val="solid"/>
+                      <a:round/>
+                      <a:headEnd type="none" w="med" len="med"/>
+                      <a:tailEnd type="none" w="med" len="med"/>
+                    </a:lnL>
+                    <a:lnR w="38100" cap="flat" cmpd="sng" algn="ctr">
+                      <a:solidFill>
+                        <a:srgbClr val="000000"/>
+                      </a:solidFill>
+                      <a:prstDash val="solid"/>
+                      <a:round/>
+                      <a:headEnd type="none" w="med" len="med"/>
+                      <a:tailEnd type="none" w="med" len="med"/>
+                    </a:lnR>
+                    <a:lnT w="12700" cap="flat" cmpd="sng" algn="ctr">
+                      <a:solidFill>
+                        <a:srgbClr val="000000"/>
+                      </a:solidFill>
+                      <a:prstDash val="solid"/>
+                      <a:round/>
+                      <a:headEnd type="none" w="med" len="med"/>
+                      <a:tailEnd type="none" w="med" len="med"/>
+                    </a:lnT>
+                    <a:lnB w="12700" cap="flat" cmpd="sng" algn="ctr">
+                      <a:solidFill>
+                        <a:srgbClr val="000000"/>
+                      </a:solidFill>
+                      <a:prstDash val="solid"/>
+                      <a:round/>
+                      <a:headEnd type="none" w="med" len="med"/>
+                      <a:tailEnd type="none" w="med" len="med"/>
+                    </a:lnB>
+                  </a:tcPr>
+                </a:tc>
+                <a:tc>
+                  <a:txBody>
+                    <a:bodyPr/>
+                    <a:lstStyle/>
+                    <a:p>
+                      <a:pPr algn="ctr" rtl="0"/>
+                      <a:r>
+                        <a:rPr lang="en-US" sz="1800">
+                          <a:solidFill>
+                            <a:srgbClr val="000000"/>
+                          </a:solidFill>
+                          <a:effectLst/>
+                          <a:latin typeface="Calibri" panose="020F0502020204030204" pitchFamily="34" charset="0"/>
+                          <a:ea typeface="Calibri" panose="020F0502020204030204" pitchFamily="34" charset="0"/>
+                          <a:cs typeface="Arial" panose="020B0604020202020204" pitchFamily="34" charset="0"/>
+                        </a:rPr>
+                        <a:t>0.82</a:t>
+                      </a:r>
+                      <a:endParaRPr lang="en-US" sz="1800">
+                        <a:effectLst/>
+                        <a:latin typeface="Calibri" panose="020F0502020204030204" pitchFamily="34" charset="0"/>
+                        <a:ea typeface="Calibri" panose="020F0502020204030204" pitchFamily="34" charset="0"/>
+                        <a:cs typeface="Arial" panose="020B0604020202020204" pitchFamily="34" charset="0"/>
+                      </a:endParaRPr>
+                    </a:p>
+                  </a:txBody>
+                  <a:tcPr marL="68580" marR="68580" marT="0" marB="0">
+                    <a:lnL w="38100" cap="flat" cmpd="sng" algn="ctr">
+                      <a:solidFill>
+                        <a:srgbClr val="000000"/>
+                      </a:solidFill>
+                      <a:prstDash val="solid"/>
+                      <a:round/>
+                      <a:headEnd type="none" w="med" len="med"/>
+                      <a:tailEnd type="none" w="med" len="med"/>
+                    </a:lnL>
+                    <a:lnR w="12700" cap="flat" cmpd="sng" algn="ctr">
+                      <a:solidFill>
+                        <a:srgbClr val="000000"/>
+                      </a:solidFill>
+                      <a:prstDash val="solid"/>
+                      <a:round/>
+                      <a:headEnd type="none" w="med" len="med"/>
+                      <a:tailEnd type="none" w="med" len="med"/>
+                    </a:lnR>
+                    <a:lnT w="12700" cap="flat" cmpd="sng" algn="ctr">
+                      <a:solidFill>
+                        <a:srgbClr val="000000"/>
+                      </a:solidFill>
+                      <a:prstDash val="solid"/>
+                      <a:round/>
+                      <a:headEnd type="none" w="med" len="med"/>
+                      <a:tailEnd type="none" w="med" len="med"/>
+                    </a:lnT>
+                    <a:lnB w="12700" cap="flat" cmpd="sng" algn="ctr">
+                      <a:solidFill>
+                        <a:srgbClr val="000000"/>
+                      </a:solidFill>
+                      <a:prstDash val="solid"/>
+                      <a:round/>
+                      <a:headEnd type="none" w="med" len="med"/>
+                      <a:tailEnd type="none" w="med" len="med"/>
+                    </a:lnB>
+                    <a:solidFill>
+                      <a:srgbClr val="C5E0B3"/>
+                    </a:solidFill>
+                  </a:tcPr>
+                </a:tc>
+                <a:tc>
+                  <a:txBody>
+                    <a:bodyPr/>
+                    <a:lstStyle/>
+                    <a:p>
+                      <a:pPr algn="ctr" rtl="0"/>
+                      <a:r>
+                        <a:rPr lang="en-US" sz="1800">
+                          <a:effectLst/>
+                          <a:latin typeface="Calibri" panose="020F0502020204030204" pitchFamily="34" charset="0"/>
+                          <a:ea typeface="Calibri" panose="020F0502020204030204" pitchFamily="34" charset="0"/>
+                          <a:cs typeface="Arial" panose="020B0604020202020204" pitchFamily="34" charset="0"/>
+                        </a:rPr>
+                        <a:t>0.79</a:t>
+                      </a:r>
+                    </a:p>
+                  </a:txBody>
+                  <a:tcPr marL="68580" marR="68580" marT="0" marB="0">
+                    <a:lnL w="12700" cap="flat" cmpd="sng" algn="ctr">
+                      <a:solidFill>
+                        <a:srgbClr val="000000"/>
+                      </a:solidFill>
+                      <a:prstDash val="solid"/>
+                      <a:round/>
+                      <a:headEnd type="none" w="med" len="med"/>
+                      <a:tailEnd type="none" w="med" len="med"/>
+                    </a:lnL>
+                    <a:lnR w="38100" cap="flat" cmpd="sng" algn="ctr">
+                      <a:solidFill>
+                        <a:srgbClr val="000000"/>
+                      </a:solidFill>
+                      <a:prstDash val="solid"/>
+                      <a:round/>
+                      <a:headEnd type="none" w="med" len="med"/>
+                      <a:tailEnd type="none" w="med" len="med"/>
+                    </a:lnR>
+                    <a:lnT w="12700" cap="flat" cmpd="sng" algn="ctr">
+                      <a:solidFill>
+                        <a:srgbClr val="000000"/>
+                      </a:solidFill>
+                      <a:prstDash val="solid"/>
+                      <a:round/>
+                      <a:headEnd type="none" w="med" len="med"/>
+                      <a:tailEnd type="none" w="med" len="med"/>
+                    </a:lnT>
+                    <a:lnB w="12700" cap="flat" cmpd="sng" algn="ctr">
+                      <a:solidFill>
+                        <a:srgbClr val="000000"/>
+                      </a:solidFill>
+                      <a:prstDash val="solid"/>
+                      <a:round/>
+                      <a:headEnd type="none" w="med" len="med"/>
+                      <a:tailEnd type="none" w="med" len="med"/>
+                    </a:lnB>
+                  </a:tcPr>
+                </a:tc>
+                <a:tc>
+                  <a:txBody>
+                    <a:bodyPr/>
+                    <a:lstStyle/>
+                    <a:p>
+                      <a:pPr algn="ctr" rtl="1"/>
+                      <a:r>
+                        <a:rPr lang="en-US" sz="1800">
+                          <a:effectLst/>
+                          <a:latin typeface="Calibri" panose="020F0502020204030204" pitchFamily="34" charset="0"/>
+                          <a:ea typeface="Calibri" panose="020F0502020204030204" pitchFamily="34" charset="0"/>
+                          <a:cs typeface="Arial" panose="020B0604020202020204" pitchFamily="34" charset="0"/>
+                        </a:rPr>
+                        <a:t>Velocity</a:t>
+                      </a:r>
+                    </a:p>
+                  </a:txBody>
+                  <a:tcPr marL="68580" marR="68580" marT="0" marB="0">
+                    <a:lnL w="38100" cap="flat" cmpd="sng" algn="ctr">
+                      <a:solidFill>
+                        <a:srgbClr val="000000"/>
+                      </a:solidFill>
+                      <a:prstDash val="solid"/>
+                      <a:round/>
+                      <a:headEnd type="none" w="med" len="med"/>
+                      <a:tailEnd type="none" w="med" len="med"/>
+                    </a:lnL>
+                    <a:lnR w="12700" cap="flat" cmpd="sng" algn="ctr">
+                      <a:solidFill>
+                        <a:srgbClr val="000000"/>
+                      </a:solidFill>
+                      <a:prstDash val="solid"/>
+                      <a:round/>
+                      <a:headEnd type="none" w="med" len="med"/>
+                      <a:tailEnd type="none" w="med" len="med"/>
+                    </a:lnR>
+                    <a:lnT w="12700" cap="flat" cmpd="sng" algn="ctr">
+                      <a:solidFill>
+                        <a:srgbClr val="000000"/>
+                      </a:solidFill>
+                      <a:prstDash val="solid"/>
+                      <a:round/>
+                      <a:headEnd type="none" w="med" len="med"/>
+                      <a:tailEnd type="none" w="med" len="med"/>
+                    </a:lnT>
+                    <a:lnB w="12700" cap="flat" cmpd="sng" algn="ctr">
+                      <a:solidFill>
+                        <a:srgbClr val="000000"/>
+                      </a:solidFill>
+                      <a:prstDash val="solid"/>
+                      <a:round/>
+                      <a:headEnd type="none" w="med" len="med"/>
+                      <a:tailEnd type="none" w="med" len="med"/>
+                    </a:lnB>
+                  </a:tcPr>
+                </a:tc>
+                <a:extLst>
+                  <a:ext uri="{0D108BD9-81ED-4DB2-BD59-A6C34878D82A}">
+                    <a16:rowId xmlns:a16="http://schemas.microsoft.com/office/drawing/2014/main" val="2349360240"/>
+                  </a:ext>
+                </a:extLst>
+              </a:tr>
+              <a:tr h="236281">
+                <a:tc>
+                  <a:txBody>
+                    <a:bodyPr/>
+                    <a:lstStyle/>
+                    <a:p>
+                      <a:pPr algn="ctr" rtl="0"/>
+                      <a:r>
+                        <a:rPr lang="en-US" sz="1800">
+                          <a:effectLst/>
+                          <a:latin typeface="Calibri" panose="020F0502020204030204" pitchFamily="34" charset="0"/>
+                          <a:ea typeface="Calibri" panose="020F0502020204030204" pitchFamily="34" charset="0"/>
+                          <a:cs typeface="Arial" panose="020B0604020202020204" pitchFamily="34" charset="0"/>
+                        </a:rPr>
+                        <a:t>0.209</a:t>
+                      </a:r>
+                    </a:p>
+                  </a:txBody>
+                  <a:tcPr marL="68580" marR="68580" marT="0" marB="0">
+                    <a:lnL w="12700" cap="flat" cmpd="sng" algn="ctr">
+                      <a:solidFill>
+                        <a:srgbClr val="000000"/>
+                      </a:solidFill>
+                      <a:prstDash val="solid"/>
+                      <a:round/>
+                      <a:headEnd type="none" w="med" len="med"/>
+                      <a:tailEnd type="none" w="med" len="med"/>
+                    </a:lnL>
+                    <a:lnR w="12700" cap="flat" cmpd="sng" algn="ctr">
+                      <a:solidFill>
+                        <a:srgbClr val="000000"/>
+                      </a:solidFill>
+                      <a:prstDash val="solid"/>
+                      <a:round/>
+                      <a:headEnd type="none" w="med" len="med"/>
+                      <a:tailEnd type="none" w="med" len="med"/>
+                    </a:lnR>
+                    <a:lnT w="12700" cap="flat" cmpd="sng" algn="ctr">
+                      <a:solidFill>
+                        <a:srgbClr val="000000"/>
+                      </a:solidFill>
+                      <a:prstDash val="solid"/>
+                      <a:round/>
+                      <a:headEnd type="none" w="med" len="med"/>
+                      <a:tailEnd type="none" w="med" len="med"/>
+                    </a:lnT>
+                    <a:lnB w="12700" cap="flat" cmpd="sng" algn="ctr">
+                      <a:solidFill>
+                        <a:srgbClr val="000000"/>
+                      </a:solidFill>
+                      <a:prstDash val="solid"/>
+                      <a:round/>
+                      <a:headEnd type="none" w="med" len="med"/>
+                      <a:tailEnd type="none" w="med" len="med"/>
+                    </a:lnB>
+                  </a:tcPr>
+                </a:tc>
+                <a:tc>
+                  <a:txBody>
+                    <a:bodyPr/>
+                    <a:lstStyle/>
+                    <a:p>
+                      <a:pPr algn="ctr" rtl="0"/>
+                      <a:r>
+                        <a:rPr lang="en-US" sz="1800">
+                          <a:effectLst/>
+                          <a:latin typeface="Calibri" panose="020F0502020204030204" pitchFamily="34" charset="0"/>
+                          <a:ea typeface="Calibri" panose="020F0502020204030204" pitchFamily="34" charset="0"/>
+                          <a:cs typeface="Arial" panose="020B0604020202020204" pitchFamily="34" charset="0"/>
+                        </a:rPr>
+                        <a:t>0.197</a:t>
+                      </a:r>
+                    </a:p>
+                  </a:txBody>
+                  <a:tcPr marL="68580" marR="68580" marT="0" marB="0">
+                    <a:lnL w="12700" cap="flat" cmpd="sng" algn="ctr">
+                      <a:solidFill>
+                        <a:srgbClr val="000000"/>
+                      </a:solidFill>
+                      <a:prstDash val="solid"/>
+                      <a:round/>
+                      <a:headEnd type="none" w="med" len="med"/>
+                      <a:tailEnd type="none" w="med" len="med"/>
+                    </a:lnL>
+                    <a:lnR w="38100" cap="flat" cmpd="sng" algn="ctr">
+                      <a:solidFill>
+                        <a:srgbClr val="000000"/>
+                      </a:solidFill>
+                      <a:prstDash val="solid"/>
+                      <a:round/>
+                      <a:headEnd type="none" w="med" len="med"/>
+                      <a:tailEnd type="none" w="med" len="med"/>
+                    </a:lnR>
+                    <a:lnT w="12700" cap="flat" cmpd="sng" algn="ctr">
+                      <a:solidFill>
+                        <a:srgbClr val="000000"/>
+                      </a:solidFill>
+                      <a:prstDash val="solid"/>
+                      <a:round/>
+                      <a:headEnd type="none" w="med" len="med"/>
+                      <a:tailEnd type="none" w="med" len="med"/>
+                    </a:lnT>
+                    <a:lnB w="12700" cap="flat" cmpd="sng" algn="ctr">
+                      <a:solidFill>
+                        <a:srgbClr val="000000"/>
+                      </a:solidFill>
+                      <a:prstDash val="solid"/>
+                      <a:round/>
+                      <a:headEnd type="none" w="med" len="med"/>
+                      <a:tailEnd type="none" w="med" len="med"/>
+                    </a:lnB>
+                  </a:tcPr>
+                </a:tc>
+                <a:tc>
+                  <a:txBody>
+                    <a:bodyPr/>
+                    <a:lstStyle/>
+                    <a:p>
+                      <a:pPr algn="ctr" rtl="0"/>
+                      <a:r>
+                        <a:rPr lang="en-US" sz="1800">
+                          <a:effectLst/>
+                          <a:latin typeface="Calibri" panose="020F0502020204030204" pitchFamily="34" charset="0"/>
+                          <a:ea typeface="Calibri" panose="020F0502020204030204" pitchFamily="34" charset="0"/>
+                          <a:cs typeface="Arial" panose="020B0604020202020204" pitchFamily="34" charset="0"/>
+                        </a:rPr>
+                        <a:t>1.28</a:t>
+                      </a:r>
+                    </a:p>
+                  </a:txBody>
+                  <a:tcPr marL="68580" marR="68580" marT="0" marB="0">
+                    <a:lnL w="38100" cap="flat" cmpd="sng" algn="ctr">
+                      <a:solidFill>
+                        <a:srgbClr val="000000"/>
+                      </a:solidFill>
+                      <a:prstDash val="solid"/>
+                      <a:round/>
+                      <a:headEnd type="none" w="med" len="med"/>
+                      <a:tailEnd type="none" w="med" len="med"/>
+                    </a:lnL>
+                    <a:lnR w="12700" cap="flat" cmpd="sng" algn="ctr">
+                      <a:solidFill>
+                        <a:srgbClr val="000000"/>
+                      </a:solidFill>
+                      <a:prstDash val="solid"/>
+                      <a:round/>
+                      <a:headEnd type="none" w="med" len="med"/>
+                      <a:tailEnd type="none" w="med" len="med"/>
+                    </a:lnR>
+                    <a:lnT w="12700" cap="flat" cmpd="sng" algn="ctr">
+                      <a:solidFill>
+                        <a:srgbClr val="000000"/>
+                      </a:solidFill>
+                      <a:prstDash val="solid"/>
+                      <a:round/>
+                      <a:headEnd type="none" w="med" len="med"/>
+                      <a:tailEnd type="none" w="med" len="med"/>
+                    </a:lnT>
+                    <a:lnB w="12700" cap="flat" cmpd="sng" algn="ctr">
+                      <a:solidFill>
+                        <a:srgbClr val="000000"/>
+                      </a:solidFill>
+                      <a:prstDash val="solid"/>
+                      <a:round/>
+                      <a:headEnd type="none" w="med" len="med"/>
+                      <a:tailEnd type="none" w="med" len="med"/>
+                    </a:lnB>
+                  </a:tcPr>
+                </a:tc>
+                <a:tc>
+                  <a:txBody>
+                    <a:bodyPr/>
+                    <a:lstStyle/>
+                    <a:p>
+                      <a:pPr algn="ctr" rtl="0"/>
+                      <a:r>
+                        <a:rPr lang="en-US" sz="1800">
+                          <a:effectLst/>
+                          <a:latin typeface="Calibri" panose="020F0502020204030204" pitchFamily="34" charset="0"/>
+                          <a:ea typeface="Calibri" panose="020F0502020204030204" pitchFamily="34" charset="0"/>
+                          <a:cs typeface="Arial" panose="020B0604020202020204" pitchFamily="34" charset="0"/>
+                        </a:rPr>
+                        <a:t>1.31</a:t>
+                      </a:r>
+                    </a:p>
+                  </a:txBody>
+                  <a:tcPr marL="68580" marR="68580" marT="0" marB="0">
+                    <a:lnL w="12700" cap="flat" cmpd="sng" algn="ctr">
+                      <a:solidFill>
+                        <a:srgbClr val="000000"/>
+                      </a:solidFill>
+                      <a:prstDash val="solid"/>
+                      <a:round/>
+                      <a:headEnd type="none" w="med" len="med"/>
+                      <a:tailEnd type="none" w="med" len="med"/>
+                    </a:lnL>
+                    <a:lnR w="38100" cap="flat" cmpd="sng" algn="ctr">
+                      <a:solidFill>
+                        <a:srgbClr val="000000"/>
+                      </a:solidFill>
+                      <a:prstDash val="solid"/>
+                      <a:round/>
+                      <a:headEnd type="none" w="med" len="med"/>
+                      <a:tailEnd type="none" w="med" len="med"/>
+                    </a:lnR>
+                    <a:lnT w="12700" cap="flat" cmpd="sng" algn="ctr">
+                      <a:solidFill>
+                        <a:srgbClr val="000000"/>
+                      </a:solidFill>
+                      <a:prstDash val="solid"/>
+                      <a:round/>
+                      <a:headEnd type="none" w="med" len="med"/>
+                      <a:tailEnd type="none" w="med" len="med"/>
+                    </a:lnT>
+                    <a:lnB w="12700" cap="flat" cmpd="sng" algn="ctr">
+                      <a:solidFill>
+                        <a:srgbClr val="000000"/>
+                      </a:solidFill>
+                      <a:prstDash val="solid"/>
+                      <a:round/>
+                      <a:headEnd type="none" w="med" len="med"/>
+                      <a:tailEnd type="none" w="med" len="med"/>
+                    </a:lnB>
+                  </a:tcPr>
+                </a:tc>
+                <a:tc>
+                  <a:txBody>
+                    <a:bodyPr/>
+                    <a:lstStyle/>
+                    <a:p>
+                      <a:pPr algn="ctr" rtl="0"/>
+                      <a:r>
+                        <a:rPr lang="en-US" sz="1800">
+                          <a:effectLst/>
+                          <a:latin typeface="Calibri" panose="020F0502020204030204" pitchFamily="34" charset="0"/>
+                          <a:ea typeface="Calibri" panose="020F0502020204030204" pitchFamily="34" charset="0"/>
+                          <a:cs typeface="Arial" panose="020B0604020202020204" pitchFamily="34" charset="0"/>
+                        </a:rPr>
+                        <a:t>0.23</a:t>
+                      </a:r>
+                    </a:p>
+                  </a:txBody>
+                  <a:tcPr marL="68580" marR="68580" marT="0" marB="0">
+                    <a:lnL w="38100" cap="flat" cmpd="sng" algn="ctr">
+                      <a:solidFill>
+                        <a:srgbClr val="000000"/>
+                      </a:solidFill>
+                      <a:prstDash val="solid"/>
+                      <a:round/>
+                      <a:headEnd type="none" w="med" len="med"/>
+                      <a:tailEnd type="none" w="med" len="med"/>
+                    </a:lnL>
+                    <a:lnR w="12700" cap="flat" cmpd="sng" algn="ctr">
+                      <a:solidFill>
+                        <a:srgbClr val="000000"/>
+                      </a:solidFill>
+                      <a:prstDash val="solid"/>
+                      <a:round/>
+                      <a:headEnd type="none" w="med" len="med"/>
+                      <a:tailEnd type="none" w="med" len="med"/>
+                    </a:lnR>
+                    <a:lnT w="12700" cap="flat" cmpd="sng" algn="ctr">
+                      <a:solidFill>
+                        <a:srgbClr val="000000"/>
+                      </a:solidFill>
+                      <a:prstDash val="solid"/>
+                      <a:round/>
+                      <a:headEnd type="none" w="med" len="med"/>
+                      <a:tailEnd type="none" w="med" len="med"/>
+                    </a:lnT>
+                    <a:lnB w="12700" cap="flat" cmpd="sng" algn="ctr">
+                      <a:solidFill>
+                        <a:srgbClr val="000000"/>
+                      </a:solidFill>
+                      <a:prstDash val="solid"/>
+                      <a:round/>
+                      <a:headEnd type="none" w="med" len="med"/>
+                      <a:tailEnd type="none" w="med" len="med"/>
+                    </a:lnB>
+                  </a:tcPr>
+                </a:tc>
+                <a:tc>
+                  <a:txBody>
+                    <a:bodyPr/>
+                    <a:lstStyle/>
+                    <a:p>
+                      <a:pPr algn="ctr" rtl="0"/>
+                      <a:r>
+                        <a:rPr lang="en-US" sz="1800">
+                          <a:effectLst/>
+                          <a:latin typeface="Calibri" panose="020F0502020204030204" pitchFamily="34" charset="0"/>
+                          <a:ea typeface="Calibri" panose="020F0502020204030204" pitchFamily="34" charset="0"/>
+                          <a:cs typeface="Arial" panose="020B0604020202020204" pitchFamily="34" charset="0"/>
+                        </a:rPr>
+                        <a:t>0.24</a:t>
+                      </a:r>
+                    </a:p>
+                  </a:txBody>
+                  <a:tcPr marL="68580" marR="68580" marT="0" marB="0">
+                    <a:lnL w="12700" cap="flat" cmpd="sng" algn="ctr">
+                      <a:solidFill>
+                        <a:srgbClr val="000000"/>
+                      </a:solidFill>
+                      <a:prstDash val="solid"/>
+                      <a:round/>
+                      <a:headEnd type="none" w="med" len="med"/>
+                      <a:tailEnd type="none" w="med" len="med"/>
+                    </a:lnL>
+                    <a:lnR w="38100" cap="flat" cmpd="sng" algn="ctr">
+                      <a:solidFill>
+                        <a:srgbClr val="000000"/>
+                      </a:solidFill>
+                      <a:prstDash val="solid"/>
+                      <a:round/>
+                      <a:headEnd type="none" w="med" len="med"/>
+                      <a:tailEnd type="none" w="med" len="med"/>
+                    </a:lnR>
+                    <a:lnT w="12700" cap="flat" cmpd="sng" algn="ctr">
+                      <a:solidFill>
+                        <a:srgbClr val="000000"/>
+                      </a:solidFill>
+                      <a:prstDash val="solid"/>
+                      <a:round/>
+                      <a:headEnd type="none" w="med" len="med"/>
+                      <a:tailEnd type="none" w="med" len="med"/>
+                    </a:lnT>
+                    <a:lnB w="12700" cap="flat" cmpd="sng" algn="ctr">
+                      <a:solidFill>
+                        <a:srgbClr val="000000"/>
+                      </a:solidFill>
+                      <a:prstDash val="solid"/>
+                      <a:round/>
+                      <a:headEnd type="none" w="med" len="med"/>
+                      <a:tailEnd type="none" w="med" len="med"/>
+                    </a:lnB>
+                  </a:tcPr>
+                </a:tc>
+                <a:tc>
+                  <a:txBody>
+                    <a:bodyPr/>
+                    <a:lstStyle/>
+                    <a:p>
+                      <a:pPr algn="ctr" rtl="1"/>
+                      <a:r>
+                        <a:rPr lang="en-US" sz="1800">
+                          <a:effectLst/>
+                          <a:latin typeface="Calibri" panose="020F0502020204030204" pitchFamily="34" charset="0"/>
+                          <a:ea typeface="Calibri" panose="020F0502020204030204" pitchFamily="34" charset="0"/>
+                          <a:cs typeface="Arial" panose="020B0604020202020204" pitchFamily="34" charset="0"/>
+                        </a:rPr>
+                        <a:t>Max velocity</a:t>
+                      </a:r>
+                    </a:p>
+                  </a:txBody>
+                  <a:tcPr marL="68580" marR="68580" marT="0" marB="0">
+                    <a:lnL w="38100" cap="flat" cmpd="sng" algn="ctr">
+                      <a:solidFill>
+                        <a:srgbClr val="000000"/>
+                      </a:solidFill>
+                      <a:prstDash val="solid"/>
+                      <a:round/>
+                      <a:headEnd type="none" w="med" len="med"/>
+                      <a:tailEnd type="none" w="med" len="med"/>
+                    </a:lnL>
+                    <a:lnR w="12700" cap="flat" cmpd="sng" algn="ctr">
+                      <a:solidFill>
+                        <a:srgbClr val="000000"/>
+                      </a:solidFill>
+                      <a:prstDash val="solid"/>
+                      <a:round/>
+                      <a:headEnd type="none" w="med" len="med"/>
+                      <a:tailEnd type="none" w="med" len="med"/>
+                    </a:lnR>
+                    <a:lnT w="12700" cap="flat" cmpd="sng" algn="ctr">
+                      <a:solidFill>
+                        <a:srgbClr val="000000"/>
+                      </a:solidFill>
+                      <a:prstDash val="solid"/>
+                      <a:round/>
+                      <a:headEnd type="none" w="med" len="med"/>
+                      <a:tailEnd type="none" w="med" len="med"/>
+                    </a:lnT>
+                    <a:lnB w="12700" cap="flat" cmpd="sng" algn="ctr">
+                      <a:solidFill>
+                        <a:srgbClr val="000000"/>
+                      </a:solidFill>
+                      <a:prstDash val="solid"/>
+                      <a:round/>
+                      <a:headEnd type="none" w="med" len="med"/>
+                      <a:tailEnd type="none" w="med" len="med"/>
+                    </a:lnB>
+                  </a:tcPr>
+                </a:tc>
+                <a:extLst>
+                  <a:ext uri="{0D108BD9-81ED-4DB2-BD59-A6C34878D82A}">
+                    <a16:rowId xmlns:a16="http://schemas.microsoft.com/office/drawing/2014/main" val="2171188936"/>
+                  </a:ext>
+                </a:extLst>
+              </a:tr>
+              <a:tr h="236281">
+                <a:tc>
+                  <a:txBody>
+                    <a:bodyPr/>
+                    <a:lstStyle/>
+                    <a:p>
+                      <a:pPr algn="ctr" rtl="1"/>
+                      <a:r>
+                        <a:rPr lang="he-IL" sz="1800">
+                          <a:effectLst/>
+                          <a:latin typeface="Calibri" panose="020F0502020204030204" pitchFamily="34" charset="0"/>
+                          <a:ea typeface="Calibri" panose="020F0502020204030204" pitchFamily="34" charset="0"/>
+                          <a:cs typeface="Arial" panose="020B0604020202020204" pitchFamily="34" charset="0"/>
+                        </a:rPr>
+                        <a:t> </a:t>
+                      </a:r>
+                      <a:endParaRPr lang="en-US" sz="1800">
+                        <a:effectLst/>
+                        <a:latin typeface="Calibri" panose="020F0502020204030204" pitchFamily="34" charset="0"/>
+                        <a:ea typeface="Calibri" panose="020F0502020204030204" pitchFamily="34" charset="0"/>
+                        <a:cs typeface="Arial" panose="020B0604020202020204" pitchFamily="34" charset="0"/>
+                      </a:endParaRPr>
+                    </a:p>
+                  </a:txBody>
+                  <a:tcPr marL="68580" marR="68580" marT="0" marB="0">
+                    <a:lnL w="12700" cap="flat" cmpd="sng" algn="ctr">
+                      <a:solidFill>
+                        <a:srgbClr val="000000"/>
+                      </a:solidFill>
+                      <a:prstDash val="solid"/>
+                      <a:round/>
+                      <a:headEnd type="none" w="med" len="med"/>
+                      <a:tailEnd type="none" w="med" len="med"/>
+                    </a:lnL>
+                    <a:lnR w="12700" cap="flat" cmpd="sng" algn="ctr">
+                      <a:solidFill>
+                        <a:srgbClr val="000000"/>
+                      </a:solidFill>
+                      <a:prstDash val="solid"/>
+                      <a:round/>
+                      <a:headEnd type="none" w="med" len="med"/>
+                      <a:tailEnd type="none" w="med" len="med"/>
+                    </a:lnR>
+                    <a:lnT w="12700" cap="flat" cmpd="sng" algn="ctr">
+                      <a:solidFill>
+                        <a:srgbClr val="000000"/>
+                      </a:solidFill>
+                      <a:prstDash val="solid"/>
+                      <a:round/>
+                      <a:headEnd type="none" w="med" len="med"/>
+                      <a:tailEnd type="none" w="med" len="med"/>
+                    </a:lnT>
+                    <a:lnB w="12700" cap="flat" cmpd="sng" algn="ctr">
+                      <a:solidFill>
+                        <a:srgbClr val="000000"/>
+                      </a:solidFill>
+                      <a:prstDash val="solid"/>
+                      <a:round/>
+                      <a:headEnd type="none" w="med" len="med"/>
+                      <a:tailEnd type="none" w="med" len="med"/>
+                    </a:lnB>
+                  </a:tcPr>
+                </a:tc>
+                <a:tc>
+                  <a:txBody>
+                    <a:bodyPr/>
+                    <a:lstStyle/>
+                    <a:p>
+                      <a:pPr algn="ctr" rtl="1"/>
+                      <a:r>
+                        <a:rPr lang="he-IL" sz="1800">
+                          <a:effectLst/>
+                          <a:latin typeface="Calibri" panose="020F0502020204030204" pitchFamily="34" charset="0"/>
+                          <a:ea typeface="Calibri" panose="020F0502020204030204" pitchFamily="34" charset="0"/>
+                          <a:cs typeface="Arial" panose="020B0604020202020204" pitchFamily="34" charset="0"/>
+                        </a:rPr>
+                        <a:t> </a:t>
+                      </a:r>
+                      <a:endParaRPr lang="en-US" sz="1800">
+                        <a:effectLst/>
+                        <a:latin typeface="Calibri" panose="020F0502020204030204" pitchFamily="34" charset="0"/>
+                        <a:ea typeface="Calibri" panose="020F0502020204030204" pitchFamily="34" charset="0"/>
+                        <a:cs typeface="Arial" panose="020B0604020202020204" pitchFamily="34" charset="0"/>
+                      </a:endParaRPr>
+                    </a:p>
+                  </a:txBody>
+                  <a:tcPr marL="68580" marR="68580" marT="0" marB="0">
+                    <a:lnL w="12700" cap="flat" cmpd="sng" algn="ctr">
+                      <a:solidFill>
+                        <a:srgbClr val="000000"/>
+                      </a:solidFill>
+                      <a:prstDash val="solid"/>
+                      <a:round/>
+                      <a:headEnd type="none" w="med" len="med"/>
+                      <a:tailEnd type="none" w="med" len="med"/>
+                    </a:lnL>
+                    <a:lnR w="38100" cap="flat" cmpd="sng" algn="ctr">
+                      <a:solidFill>
+                        <a:srgbClr val="000000"/>
+                      </a:solidFill>
+                      <a:prstDash val="solid"/>
+                      <a:round/>
+                      <a:headEnd type="none" w="med" len="med"/>
+                      <a:tailEnd type="none" w="med" len="med"/>
+                    </a:lnR>
+                    <a:lnT w="12700" cap="flat" cmpd="sng" algn="ctr">
+                      <a:solidFill>
+                        <a:srgbClr val="000000"/>
+                      </a:solidFill>
+                      <a:prstDash val="solid"/>
+                      <a:round/>
+                      <a:headEnd type="none" w="med" len="med"/>
+                      <a:tailEnd type="none" w="med" len="med"/>
+                    </a:lnT>
+                    <a:lnB w="12700" cap="flat" cmpd="sng" algn="ctr">
+                      <a:solidFill>
+                        <a:srgbClr val="000000"/>
+                      </a:solidFill>
+                      <a:prstDash val="solid"/>
+                      <a:round/>
+                      <a:headEnd type="none" w="med" len="med"/>
+                      <a:tailEnd type="none" w="med" len="med"/>
+                    </a:lnB>
+                  </a:tcPr>
+                </a:tc>
+                <a:tc>
+                  <a:txBody>
+                    <a:bodyPr/>
+                    <a:lstStyle/>
+                    <a:p>
+                      <a:pPr algn="ctr" rtl="0"/>
+                      <a:r>
+                        <a:rPr lang="en-US" sz="1800">
+                          <a:effectLst/>
+                          <a:latin typeface="Calibri" panose="020F0502020204030204" pitchFamily="34" charset="0"/>
+                          <a:ea typeface="Calibri" panose="020F0502020204030204" pitchFamily="34" charset="0"/>
+                          <a:cs typeface="Arial" panose="020B0604020202020204" pitchFamily="34" charset="0"/>
+                        </a:rPr>
+                        <a:t>4.83</a:t>
+                      </a:r>
+                    </a:p>
+                  </a:txBody>
+                  <a:tcPr marL="68580" marR="68580" marT="0" marB="0">
+                    <a:lnL w="38100" cap="flat" cmpd="sng" algn="ctr">
+                      <a:solidFill>
+                        <a:srgbClr val="000000"/>
+                      </a:solidFill>
+                      <a:prstDash val="solid"/>
+                      <a:round/>
+                      <a:headEnd type="none" w="med" len="med"/>
+                      <a:tailEnd type="none" w="med" len="med"/>
+                    </a:lnL>
+                    <a:lnR w="12700" cap="flat" cmpd="sng" algn="ctr">
+                      <a:solidFill>
+                        <a:srgbClr val="000000"/>
+                      </a:solidFill>
+                      <a:prstDash val="solid"/>
+                      <a:round/>
+                      <a:headEnd type="none" w="med" len="med"/>
+                      <a:tailEnd type="none" w="med" len="med"/>
+                    </a:lnR>
+                    <a:lnT w="12700" cap="flat" cmpd="sng" algn="ctr">
+                      <a:solidFill>
+                        <a:srgbClr val="000000"/>
+                      </a:solidFill>
+                      <a:prstDash val="solid"/>
+                      <a:round/>
+                      <a:headEnd type="none" w="med" len="med"/>
+                      <a:tailEnd type="none" w="med" len="med"/>
+                    </a:lnT>
+                    <a:lnB w="12700" cap="flat" cmpd="sng" algn="ctr">
+                      <a:solidFill>
+                        <a:srgbClr val="000000"/>
+                      </a:solidFill>
+                      <a:prstDash val="solid"/>
+                      <a:round/>
+                      <a:headEnd type="none" w="med" len="med"/>
+                      <a:tailEnd type="none" w="med" len="med"/>
+                    </a:lnB>
+                  </a:tcPr>
+                </a:tc>
+                <a:tc>
+                  <a:txBody>
+                    <a:bodyPr/>
+                    <a:lstStyle/>
+                    <a:p>
+                      <a:pPr algn="ctr" rtl="0"/>
+                      <a:r>
+                        <a:rPr lang="en-US" sz="1800">
+                          <a:effectLst/>
+                          <a:latin typeface="Calibri" panose="020F0502020204030204" pitchFamily="34" charset="0"/>
+                          <a:ea typeface="Calibri" panose="020F0502020204030204" pitchFamily="34" charset="0"/>
+                          <a:cs typeface="Arial" panose="020B0604020202020204" pitchFamily="34" charset="0"/>
+                        </a:rPr>
+                        <a:t>5.92</a:t>
+                      </a:r>
+                    </a:p>
+                  </a:txBody>
+                  <a:tcPr marL="68580" marR="68580" marT="0" marB="0">
+                    <a:lnL w="12700" cap="flat" cmpd="sng" algn="ctr">
+                      <a:solidFill>
+                        <a:srgbClr val="000000"/>
+                      </a:solidFill>
+                      <a:prstDash val="solid"/>
+                      <a:round/>
+                      <a:headEnd type="none" w="med" len="med"/>
+                      <a:tailEnd type="none" w="med" len="med"/>
+                    </a:lnL>
+                    <a:lnR w="38100" cap="flat" cmpd="sng" algn="ctr">
+                      <a:solidFill>
+                        <a:srgbClr val="000000"/>
+                      </a:solidFill>
+                      <a:prstDash val="solid"/>
+                      <a:round/>
+                      <a:headEnd type="none" w="med" len="med"/>
+                      <a:tailEnd type="none" w="med" len="med"/>
+                    </a:lnR>
+                    <a:lnT w="12700" cap="flat" cmpd="sng" algn="ctr">
+                      <a:solidFill>
+                        <a:srgbClr val="000000"/>
+                      </a:solidFill>
+                      <a:prstDash val="solid"/>
+                      <a:round/>
+                      <a:headEnd type="none" w="med" len="med"/>
+                      <a:tailEnd type="none" w="med" len="med"/>
+                    </a:lnT>
+                    <a:lnB w="12700" cap="flat" cmpd="sng" algn="ctr">
+                      <a:solidFill>
+                        <a:srgbClr val="000000"/>
+                      </a:solidFill>
+                      <a:prstDash val="solid"/>
+                      <a:round/>
+                      <a:headEnd type="none" w="med" len="med"/>
+                      <a:tailEnd type="none" w="med" len="med"/>
+                    </a:lnB>
+                  </a:tcPr>
+                </a:tc>
+                <a:tc>
+                  <a:txBody>
+                    <a:bodyPr/>
+                    <a:lstStyle/>
+                    <a:p>
+                      <a:pPr algn="ctr" rtl="0"/>
+                      <a:r>
+                        <a:rPr lang="en-US" sz="1800">
+                          <a:solidFill>
+                            <a:srgbClr val="000000"/>
+                          </a:solidFill>
+                          <a:effectLst/>
+                          <a:latin typeface="Calibri" panose="020F0502020204030204" pitchFamily="34" charset="0"/>
+                          <a:ea typeface="Calibri" panose="020F0502020204030204" pitchFamily="34" charset="0"/>
+                          <a:cs typeface="Arial" panose="020B0604020202020204" pitchFamily="34" charset="0"/>
+                        </a:rPr>
+                        <a:t>0.70</a:t>
+                      </a:r>
+                      <a:endParaRPr lang="en-US" sz="1800">
+                        <a:effectLst/>
+                        <a:latin typeface="Calibri" panose="020F0502020204030204" pitchFamily="34" charset="0"/>
+                        <a:ea typeface="Calibri" panose="020F0502020204030204" pitchFamily="34" charset="0"/>
+                        <a:cs typeface="Arial" panose="020B0604020202020204" pitchFamily="34" charset="0"/>
+                      </a:endParaRPr>
+                    </a:p>
+                  </a:txBody>
+                  <a:tcPr marL="68580" marR="68580" marT="0" marB="0">
+                    <a:lnL w="38100" cap="flat" cmpd="sng" algn="ctr">
+                      <a:solidFill>
+                        <a:srgbClr val="000000"/>
+                      </a:solidFill>
+                      <a:prstDash val="solid"/>
+                      <a:round/>
+                      <a:headEnd type="none" w="med" len="med"/>
+                      <a:tailEnd type="none" w="med" len="med"/>
+                    </a:lnL>
+                    <a:lnR w="12700" cap="flat" cmpd="sng" algn="ctr">
+                      <a:solidFill>
+                        <a:srgbClr val="000000"/>
+                      </a:solidFill>
+                      <a:prstDash val="solid"/>
+                      <a:round/>
+                      <a:headEnd type="none" w="med" len="med"/>
+                      <a:tailEnd type="none" w="med" len="med"/>
+                    </a:lnR>
+                    <a:lnT w="12700" cap="flat" cmpd="sng" algn="ctr">
+                      <a:solidFill>
+                        <a:srgbClr val="000000"/>
+                      </a:solidFill>
+                      <a:prstDash val="solid"/>
+                      <a:round/>
+                      <a:headEnd type="none" w="med" len="med"/>
+                      <a:tailEnd type="none" w="med" len="med"/>
+                    </a:lnT>
+                    <a:lnB w="12700" cap="flat" cmpd="sng" algn="ctr">
+                      <a:solidFill>
+                        <a:srgbClr val="000000"/>
+                      </a:solidFill>
+                      <a:prstDash val="solid"/>
+                      <a:round/>
+                      <a:headEnd type="none" w="med" len="med"/>
+                      <a:tailEnd type="none" w="med" len="med"/>
+                    </a:lnB>
+                    <a:solidFill>
+                      <a:srgbClr val="C5E0B3"/>
+                    </a:solidFill>
+                  </a:tcPr>
+                </a:tc>
+                <a:tc>
+                  <a:txBody>
+                    <a:bodyPr/>
+                    <a:lstStyle/>
+                    <a:p>
+                      <a:pPr algn="ctr" rtl="0"/>
+                      <a:r>
+                        <a:rPr lang="en-US" sz="1800">
+                          <a:effectLst/>
+                          <a:latin typeface="Calibri" panose="020F0502020204030204" pitchFamily="34" charset="0"/>
+                          <a:ea typeface="Calibri" panose="020F0502020204030204" pitchFamily="34" charset="0"/>
+                          <a:cs typeface="Arial" panose="020B0604020202020204" pitchFamily="34" charset="0"/>
+                        </a:rPr>
+                        <a:t>0.68</a:t>
+                      </a:r>
+                    </a:p>
+                  </a:txBody>
+                  <a:tcPr marL="68580" marR="68580" marT="0" marB="0">
+                    <a:lnL w="12700" cap="flat" cmpd="sng" algn="ctr">
+                      <a:solidFill>
+                        <a:srgbClr val="000000"/>
+                      </a:solidFill>
+                      <a:prstDash val="solid"/>
+                      <a:round/>
+                      <a:headEnd type="none" w="med" len="med"/>
+                      <a:tailEnd type="none" w="med" len="med"/>
+                    </a:lnL>
+                    <a:lnR w="38100" cap="flat" cmpd="sng" algn="ctr">
+                      <a:solidFill>
+                        <a:srgbClr val="000000"/>
+                      </a:solidFill>
+                      <a:prstDash val="solid"/>
+                      <a:round/>
+                      <a:headEnd type="none" w="med" len="med"/>
+                      <a:tailEnd type="none" w="med" len="med"/>
+                    </a:lnR>
+                    <a:lnT w="12700" cap="flat" cmpd="sng" algn="ctr">
+                      <a:solidFill>
+                        <a:srgbClr val="000000"/>
+                      </a:solidFill>
+                      <a:prstDash val="solid"/>
+                      <a:round/>
+                      <a:headEnd type="none" w="med" len="med"/>
+                      <a:tailEnd type="none" w="med" len="med"/>
+                    </a:lnT>
+                    <a:lnB w="12700" cap="flat" cmpd="sng" algn="ctr">
+                      <a:solidFill>
+                        <a:srgbClr val="000000"/>
+                      </a:solidFill>
+                      <a:prstDash val="solid"/>
+                      <a:round/>
+                      <a:headEnd type="none" w="med" len="med"/>
+                      <a:tailEnd type="none" w="med" len="med"/>
+                    </a:lnB>
+                  </a:tcPr>
+                </a:tc>
+                <a:tc>
+                  <a:txBody>
+                    <a:bodyPr/>
+                    <a:lstStyle/>
+                    <a:p>
+                      <a:pPr algn="ctr" rtl="1"/>
+                      <a:r>
+                        <a:rPr lang="en-US" sz="1800">
+                          <a:effectLst/>
+                          <a:latin typeface="Calibri" panose="020F0502020204030204" pitchFamily="34" charset="0"/>
+                          <a:ea typeface="Calibri" panose="020F0502020204030204" pitchFamily="34" charset="0"/>
+                          <a:cs typeface="Arial" panose="020B0604020202020204" pitchFamily="34" charset="0"/>
+                        </a:rPr>
+                        <a:t>Acceleration</a:t>
+                      </a:r>
+                    </a:p>
+                  </a:txBody>
+                  <a:tcPr marL="68580" marR="68580" marT="0" marB="0">
+                    <a:lnL w="38100" cap="flat" cmpd="sng" algn="ctr">
+                      <a:solidFill>
+                        <a:srgbClr val="000000"/>
+                      </a:solidFill>
+                      <a:prstDash val="solid"/>
+                      <a:round/>
+                      <a:headEnd type="none" w="med" len="med"/>
+                      <a:tailEnd type="none" w="med" len="med"/>
+                    </a:lnL>
+                    <a:lnR w="12700" cap="flat" cmpd="sng" algn="ctr">
+                      <a:solidFill>
+                        <a:srgbClr val="000000"/>
+                      </a:solidFill>
+                      <a:prstDash val="solid"/>
+                      <a:round/>
+                      <a:headEnd type="none" w="med" len="med"/>
+                      <a:tailEnd type="none" w="med" len="med"/>
+                    </a:lnR>
+                    <a:lnT w="12700" cap="flat" cmpd="sng" algn="ctr">
+                      <a:solidFill>
+                        <a:srgbClr val="000000"/>
+                      </a:solidFill>
+                      <a:prstDash val="solid"/>
+                      <a:round/>
+                      <a:headEnd type="none" w="med" len="med"/>
+                      <a:tailEnd type="none" w="med" len="med"/>
+                    </a:lnT>
+                    <a:lnB w="12700" cap="flat" cmpd="sng" algn="ctr">
+                      <a:solidFill>
+                        <a:srgbClr val="000000"/>
+                      </a:solidFill>
+                      <a:prstDash val="solid"/>
+                      <a:round/>
+                      <a:headEnd type="none" w="med" len="med"/>
+                      <a:tailEnd type="none" w="med" len="med"/>
+                    </a:lnB>
+                  </a:tcPr>
+                </a:tc>
+                <a:extLst>
+                  <a:ext uri="{0D108BD9-81ED-4DB2-BD59-A6C34878D82A}">
+                    <a16:rowId xmlns:a16="http://schemas.microsoft.com/office/drawing/2014/main" val="1330072289"/>
+                  </a:ext>
+                </a:extLst>
+              </a:tr>
+              <a:tr h="236281">
+                <a:tc>
+                  <a:txBody>
+                    <a:bodyPr/>
+                    <a:lstStyle/>
+                    <a:p>
+                      <a:pPr algn="ctr" rtl="0"/>
+                      <a:r>
+                        <a:rPr lang="en-US" sz="1800">
+                          <a:effectLst/>
+                          <a:latin typeface="Calibri" panose="020F0502020204030204" pitchFamily="34" charset="0"/>
+                          <a:ea typeface="Calibri" panose="020F0502020204030204" pitchFamily="34" charset="0"/>
+                          <a:cs typeface="Arial" panose="020B0604020202020204" pitchFamily="34" charset="0"/>
+                        </a:rPr>
+                        <a:t>0.303</a:t>
+                      </a:r>
+                    </a:p>
+                  </a:txBody>
+                  <a:tcPr marL="68580" marR="68580" marT="0" marB="0">
+                    <a:lnL w="12700" cap="flat" cmpd="sng" algn="ctr">
+                      <a:solidFill>
+                        <a:srgbClr val="000000"/>
+                      </a:solidFill>
+                      <a:prstDash val="solid"/>
+                      <a:round/>
+                      <a:headEnd type="none" w="med" len="med"/>
+                      <a:tailEnd type="none" w="med" len="med"/>
+                    </a:lnL>
+                    <a:lnR w="12700" cap="flat" cmpd="sng" algn="ctr">
+                      <a:solidFill>
+                        <a:srgbClr val="000000"/>
+                      </a:solidFill>
+                      <a:prstDash val="solid"/>
+                      <a:round/>
+                      <a:headEnd type="none" w="med" len="med"/>
+                      <a:tailEnd type="none" w="med" len="med"/>
+                    </a:lnR>
+                    <a:lnT w="12700" cap="flat" cmpd="sng" algn="ctr">
+                      <a:solidFill>
+                        <a:srgbClr val="000000"/>
+                      </a:solidFill>
+                      <a:prstDash val="solid"/>
+                      <a:round/>
+                      <a:headEnd type="none" w="med" len="med"/>
+                      <a:tailEnd type="none" w="med" len="med"/>
+                    </a:lnT>
+                    <a:lnB w="12700" cap="flat" cmpd="sng" algn="ctr">
+                      <a:solidFill>
+                        <a:srgbClr val="000000"/>
+                      </a:solidFill>
+                      <a:prstDash val="solid"/>
+                      <a:round/>
+                      <a:headEnd type="none" w="med" len="med"/>
+                      <a:tailEnd type="none" w="med" len="med"/>
+                    </a:lnB>
+                  </a:tcPr>
+                </a:tc>
+                <a:tc>
+                  <a:txBody>
+                    <a:bodyPr/>
+                    <a:lstStyle/>
+                    <a:p>
+                      <a:pPr algn="ctr" rtl="0"/>
+                      <a:r>
+                        <a:rPr lang="en-US" sz="1800">
+                          <a:effectLst/>
+                          <a:latin typeface="Calibri" panose="020F0502020204030204" pitchFamily="34" charset="0"/>
+                          <a:ea typeface="Calibri" panose="020F0502020204030204" pitchFamily="34" charset="0"/>
+                          <a:cs typeface="Arial" panose="020B0604020202020204" pitchFamily="34" charset="0"/>
+                        </a:rPr>
+                        <a:t>0.295</a:t>
+                      </a:r>
+                    </a:p>
+                  </a:txBody>
+                  <a:tcPr marL="68580" marR="68580" marT="0" marB="0">
+                    <a:lnL w="12700" cap="flat" cmpd="sng" algn="ctr">
+                      <a:solidFill>
+                        <a:srgbClr val="000000"/>
+                      </a:solidFill>
+                      <a:prstDash val="solid"/>
+                      <a:round/>
+                      <a:headEnd type="none" w="med" len="med"/>
+                      <a:tailEnd type="none" w="med" len="med"/>
+                    </a:lnL>
+                    <a:lnR w="38100" cap="flat" cmpd="sng" algn="ctr">
+                      <a:solidFill>
+                        <a:srgbClr val="000000"/>
+                      </a:solidFill>
+                      <a:prstDash val="solid"/>
+                      <a:round/>
+                      <a:headEnd type="none" w="med" len="med"/>
+                      <a:tailEnd type="none" w="med" len="med"/>
+                    </a:lnR>
+                    <a:lnT w="12700" cap="flat" cmpd="sng" algn="ctr">
+                      <a:solidFill>
+                        <a:srgbClr val="000000"/>
+                      </a:solidFill>
+                      <a:prstDash val="solid"/>
+                      <a:round/>
+                      <a:headEnd type="none" w="med" len="med"/>
+                      <a:tailEnd type="none" w="med" len="med"/>
+                    </a:lnT>
+                    <a:lnB w="12700" cap="flat" cmpd="sng" algn="ctr">
+                      <a:solidFill>
+                        <a:srgbClr val="000000"/>
+                      </a:solidFill>
+                      <a:prstDash val="solid"/>
+                      <a:round/>
+                      <a:headEnd type="none" w="med" len="med"/>
+                      <a:tailEnd type="none" w="med" len="med"/>
+                    </a:lnB>
+                  </a:tcPr>
+                </a:tc>
+                <a:tc>
+                  <a:txBody>
+                    <a:bodyPr/>
+                    <a:lstStyle/>
+                    <a:p>
+                      <a:pPr algn="ctr" rtl="0"/>
+                      <a:r>
+                        <a:rPr lang="en-US" sz="1800">
+                          <a:effectLst/>
+                          <a:latin typeface="Calibri" panose="020F0502020204030204" pitchFamily="34" charset="0"/>
+                          <a:ea typeface="Calibri" panose="020F0502020204030204" pitchFamily="34" charset="0"/>
+                          <a:cs typeface="Arial" panose="020B0604020202020204" pitchFamily="34" charset="0"/>
+                        </a:rPr>
+                        <a:t>1.04</a:t>
+                      </a:r>
+                    </a:p>
+                  </a:txBody>
+                  <a:tcPr marL="68580" marR="68580" marT="0" marB="0">
+                    <a:lnL w="38100" cap="flat" cmpd="sng" algn="ctr">
+                      <a:solidFill>
+                        <a:srgbClr val="000000"/>
+                      </a:solidFill>
+                      <a:prstDash val="solid"/>
+                      <a:round/>
+                      <a:headEnd type="none" w="med" len="med"/>
+                      <a:tailEnd type="none" w="med" len="med"/>
+                    </a:lnL>
+                    <a:lnR w="12700" cap="flat" cmpd="sng" algn="ctr">
+                      <a:solidFill>
+                        <a:srgbClr val="000000"/>
+                      </a:solidFill>
+                      <a:prstDash val="solid"/>
+                      <a:round/>
+                      <a:headEnd type="none" w="med" len="med"/>
+                      <a:tailEnd type="none" w="med" len="med"/>
+                    </a:lnR>
+                    <a:lnT w="12700" cap="flat" cmpd="sng" algn="ctr">
+                      <a:solidFill>
+                        <a:srgbClr val="000000"/>
+                      </a:solidFill>
+                      <a:prstDash val="solid"/>
+                      <a:round/>
+                      <a:headEnd type="none" w="med" len="med"/>
+                      <a:tailEnd type="none" w="med" len="med"/>
+                    </a:lnT>
+                    <a:lnB w="12700" cap="flat" cmpd="sng" algn="ctr">
+                      <a:solidFill>
+                        <a:srgbClr val="000000"/>
+                      </a:solidFill>
+                      <a:prstDash val="solid"/>
+                      <a:round/>
+                      <a:headEnd type="none" w="med" len="med"/>
+                      <a:tailEnd type="none" w="med" len="med"/>
+                    </a:lnB>
+                  </a:tcPr>
+                </a:tc>
+                <a:tc>
+                  <a:txBody>
+                    <a:bodyPr/>
+                    <a:lstStyle/>
+                    <a:p>
+                      <a:pPr algn="ctr" rtl="0"/>
+                      <a:r>
+                        <a:rPr lang="en-US" sz="1800">
+                          <a:effectLst/>
+                          <a:latin typeface="Calibri" panose="020F0502020204030204" pitchFamily="34" charset="0"/>
+                          <a:ea typeface="Calibri" panose="020F0502020204030204" pitchFamily="34" charset="0"/>
+                          <a:cs typeface="Arial" panose="020B0604020202020204" pitchFamily="34" charset="0"/>
+                        </a:rPr>
+                        <a:t>1.06</a:t>
+                      </a:r>
+                    </a:p>
+                  </a:txBody>
+                  <a:tcPr marL="68580" marR="68580" marT="0" marB="0">
+                    <a:lnL w="12700" cap="flat" cmpd="sng" algn="ctr">
+                      <a:solidFill>
+                        <a:srgbClr val="000000"/>
+                      </a:solidFill>
+                      <a:prstDash val="solid"/>
+                      <a:round/>
+                      <a:headEnd type="none" w="med" len="med"/>
+                      <a:tailEnd type="none" w="med" len="med"/>
+                    </a:lnL>
+                    <a:lnR w="38100" cap="flat" cmpd="sng" algn="ctr">
+                      <a:solidFill>
+                        <a:srgbClr val="000000"/>
+                      </a:solidFill>
+                      <a:prstDash val="solid"/>
+                      <a:round/>
+                      <a:headEnd type="none" w="med" len="med"/>
+                      <a:tailEnd type="none" w="med" len="med"/>
+                    </a:lnR>
+                    <a:lnT w="12700" cap="flat" cmpd="sng" algn="ctr">
+                      <a:solidFill>
+                        <a:srgbClr val="000000"/>
+                      </a:solidFill>
+                      <a:prstDash val="solid"/>
+                      <a:round/>
+                      <a:headEnd type="none" w="med" len="med"/>
+                      <a:tailEnd type="none" w="med" len="med"/>
+                    </a:lnT>
+                    <a:lnB w="12700" cap="flat" cmpd="sng" algn="ctr">
+                      <a:solidFill>
+                        <a:srgbClr val="000000"/>
+                      </a:solidFill>
+                      <a:prstDash val="solid"/>
+                      <a:round/>
+                      <a:headEnd type="none" w="med" len="med"/>
+                      <a:tailEnd type="none" w="med" len="med"/>
+                    </a:lnB>
+                  </a:tcPr>
+                </a:tc>
+                <a:tc>
+                  <a:txBody>
+                    <a:bodyPr/>
+                    <a:lstStyle/>
+                    <a:p>
+                      <a:pPr algn="ctr" rtl="0"/>
+                      <a:r>
+                        <a:rPr lang="en-US" sz="1800">
+                          <a:effectLst/>
+                          <a:latin typeface="Calibri" panose="020F0502020204030204" pitchFamily="34" charset="0"/>
+                          <a:ea typeface="Calibri" panose="020F0502020204030204" pitchFamily="34" charset="0"/>
+                          <a:cs typeface="Arial" panose="020B0604020202020204" pitchFamily="34" charset="0"/>
+                        </a:rPr>
+                        <a:t>0.19</a:t>
+                      </a:r>
+                    </a:p>
+                  </a:txBody>
+                  <a:tcPr marL="68580" marR="68580" marT="0" marB="0">
+                    <a:lnL w="38100" cap="flat" cmpd="sng" algn="ctr">
+                      <a:solidFill>
+                        <a:srgbClr val="000000"/>
+                      </a:solidFill>
+                      <a:prstDash val="solid"/>
+                      <a:round/>
+                      <a:headEnd type="none" w="med" len="med"/>
+                      <a:tailEnd type="none" w="med" len="med"/>
+                    </a:lnL>
+                    <a:lnR w="12700" cap="flat" cmpd="sng" algn="ctr">
+                      <a:solidFill>
+                        <a:srgbClr val="000000"/>
+                      </a:solidFill>
+                      <a:prstDash val="solid"/>
+                      <a:round/>
+                      <a:headEnd type="none" w="med" len="med"/>
+                      <a:tailEnd type="none" w="med" len="med"/>
+                    </a:lnR>
+                    <a:lnT w="12700" cap="flat" cmpd="sng" algn="ctr">
+                      <a:solidFill>
+                        <a:srgbClr val="000000"/>
+                      </a:solidFill>
+                      <a:prstDash val="solid"/>
+                      <a:round/>
+                      <a:headEnd type="none" w="med" len="med"/>
+                      <a:tailEnd type="none" w="med" len="med"/>
+                    </a:lnT>
+                    <a:lnB w="12700" cap="flat" cmpd="sng" algn="ctr">
+                      <a:solidFill>
+                        <a:srgbClr val="000000"/>
+                      </a:solidFill>
+                      <a:prstDash val="solid"/>
+                      <a:round/>
+                      <a:headEnd type="none" w="med" len="med"/>
+                      <a:tailEnd type="none" w="med" len="med"/>
+                    </a:lnB>
+                  </a:tcPr>
+                </a:tc>
+                <a:tc>
+                  <a:txBody>
+                    <a:bodyPr/>
+                    <a:lstStyle/>
+                    <a:p>
+                      <a:pPr algn="ctr" rtl="0"/>
+                      <a:r>
+                        <a:rPr lang="en-US" sz="1800">
+                          <a:effectLst/>
+                          <a:latin typeface="Calibri" panose="020F0502020204030204" pitchFamily="34" charset="0"/>
+                          <a:ea typeface="Calibri" panose="020F0502020204030204" pitchFamily="34" charset="0"/>
+                          <a:cs typeface="Arial" panose="020B0604020202020204" pitchFamily="34" charset="0"/>
+                        </a:rPr>
+                        <a:t>0.19</a:t>
+                      </a:r>
+                    </a:p>
+                  </a:txBody>
+                  <a:tcPr marL="68580" marR="68580" marT="0" marB="0">
+                    <a:lnL w="12700" cap="flat" cmpd="sng" algn="ctr">
+                      <a:solidFill>
+                        <a:srgbClr val="000000"/>
+                      </a:solidFill>
+                      <a:prstDash val="solid"/>
+                      <a:round/>
+                      <a:headEnd type="none" w="med" len="med"/>
+                      <a:tailEnd type="none" w="med" len="med"/>
+                    </a:lnL>
+                    <a:lnR w="38100" cap="flat" cmpd="sng" algn="ctr">
+                      <a:solidFill>
+                        <a:srgbClr val="000000"/>
+                      </a:solidFill>
+                      <a:prstDash val="solid"/>
+                      <a:round/>
+                      <a:headEnd type="none" w="med" len="med"/>
+                      <a:tailEnd type="none" w="med" len="med"/>
+                    </a:lnR>
+                    <a:lnT w="12700" cap="flat" cmpd="sng" algn="ctr">
+                      <a:solidFill>
+                        <a:srgbClr val="000000"/>
+                      </a:solidFill>
+                      <a:prstDash val="solid"/>
+                      <a:round/>
+                      <a:headEnd type="none" w="med" len="med"/>
+                      <a:tailEnd type="none" w="med" len="med"/>
+                    </a:lnT>
+                    <a:lnB w="12700" cap="flat" cmpd="sng" algn="ctr">
+                      <a:solidFill>
+                        <a:srgbClr val="000000"/>
+                      </a:solidFill>
+                      <a:prstDash val="solid"/>
+                      <a:round/>
+                      <a:headEnd type="none" w="med" len="med"/>
+                      <a:tailEnd type="none" w="med" len="med"/>
+                    </a:lnB>
+                  </a:tcPr>
+                </a:tc>
+                <a:tc>
+                  <a:txBody>
+                    <a:bodyPr/>
+                    <a:lstStyle/>
+                    <a:p>
+                      <a:pPr algn="ctr" rtl="1"/>
+                      <a:r>
+                        <a:rPr lang="en-US" sz="1800">
+                          <a:effectLst/>
+                          <a:latin typeface="Calibri" panose="020F0502020204030204" pitchFamily="34" charset="0"/>
+                          <a:ea typeface="Calibri" panose="020F0502020204030204" pitchFamily="34" charset="0"/>
+                          <a:cs typeface="Arial" panose="020B0604020202020204" pitchFamily="34" charset="0"/>
+                        </a:rPr>
+                        <a:t>Reaction time</a:t>
+                      </a:r>
+                    </a:p>
+                  </a:txBody>
+                  <a:tcPr marL="68580" marR="68580" marT="0" marB="0">
+                    <a:lnL w="38100" cap="flat" cmpd="sng" algn="ctr">
+                      <a:solidFill>
+                        <a:srgbClr val="000000"/>
+                      </a:solidFill>
+                      <a:prstDash val="solid"/>
+                      <a:round/>
+                      <a:headEnd type="none" w="med" len="med"/>
+                      <a:tailEnd type="none" w="med" len="med"/>
+                    </a:lnL>
+                    <a:lnR w="12700" cap="flat" cmpd="sng" algn="ctr">
+                      <a:solidFill>
+                        <a:srgbClr val="000000"/>
+                      </a:solidFill>
+                      <a:prstDash val="solid"/>
+                      <a:round/>
+                      <a:headEnd type="none" w="med" len="med"/>
+                      <a:tailEnd type="none" w="med" len="med"/>
+                    </a:lnR>
+                    <a:lnT w="12700" cap="flat" cmpd="sng" algn="ctr">
+                      <a:solidFill>
+                        <a:srgbClr val="000000"/>
+                      </a:solidFill>
+                      <a:prstDash val="solid"/>
+                      <a:round/>
+                      <a:headEnd type="none" w="med" len="med"/>
+                      <a:tailEnd type="none" w="med" len="med"/>
+                    </a:lnT>
+                    <a:lnB w="12700" cap="flat" cmpd="sng" algn="ctr">
+                      <a:solidFill>
+                        <a:srgbClr val="000000"/>
+                      </a:solidFill>
+                      <a:prstDash val="solid"/>
+                      <a:round/>
+                      <a:headEnd type="none" w="med" len="med"/>
+                      <a:tailEnd type="none" w="med" len="med"/>
+                    </a:lnB>
+                  </a:tcPr>
+                </a:tc>
+                <a:extLst>
+                  <a:ext uri="{0D108BD9-81ED-4DB2-BD59-A6C34878D82A}">
+                    <a16:rowId xmlns:a16="http://schemas.microsoft.com/office/drawing/2014/main" val="999065360"/>
+                  </a:ext>
+                </a:extLst>
+              </a:tr>
+              <a:tr h="236281">
+                <a:tc>
+                  <a:txBody>
+                    <a:bodyPr/>
+                    <a:lstStyle/>
+                    <a:p>
+                      <a:pPr algn="ctr" rtl="0"/>
+                      <a:r>
+                        <a:rPr lang="en-US" sz="1800">
+                          <a:effectLst/>
+                          <a:latin typeface="Calibri" panose="020F0502020204030204" pitchFamily="34" charset="0"/>
+                          <a:ea typeface="Calibri" panose="020F0502020204030204" pitchFamily="34" charset="0"/>
+                          <a:cs typeface="Arial" panose="020B0604020202020204" pitchFamily="34" charset="0"/>
+                        </a:rPr>
+                        <a:t>&lt;0.001</a:t>
+                      </a:r>
+                    </a:p>
+                  </a:txBody>
+                  <a:tcPr marL="68580" marR="68580" marT="0" marB="0">
+                    <a:lnL w="12700" cap="flat" cmpd="sng" algn="ctr">
+                      <a:solidFill>
+                        <a:srgbClr val="000000"/>
+                      </a:solidFill>
+                      <a:prstDash val="solid"/>
+                      <a:round/>
+                      <a:headEnd type="none" w="med" len="med"/>
+                      <a:tailEnd type="none" w="med" len="med"/>
+                    </a:lnL>
+                    <a:lnR w="12700" cap="flat" cmpd="sng" algn="ctr">
+                      <a:solidFill>
+                        <a:srgbClr val="000000"/>
+                      </a:solidFill>
+                      <a:prstDash val="solid"/>
+                      <a:round/>
+                      <a:headEnd type="none" w="med" len="med"/>
+                      <a:tailEnd type="none" w="med" len="med"/>
+                    </a:lnR>
+                    <a:lnT w="12700" cap="flat" cmpd="sng" algn="ctr">
+                      <a:solidFill>
+                        <a:srgbClr val="000000"/>
+                      </a:solidFill>
+                      <a:prstDash val="solid"/>
+                      <a:round/>
+                      <a:headEnd type="none" w="med" len="med"/>
+                      <a:tailEnd type="none" w="med" len="med"/>
+                    </a:lnT>
+                    <a:lnB w="12700" cap="flat" cmpd="sng" algn="ctr">
+                      <a:solidFill>
+                        <a:srgbClr val="000000"/>
+                      </a:solidFill>
+                      <a:prstDash val="solid"/>
+                      <a:round/>
+                      <a:headEnd type="none" w="med" len="med"/>
+                      <a:tailEnd type="none" w="med" len="med"/>
+                    </a:lnB>
+                  </a:tcPr>
+                </a:tc>
+                <a:tc>
+                  <a:txBody>
+                    <a:bodyPr/>
+                    <a:lstStyle/>
+                    <a:p>
+                      <a:pPr algn="ctr" rtl="0"/>
+                      <a:r>
+                        <a:rPr lang="en-US" sz="1800">
+                          <a:effectLst/>
+                          <a:latin typeface="Calibri" panose="020F0502020204030204" pitchFamily="34" charset="0"/>
+                          <a:ea typeface="Calibri" panose="020F0502020204030204" pitchFamily="34" charset="0"/>
+                          <a:cs typeface="Arial" panose="020B0604020202020204" pitchFamily="34" charset="0"/>
+                        </a:rPr>
+                        <a:t>&lt;0.001</a:t>
+                      </a:r>
+                    </a:p>
+                  </a:txBody>
+                  <a:tcPr marL="68580" marR="68580" marT="0" marB="0">
+                    <a:lnL w="12700" cap="flat" cmpd="sng" algn="ctr">
+                      <a:solidFill>
+                        <a:srgbClr val="000000"/>
+                      </a:solidFill>
+                      <a:prstDash val="solid"/>
+                      <a:round/>
+                      <a:headEnd type="none" w="med" len="med"/>
+                      <a:tailEnd type="none" w="med" len="med"/>
+                    </a:lnL>
+                    <a:lnR w="38100" cap="flat" cmpd="sng" algn="ctr">
+                      <a:solidFill>
+                        <a:srgbClr val="000000"/>
+                      </a:solidFill>
+                      <a:prstDash val="solid"/>
+                      <a:round/>
+                      <a:headEnd type="none" w="med" len="med"/>
+                      <a:tailEnd type="none" w="med" len="med"/>
+                    </a:lnR>
+                    <a:lnT w="12700" cap="flat" cmpd="sng" algn="ctr">
+                      <a:solidFill>
+                        <a:srgbClr val="000000"/>
+                      </a:solidFill>
+                      <a:prstDash val="solid"/>
+                      <a:round/>
+                      <a:headEnd type="none" w="med" len="med"/>
+                      <a:tailEnd type="none" w="med" len="med"/>
+                    </a:lnT>
+                    <a:lnB w="12700" cap="flat" cmpd="sng" algn="ctr">
+                      <a:solidFill>
+                        <a:srgbClr val="000000"/>
+                      </a:solidFill>
+                      <a:prstDash val="solid"/>
+                      <a:round/>
+                      <a:headEnd type="none" w="med" len="med"/>
+                      <a:tailEnd type="none" w="med" len="med"/>
+                    </a:lnB>
+                  </a:tcPr>
+                </a:tc>
+                <a:tc>
+                  <a:txBody>
+                    <a:bodyPr/>
+                    <a:lstStyle/>
+                    <a:p>
+                      <a:pPr algn="ctr" rtl="0"/>
+                      <a:r>
+                        <a:rPr lang="en-US" sz="1800">
+                          <a:effectLst/>
+                          <a:latin typeface="Calibri" panose="020F0502020204030204" pitchFamily="34" charset="0"/>
+                          <a:ea typeface="Calibri" panose="020F0502020204030204" pitchFamily="34" charset="0"/>
+                          <a:cs typeface="Arial" panose="020B0604020202020204" pitchFamily="34" charset="0"/>
+                        </a:rPr>
+                        <a:t>6.31</a:t>
+                      </a:r>
+                    </a:p>
+                  </a:txBody>
+                  <a:tcPr marL="68580" marR="68580" marT="0" marB="0">
+                    <a:lnL w="38100" cap="flat" cmpd="sng" algn="ctr">
+                      <a:solidFill>
+                        <a:srgbClr val="000000"/>
+                      </a:solidFill>
+                      <a:prstDash val="solid"/>
+                      <a:round/>
+                      <a:headEnd type="none" w="med" len="med"/>
+                      <a:tailEnd type="none" w="med" len="med"/>
+                    </a:lnL>
+                    <a:lnR w="12700" cap="flat" cmpd="sng" algn="ctr">
+                      <a:solidFill>
+                        <a:srgbClr val="000000"/>
+                      </a:solidFill>
+                      <a:prstDash val="solid"/>
+                      <a:round/>
+                      <a:headEnd type="none" w="med" len="med"/>
+                      <a:tailEnd type="none" w="med" len="med"/>
+                    </a:lnR>
+                    <a:lnT w="12700" cap="flat" cmpd="sng" algn="ctr">
+                      <a:solidFill>
+                        <a:srgbClr val="000000"/>
+                      </a:solidFill>
+                      <a:prstDash val="solid"/>
+                      <a:round/>
+                      <a:headEnd type="none" w="med" len="med"/>
+                      <a:tailEnd type="none" w="med" len="med"/>
+                    </a:lnT>
+                    <a:lnB w="12700" cap="flat" cmpd="sng" algn="ctr">
+                      <a:solidFill>
+                        <a:srgbClr val="000000"/>
+                      </a:solidFill>
+                      <a:prstDash val="solid"/>
+                      <a:round/>
+                      <a:headEnd type="none" w="med" len="med"/>
+                      <a:tailEnd type="none" w="med" len="med"/>
+                    </a:lnB>
+                  </a:tcPr>
+                </a:tc>
+                <a:tc>
+                  <a:txBody>
+                    <a:bodyPr/>
+                    <a:lstStyle/>
+                    <a:p>
+                      <a:pPr algn="ctr" rtl="0"/>
+                      <a:r>
+                        <a:rPr lang="en-US" sz="1800">
+                          <a:effectLst/>
+                          <a:latin typeface="Calibri" panose="020F0502020204030204" pitchFamily="34" charset="0"/>
+                          <a:ea typeface="Calibri" panose="020F0502020204030204" pitchFamily="34" charset="0"/>
+                          <a:cs typeface="Arial" panose="020B0604020202020204" pitchFamily="34" charset="0"/>
+                        </a:rPr>
+                        <a:t>6.28</a:t>
+                      </a:r>
+                    </a:p>
+                  </a:txBody>
+                  <a:tcPr marL="68580" marR="68580" marT="0" marB="0">
+                    <a:lnL w="12700" cap="flat" cmpd="sng" algn="ctr">
+                      <a:solidFill>
+                        <a:srgbClr val="000000"/>
+                      </a:solidFill>
+                      <a:prstDash val="solid"/>
+                      <a:round/>
+                      <a:headEnd type="none" w="med" len="med"/>
+                      <a:tailEnd type="none" w="med" len="med"/>
+                    </a:lnL>
+                    <a:lnR w="38100" cap="flat" cmpd="sng" algn="ctr">
+                      <a:solidFill>
+                        <a:srgbClr val="000000"/>
+                      </a:solidFill>
+                      <a:prstDash val="solid"/>
+                      <a:round/>
+                      <a:headEnd type="none" w="med" len="med"/>
+                      <a:tailEnd type="none" w="med" len="med"/>
+                    </a:lnR>
+                    <a:lnT w="12700" cap="flat" cmpd="sng" algn="ctr">
+                      <a:solidFill>
+                        <a:srgbClr val="000000"/>
+                      </a:solidFill>
+                      <a:prstDash val="solid"/>
+                      <a:round/>
+                      <a:headEnd type="none" w="med" len="med"/>
+                      <a:tailEnd type="none" w="med" len="med"/>
+                    </a:lnT>
+                    <a:lnB w="12700" cap="flat" cmpd="sng" algn="ctr">
+                      <a:solidFill>
+                        <a:srgbClr val="000000"/>
+                      </a:solidFill>
+                      <a:prstDash val="solid"/>
+                      <a:round/>
+                      <a:headEnd type="none" w="med" len="med"/>
+                      <a:tailEnd type="none" w="med" len="med"/>
+                    </a:lnB>
+                  </a:tcPr>
+                </a:tc>
+                <a:tc>
+                  <a:txBody>
+                    <a:bodyPr/>
+                    <a:lstStyle/>
+                    <a:p>
+                      <a:pPr algn="ctr" rtl="0"/>
+                      <a:r>
+                        <a:rPr lang="en-US" sz="1800">
+                          <a:solidFill>
+                            <a:srgbClr val="000000"/>
+                          </a:solidFill>
+                          <a:effectLst/>
+                          <a:latin typeface="Calibri" panose="020F0502020204030204" pitchFamily="34" charset="0"/>
+                          <a:ea typeface="Calibri" panose="020F0502020204030204" pitchFamily="34" charset="0"/>
+                          <a:cs typeface="Arial" panose="020B0604020202020204" pitchFamily="34" charset="0"/>
+                        </a:rPr>
+                        <a:t>1.15</a:t>
+                      </a:r>
+                      <a:endParaRPr lang="en-US" sz="1800">
+                        <a:effectLst/>
+                        <a:latin typeface="Calibri" panose="020F0502020204030204" pitchFamily="34" charset="0"/>
+                        <a:ea typeface="Calibri" panose="020F0502020204030204" pitchFamily="34" charset="0"/>
+                        <a:cs typeface="Arial" panose="020B0604020202020204" pitchFamily="34" charset="0"/>
+                      </a:endParaRPr>
+                    </a:p>
+                  </a:txBody>
+                  <a:tcPr marL="68580" marR="68580" marT="0" marB="0">
+                    <a:lnL w="38100" cap="flat" cmpd="sng" algn="ctr">
+                      <a:solidFill>
+                        <a:srgbClr val="000000"/>
+                      </a:solidFill>
+                      <a:prstDash val="solid"/>
+                      <a:round/>
+                      <a:headEnd type="none" w="med" len="med"/>
+                      <a:tailEnd type="none" w="med" len="med"/>
+                    </a:lnL>
+                    <a:lnR w="12700" cap="flat" cmpd="sng" algn="ctr">
+                      <a:solidFill>
+                        <a:srgbClr val="000000"/>
+                      </a:solidFill>
+                      <a:prstDash val="solid"/>
+                      <a:round/>
+                      <a:headEnd type="none" w="med" len="med"/>
+                      <a:tailEnd type="none" w="med" len="med"/>
+                    </a:lnR>
+                    <a:lnT w="12700" cap="flat" cmpd="sng" algn="ctr">
+                      <a:solidFill>
+                        <a:srgbClr val="000000"/>
+                      </a:solidFill>
+                      <a:prstDash val="solid"/>
+                      <a:round/>
+                      <a:headEnd type="none" w="med" len="med"/>
+                      <a:tailEnd type="none" w="med" len="med"/>
+                    </a:lnT>
+                    <a:lnB w="12700" cap="flat" cmpd="sng" algn="ctr">
+                      <a:solidFill>
+                        <a:srgbClr val="000000"/>
+                      </a:solidFill>
+                      <a:prstDash val="solid"/>
+                      <a:round/>
+                      <a:headEnd type="none" w="med" len="med"/>
+                      <a:tailEnd type="none" w="med" len="med"/>
+                    </a:lnB>
+                    <a:solidFill>
+                      <a:srgbClr val="C5E0B3"/>
+                    </a:solidFill>
+                  </a:tcPr>
+                </a:tc>
+                <a:tc>
+                  <a:txBody>
+                    <a:bodyPr/>
+                    <a:lstStyle/>
+                    <a:p>
+                      <a:pPr algn="ctr" rtl="0"/>
+                      <a:r>
+                        <a:rPr lang="en-US" sz="1800">
+                          <a:effectLst/>
+                          <a:latin typeface="Calibri" panose="020F0502020204030204" pitchFamily="34" charset="0"/>
+                          <a:ea typeface="Calibri" panose="020F0502020204030204" pitchFamily="34" charset="0"/>
+                          <a:cs typeface="Arial" panose="020B0604020202020204" pitchFamily="34" charset="0"/>
+                        </a:rPr>
+                        <a:t>1.14</a:t>
+                      </a:r>
+                    </a:p>
+                  </a:txBody>
+                  <a:tcPr marL="68580" marR="68580" marT="0" marB="0">
+                    <a:lnL w="12700" cap="flat" cmpd="sng" algn="ctr">
+                      <a:solidFill>
+                        <a:srgbClr val="000000"/>
+                      </a:solidFill>
+                      <a:prstDash val="solid"/>
+                      <a:round/>
+                      <a:headEnd type="none" w="med" len="med"/>
+                      <a:tailEnd type="none" w="med" len="med"/>
+                    </a:lnL>
+                    <a:lnR w="38100" cap="flat" cmpd="sng" algn="ctr">
+                      <a:solidFill>
+                        <a:srgbClr val="000000"/>
+                      </a:solidFill>
+                      <a:prstDash val="solid"/>
+                      <a:round/>
+                      <a:headEnd type="none" w="med" len="med"/>
+                      <a:tailEnd type="none" w="med" len="med"/>
+                    </a:lnR>
+                    <a:lnT w="12700" cap="flat" cmpd="sng" algn="ctr">
+                      <a:solidFill>
+                        <a:srgbClr val="000000"/>
+                      </a:solidFill>
+                      <a:prstDash val="solid"/>
+                      <a:round/>
+                      <a:headEnd type="none" w="med" len="med"/>
+                      <a:tailEnd type="none" w="med" len="med"/>
+                    </a:lnT>
+                    <a:lnB w="12700" cap="flat" cmpd="sng" algn="ctr">
+                      <a:solidFill>
+                        <a:srgbClr val="000000"/>
+                      </a:solidFill>
+                      <a:prstDash val="solid"/>
+                      <a:round/>
+                      <a:headEnd type="none" w="med" len="med"/>
+                      <a:tailEnd type="none" w="med" len="med"/>
+                    </a:lnB>
+                  </a:tcPr>
+                </a:tc>
+                <a:tc>
+                  <a:txBody>
+                    <a:bodyPr/>
+                    <a:lstStyle/>
+                    <a:p>
+                      <a:pPr algn="ctr" rtl="1"/>
+                      <a:r>
+                        <a:rPr lang="en-US" sz="1800">
+                          <a:effectLst/>
+                          <a:latin typeface="Calibri" panose="020F0502020204030204" pitchFamily="34" charset="0"/>
+                          <a:ea typeface="Calibri" panose="020F0502020204030204" pitchFamily="34" charset="0"/>
+                          <a:cs typeface="Arial" panose="020B0604020202020204" pitchFamily="34" charset="0"/>
+                        </a:rPr>
+                        <a:t>Movement time</a:t>
+                      </a:r>
+                    </a:p>
+                  </a:txBody>
+                  <a:tcPr marL="68580" marR="68580" marT="0" marB="0">
+                    <a:lnL w="38100" cap="flat" cmpd="sng" algn="ctr">
+                      <a:solidFill>
+                        <a:srgbClr val="000000"/>
+                      </a:solidFill>
+                      <a:prstDash val="solid"/>
+                      <a:round/>
+                      <a:headEnd type="none" w="med" len="med"/>
+                      <a:tailEnd type="none" w="med" len="med"/>
+                    </a:lnL>
+                    <a:lnR w="12700" cap="flat" cmpd="sng" algn="ctr">
+                      <a:solidFill>
+                        <a:srgbClr val="000000"/>
+                      </a:solidFill>
+                      <a:prstDash val="solid"/>
+                      <a:round/>
+                      <a:headEnd type="none" w="med" len="med"/>
+                      <a:tailEnd type="none" w="med" len="med"/>
+                    </a:lnR>
+                    <a:lnT w="12700" cap="flat" cmpd="sng" algn="ctr">
+                      <a:solidFill>
+                        <a:srgbClr val="000000"/>
+                      </a:solidFill>
+                      <a:prstDash val="solid"/>
+                      <a:round/>
+                      <a:headEnd type="none" w="med" len="med"/>
+                      <a:tailEnd type="none" w="med" len="med"/>
+                    </a:lnT>
+                    <a:lnB w="12700" cap="flat" cmpd="sng" algn="ctr">
+                      <a:solidFill>
+                        <a:srgbClr val="000000"/>
+                      </a:solidFill>
+                      <a:prstDash val="solid"/>
+                      <a:round/>
+                      <a:headEnd type="none" w="med" len="med"/>
+                      <a:tailEnd type="none" w="med" len="med"/>
+                    </a:lnB>
+                  </a:tcPr>
+                </a:tc>
+                <a:extLst>
+                  <a:ext uri="{0D108BD9-81ED-4DB2-BD59-A6C34878D82A}">
+                    <a16:rowId xmlns:a16="http://schemas.microsoft.com/office/drawing/2014/main" val="3302686235"/>
+                  </a:ext>
+                </a:extLst>
+              </a:tr>
+              <a:tr h="236281">
+                <a:tc>
+                  <a:txBody>
+                    <a:bodyPr/>
+                    <a:lstStyle/>
+                    <a:p>
+                      <a:pPr algn="ctr" rtl="0"/>
+                      <a:r>
+                        <a:rPr lang="en-US" sz="1800">
+                          <a:effectLst/>
+                          <a:latin typeface="Calibri" panose="020F0502020204030204" pitchFamily="34" charset="0"/>
+                          <a:ea typeface="Calibri" panose="020F0502020204030204" pitchFamily="34" charset="0"/>
+                          <a:cs typeface="Arial" panose="020B0604020202020204" pitchFamily="34" charset="0"/>
+                        </a:rPr>
+                        <a:t>0.615</a:t>
+                      </a:r>
+                    </a:p>
+                  </a:txBody>
+                  <a:tcPr marL="68580" marR="68580" marT="0" marB="0">
+                    <a:lnL w="12700" cap="flat" cmpd="sng" algn="ctr">
+                      <a:solidFill>
+                        <a:srgbClr val="000000"/>
+                      </a:solidFill>
+                      <a:prstDash val="solid"/>
+                      <a:round/>
+                      <a:headEnd type="none" w="med" len="med"/>
+                      <a:tailEnd type="none" w="med" len="med"/>
+                    </a:lnL>
+                    <a:lnR w="12700" cap="flat" cmpd="sng" algn="ctr">
+                      <a:solidFill>
+                        <a:srgbClr val="000000"/>
+                      </a:solidFill>
+                      <a:prstDash val="solid"/>
+                      <a:round/>
+                      <a:headEnd type="none" w="med" len="med"/>
+                      <a:tailEnd type="none" w="med" len="med"/>
+                    </a:lnR>
+                    <a:lnT w="12700" cap="flat" cmpd="sng" algn="ctr">
+                      <a:solidFill>
+                        <a:srgbClr val="000000"/>
+                      </a:solidFill>
+                      <a:prstDash val="solid"/>
+                      <a:round/>
+                      <a:headEnd type="none" w="med" len="med"/>
+                      <a:tailEnd type="none" w="med" len="med"/>
+                    </a:lnT>
+                    <a:lnB w="12700" cap="flat" cmpd="sng" algn="ctr">
+                      <a:solidFill>
+                        <a:srgbClr val="000000"/>
+                      </a:solidFill>
+                      <a:prstDash val="solid"/>
+                      <a:round/>
+                      <a:headEnd type="none" w="med" len="med"/>
+                      <a:tailEnd type="none" w="med" len="med"/>
+                    </a:lnB>
+                  </a:tcPr>
+                </a:tc>
+                <a:tc>
+                  <a:txBody>
+                    <a:bodyPr/>
+                    <a:lstStyle/>
+                    <a:p>
+                      <a:pPr algn="ctr" rtl="0"/>
+                      <a:r>
+                        <a:rPr lang="en-US" sz="1800">
+                          <a:effectLst/>
+                          <a:latin typeface="Calibri" panose="020F0502020204030204" pitchFamily="34" charset="0"/>
+                          <a:ea typeface="Calibri" panose="020F0502020204030204" pitchFamily="34" charset="0"/>
+                          <a:cs typeface="Arial" panose="020B0604020202020204" pitchFamily="34" charset="0"/>
+                        </a:rPr>
+                        <a:t>0.035</a:t>
+                      </a:r>
+                    </a:p>
+                  </a:txBody>
+                  <a:tcPr marL="68580" marR="68580" marT="0" marB="0">
+                    <a:lnL w="12700" cap="flat" cmpd="sng" algn="ctr">
+                      <a:solidFill>
+                        <a:srgbClr val="000000"/>
+                      </a:solidFill>
+                      <a:prstDash val="solid"/>
+                      <a:round/>
+                      <a:headEnd type="none" w="med" len="med"/>
+                      <a:tailEnd type="none" w="med" len="med"/>
+                    </a:lnL>
+                    <a:lnR w="38100" cap="flat" cmpd="sng" algn="ctr">
+                      <a:solidFill>
+                        <a:srgbClr val="000000"/>
+                      </a:solidFill>
+                      <a:prstDash val="solid"/>
+                      <a:round/>
+                      <a:headEnd type="none" w="med" len="med"/>
+                      <a:tailEnd type="none" w="med" len="med"/>
+                    </a:lnR>
+                    <a:lnT w="12700" cap="flat" cmpd="sng" algn="ctr">
+                      <a:solidFill>
+                        <a:srgbClr val="000000"/>
+                      </a:solidFill>
+                      <a:prstDash val="solid"/>
+                      <a:round/>
+                      <a:headEnd type="none" w="med" len="med"/>
+                      <a:tailEnd type="none" w="med" len="med"/>
+                    </a:lnT>
+                    <a:lnB w="12700" cap="flat" cmpd="sng" algn="ctr">
+                      <a:solidFill>
+                        <a:srgbClr val="000000"/>
+                      </a:solidFill>
+                      <a:prstDash val="solid"/>
+                      <a:round/>
+                      <a:headEnd type="none" w="med" len="med"/>
+                      <a:tailEnd type="none" w="med" len="med"/>
+                    </a:lnB>
+                  </a:tcPr>
+                </a:tc>
+                <a:tc>
+                  <a:txBody>
+                    <a:bodyPr/>
+                    <a:lstStyle/>
+                    <a:p>
+                      <a:pPr algn="ctr" rtl="0"/>
+                      <a:r>
+                        <a:rPr lang="en-US" sz="1800">
+                          <a:effectLst/>
+                          <a:latin typeface="Calibri" panose="020F0502020204030204" pitchFamily="34" charset="0"/>
+                          <a:ea typeface="Calibri" panose="020F0502020204030204" pitchFamily="34" charset="0"/>
+                          <a:cs typeface="Arial" panose="020B0604020202020204" pitchFamily="34" charset="0"/>
+                        </a:rPr>
+                        <a:t>0.50</a:t>
+                      </a:r>
+                    </a:p>
+                  </a:txBody>
+                  <a:tcPr marL="68580" marR="68580" marT="0" marB="0">
+                    <a:lnL w="38100" cap="flat" cmpd="sng" algn="ctr">
+                      <a:solidFill>
+                        <a:srgbClr val="000000"/>
+                      </a:solidFill>
+                      <a:prstDash val="solid"/>
+                      <a:round/>
+                      <a:headEnd type="none" w="med" len="med"/>
+                      <a:tailEnd type="none" w="med" len="med"/>
+                    </a:lnL>
+                    <a:lnR w="12700" cap="flat" cmpd="sng" algn="ctr">
+                      <a:solidFill>
+                        <a:srgbClr val="000000"/>
+                      </a:solidFill>
+                      <a:prstDash val="solid"/>
+                      <a:round/>
+                      <a:headEnd type="none" w="med" len="med"/>
+                      <a:tailEnd type="none" w="med" len="med"/>
+                    </a:lnR>
+                    <a:lnT w="12700" cap="flat" cmpd="sng" algn="ctr">
+                      <a:solidFill>
+                        <a:srgbClr val="000000"/>
+                      </a:solidFill>
+                      <a:prstDash val="solid"/>
+                      <a:round/>
+                      <a:headEnd type="none" w="med" len="med"/>
+                      <a:tailEnd type="none" w="med" len="med"/>
+                    </a:lnT>
+                    <a:lnB w="12700" cap="flat" cmpd="sng" algn="ctr">
+                      <a:solidFill>
+                        <a:srgbClr val="000000"/>
+                      </a:solidFill>
+                      <a:prstDash val="solid"/>
+                      <a:round/>
+                      <a:headEnd type="none" w="med" len="med"/>
+                      <a:tailEnd type="none" w="med" len="med"/>
+                    </a:lnB>
+                  </a:tcPr>
+                </a:tc>
+                <a:tc>
+                  <a:txBody>
+                    <a:bodyPr/>
+                    <a:lstStyle/>
+                    <a:p>
+                      <a:pPr algn="ctr" rtl="0"/>
+                      <a:r>
+                        <a:rPr lang="en-US" sz="1800">
+                          <a:effectLst/>
+                          <a:latin typeface="Calibri" panose="020F0502020204030204" pitchFamily="34" charset="0"/>
+                          <a:ea typeface="Calibri" panose="020F0502020204030204" pitchFamily="34" charset="0"/>
+                          <a:cs typeface="Arial" panose="020B0604020202020204" pitchFamily="34" charset="0"/>
+                        </a:rPr>
+                        <a:t>2.20</a:t>
+                      </a:r>
+                    </a:p>
+                  </a:txBody>
+                  <a:tcPr marL="68580" marR="68580" marT="0" marB="0">
+                    <a:lnL w="12700" cap="flat" cmpd="sng" algn="ctr">
+                      <a:solidFill>
+                        <a:srgbClr val="000000"/>
+                      </a:solidFill>
+                      <a:prstDash val="solid"/>
+                      <a:round/>
+                      <a:headEnd type="none" w="med" len="med"/>
+                      <a:tailEnd type="none" w="med" len="med"/>
+                    </a:lnL>
+                    <a:lnR w="38100" cap="flat" cmpd="sng" algn="ctr">
+                      <a:solidFill>
+                        <a:srgbClr val="000000"/>
+                      </a:solidFill>
+                      <a:prstDash val="solid"/>
+                      <a:round/>
+                      <a:headEnd type="none" w="med" len="med"/>
+                      <a:tailEnd type="none" w="med" len="med"/>
+                    </a:lnR>
+                    <a:lnT w="12700" cap="flat" cmpd="sng" algn="ctr">
+                      <a:solidFill>
+                        <a:srgbClr val="000000"/>
+                      </a:solidFill>
+                      <a:prstDash val="solid"/>
+                      <a:round/>
+                      <a:headEnd type="none" w="med" len="med"/>
+                      <a:tailEnd type="none" w="med" len="med"/>
+                    </a:lnT>
+                    <a:lnB w="12700" cap="flat" cmpd="sng" algn="ctr">
+                      <a:solidFill>
+                        <a:srgbClr val="000000"/>
+                      </a:solidFill>
+                      <a:prstDash val="solid"/>
+                      <a:round/>
+                      <a:headEnd type="none" w="med" len="med"/>
+                      <a:tailEnd type="none" w="med" len="med"/>
+                    </a:lnB>
+                  </a:tcPr>
+                </a:tc>
+                <a:tc>
+                  <a:txBody>
+                    <a:bodyPr/>
+                    <a:lstStyle/>
+                    <a:p>
+                      <a:pPr algn="ctr" rtl="0"/>
+                      <a:r>
+                        <a:rPr lang="en-US" sz="1800">
+                          <a:effectLst/>
+                          <a:latin typeface="Calibri" panose="020F0502020204030204" pitchFamily="34" charset="0"/>
+                          <a:ea typeface="Calibri" panose="020F0502020204030204" pitchFamily="34" charset="0"/>
+                          <a:cs typeface="Arial" panose="020B0604020202020204" pitchFamily="34" charset="0"/>
+                        </a:rPr>
+                        <a:t>0.09</a:t>
+                      </a:r>
+                    </a:p>
+                  </a:txBody>
+                  <a:tcPr marL="68580" marR="68580" marT="0" marB="0">
+                    <a:lnL w="38100" cap="flat" cmpd="sng" algn="ctr">
+                      <a:solidFill>
+                        <a:srgbClr val="000000"/>
+                      </a:solidFill>
+                      <a:prstDash val="solid"/>
+                      <a:round/>
+                      <a:headEnd type="none" w="med" len="med"/>
+                      <a:tailEnd type="none" w="med" len="med"/>
+                    </a:lnL>
+                    <a:lnR w="12700" cap="flat" cmpd="sng" algn="ctr">
+                      <a:solidFill>
+                        <a:srgbClr val="000000"/>
+                      </a:solidFill>
+                      <a:prstDash val="solid"/>
+                      <a:round/>
+                      <a:headEnd type="none" w="med" len="med"/>
+                      <a:tailEnd type="none" w="med" len="med"/>
+                    </a:lnR>
+                    <a:lnT w="12700" cap="flat" cmpd="sng" algn="ctr">
+                      <a:solidFill>
+                        <a:srgbClr val="000000"/>
+                      </a:solidFill>
+                      <a:prstDash val="solid"/>
+                      <a:round/>
+                      <a:headEnd type="none" w="med" len="med"/>
+                      <a:tailEnd type="none" w="med" len="med"/>
+                    </a:lnT>
+                    <a:lnB w="12700" cap="flat" cmpd="sng" algn="ctr">
+                      <a:solidFill>
+                        <a:srgbClr val="000000"/>
+                      </a:solidFill>
+                      <a:prstDash val="solid"/>
+                      <a:round/>
+                      <a:headEnd type="none" w="med" len="med"/>
+                      <a:tailEnd type="none" w="med" len="med"/>
+                    </a:lnB>
+                  </a:tcPr>
+                </a:tc>
+                <a:tc>
+                  <a:txBody>
+                    <a:bodyPr/>
+                    <a:lstStyle/>
+                    <a:p>
+                      <a:pPr algn="ctr" rtl="0"/>
+                      <a:r>
+                        <a:rPr lang="en-US" sz="1800">
+                          <a:effectLst/>
+                          <a:latin typeface="Calibri" panose="020F0502020204030204" pitchFamily="34" charset="0"/>
+                          <a:ea typeface="Calibri" panose="020F0502020204030204" pitchFamily="34" charset="0"/>
+                          <a:cs typeface="Arial" panose="020B0604020202020204" pitchFamily="34" charset="0"/>
+                        </a:rPr>
+                        <a:t>0.40</a:t>
+                      </a:r>
+                    </a:p>
+                  </a:txBody>
+                  <a:tcPr marL="68580" marR="68580" marT="0" marB="0">
+                    <a:lnL w="12700" cap="flat" cmpd="sng" algn="ctr">
+                      <a:solidFill>
+                        <a:srgbClr val="000000"/>
+                      </a:solidFill>
+                      <a:prstDash val="solid"/>
+                      <a:round/>
+                      <a:headEnd type="none" w="med" len="med"/>
+                      <a:tailEnd type="none" w="med" len="med"/>
+                    </a:lnL>
+                    <a:lnR w="38100" cap="flat" cmpd="sng" algn="ctr">
+                      <a:solidFill>
+                        <a:srgbClr val="000000"/>
+                      </a:solidFill>
+                      <a:prstDash val="solid"/>
+                      <a:round/>
+                      <a:headEnd type="none" w="med" len="med"/>
+                      <a:tailEnd type="none" w="med" len="med"/>
+                    </a:lnR>
+                    <a:lnT w="12700" cap="flat" cmpd="sng" algn="ctr">
+                      <a:solidFill>
+                        <a:srgbClr val="000000"/>
+                      </a:solidFill>
+                      <a:prstDash val="solid"/>
+                      <a:round/>
+                      <a:headEnd type="none" w="med" len="med"/>
+                      <a:tailEnd type="none" w="med" len="med"/>
+                    </a:lnT>
+                    <a:lnB w="12700" cap="flat" cmpd="sng" algn="ctr">
+                      <a:solidFill>
+                        <a:srgbClr val="000000"/>
+                      </a:solidFill>
+                      <a:prstDash val="solid"/>
+                      <a:round/>
+                      <a:headEnd type="none" w="med" len="med"/>
+                      <a:tailEnd type="none" w="med" len="med"/>
+                    </a:lnB>
+                  </a:tcPr>
+                </a:tc>
+                <a:tc>
+                  <a:txBody>
+                    <a:bodyPr/>
+                    <a:lstStyle/>
+                    <a:p>
+                      <a:pPr algn="ctr" rtl="1"/>
+                      <a:r>
+                        <a:rPr lang="en-US" sz="1800">
+                          <a:effectLst/>
+                          <a:latin typeface="Calibri" panose="020F0502020204030204" pitchFamily="34" charset="0"/>
+                          <a:ea typeface="Calibri" panose="020F0502020204030204" pitchFamily="34" charset="0"/>
+                          <a:cs typeface="Arial" panose="020B0604020202020204" pitchFamily="34" charset="0"/>
+                        </a:rPr>
+                        <a:t>MAD</a:t>
+                      </a:r>
+                    </a:p>
+                  </a:txBody>
+                  <a:tcPr marL="68580" marR="68580" marT="0" marB="0">
+                    <a:lnL w="38100" cap="flat" cmpd="sng" algn="ctr">
+                      <a:solidFill>
+                        <a:srgbClr val="000000"/>
+                      </a:solidFill>
+                      <a:prstDash val="solid"/>
+                      <a:round/>
+                      <a:headEnd type="none" w="med" len="med"/>
+                      <a:tailEnd type="none" w="med" len="med"/>
+                    </a:lnL>
+                    <a:lnR w="12700" cap="flat" cmpd="sng" algn="ctr">
+                      <a:solidFill>
+                        <a:srgbClr val="000000"/>
+                      </a:solidFill>
+                      <a:prstDash val="solid"/>
+                      <a:round/>
+                      <a:headEnd type="none" w="med" len="med"/>
+                      <a:tailEnd type="none" w="med" len="med"/>
+                    </a:lnR>
+                    <a:lnT w="12700" cap="flat" cmpd="sng" algn="ctr">
+                      <a:solidFill>
+                        <a:srgbClr val="000000"/>
+                      </a:solidFill>
+                      <a:prstDash val="solid"/>
+                      <a:round/>
+                      <a:headEnd type="none" w="med" len="med"/>
+                      <a:tailEnd type="none" w="med" len="med"/>
+                    </a:lnT>
+                    <a:lnB w="12700" cap="flat" cmpd="sng" algn="ctr">
+                      <a:solidFill>
+                        <a:srgbClr val="000000"/>
+                      </a:solidFill>
+                      <a:prstDash val="solid"/>
+                      <a:round/>
+                      <a:headEnd type="none" w="med" len="med"/>
+                      <a:tailEnd type="none" w="med" len="med"/>
+                    </a:lnB>
+                  </a:tcPr>
+                </a:tc>
+                <a:extLst>
+                  <a:ext uri="{0D108BD9-81ED-4DB2-BD59-A6C34878D82A}">
+                    <a16:rowId xmlns:a16="http://schemas.microsoft.com/office/drawing/2014/main" val="3943673968"/>
+                  </a:ext>
+                </a:extLst>
+              </a:tr>
+              <a:tr h="236281">
+                <a:tc>
+                  <a:txBody>
+                    <a:bodyPr/>
+                    <a:lstStyle/>
+                    <a:p>
+                      <a:pPr algn="ctr" rtl="0"/>
+                      <a:r>
+                        <a:rPr lang="en-US" sz="1800">
+                          <a:effectLst/>
+                          <a:latin typeface="Calibri" panose="020F0502020204030204" pitchFamily="34" charset="0"/>
+                          <a:ea typeface="Calibri" panose="020F0502020204030204" pitchFamily="34" charset="0"/>
+                          <a:cs typeface="Arial" panose="020B0604020202020204" pitchFamily="34" charset="0"/>
+                        </a:rPr>
+                        <a:t>&lt;0.001</a:t>
+                      </a:r>
+                    </a:p>
+                  </a:txBody>
+                  <a:tcPr marL="68580" marR="68580" marT="0" marB="0">
+                    <a:lnL w="12700" cap="flat" cmpd="sng" algn="ctr">
+                      <a:solidFill>
+                        <a:srgbClr val="000000"/>
+                      </a:solidFill>
+                      <a:prstDash val="solid"/>
+                      <a:round/>
+                      <a:headEnd type="none" w="med" len="med"/>
+                      <a:tailEnd type="none" w="med" len="med"/>
+                    </a:lnL>
+                    <a:lnR w="12700" cap="flat" cmpd="sng" algn="ctr">
+                      <a:solidFill>
+                        <a:srgbClr val="000000"/>
+                      </a:solidFill>
+                      <a:prstDash val="solid"/>
+                      <a:round/>
+                      <a:headEnd type="none" w="med" len="med"/>
+                      <a:tailEnd type="none" w="med" len="med"/>
+                    </a:lnR>
+                    <a:lnT w="12700" cap="flat" cmpd="sng" algn="ctr">
+                      <a:solidFill>
+                        <a:srgbClr val="000000"/>
+                      </a:solidFill>
+                      <a:prstDash val="solid"/>
+                      <a:round/>
+                      <a:headEnd type="none" w="med" len="med"/>
+                      <a:tailEnd type="none" w="med" len="med"/>
+                    </a:lnT>
+                    <a:lnB w="12700" cap="flat" cmpd="sng" algn="ctr">
+                      <a:solidFill>
+                        <a:srgbClr val="000000"/>
+                      </a:solidFill>
+                      <a:prstDash val="solid"/>
+                      <a:round/>
+                      <a:headEnd type="none" w="med" len="med"/>
+                      <a:tailEnd type="none" w="med" len="med"/>
+                    </a:lnB>
+                  </a:tcPr>
+                </a:tc>
+                <a:tc>
+                  <a:txBody>
+                    <a:bodyPr/>
+                    <a:lstStyle/>
+                    <a:p>
+                      <a:pPr algn="ctr" rtl="0"/>
+                      <a:r>
+                        <a:rPr lang="en-US" sz="1800">
+                          <a:effectLst/>
+                          <a:latin typeface="Calibri" panose="020F0502020204030204" pitchFamily="34" charset="0"/>
+                          <a:ea typeface="Calibri" panose="020F0502020204030204" pitchFamily="34" charset="0"/>
+                          <a:cs typeface="Arial" panose="020B0604020202020204" pitchFamily="34" charset="0"/>
+                        </a:rPr>
+                        <a:t>0.001</a:t>
+                      </a:r>
+                    </a:p>
+                  </a:txBody>
+                  <a:tcPr marL="68580" marR="68580" marT="0" marB="0">
+                    <a:lnL w="12700" cap="flat" cmpd="sng" algn="ctr">
+                      <a:solidFill>
+                        <a:srgbClr val="000000"/>
+                      </a:solidFill>
+                      <a:prstDash val="solid"/>
+                      <a:round/>
+                      <a:headEnd type="none" w="med" len="med"/>
+                      <a:tailEnd type="none" w="med" len="med"/>
+                    </a:lnL>
+                    <a:lnR w="38100" cap="flat" cmpd="sng" algn="ctr">
+                      <a:solidFill>
+                        <a:srgbClr val="000000"/>
+                      </a:solidFill>
+                      <a:prstDash val="solid"/>
+                      <a:round/>
+                      <a:headEnd type="none" w="med" len="med"/>
+                      <a:tailEnd type="none" w="med" len="med"/>
+                    </a:lnR>
+                    <a:lnT w="12700" cap="flat" cmpd="sng" algn="ctr">
+                      <a:solidFill>
+                        <a:srgbClr val="000000"/>
+                      </a:solidFill>
+                      <a:prstDash val="solid"/>
+                      <a:round/>
+                      <a:headEnd type="none" w="med" len="med"/>
+                      <a:tailEnd type="none" w="med" len="med"/>
+                    </a:lnT>
+                    <a:lnB w="12700" cap="flat" cmpd="sng" algn="ctr">
+                      <a:solidFill>
+                        <a:srgbClr val="000000"/>
+                      </a:solidFill>
+                      <a:prstDash val="solid"/>
+                      <a:round/>
+                      <a:headEnd type="none" w="med" len="med"/>
+                      <a:tailEnd type="none" w="med" len="med"/>
+                    </a:lnB>
+                  </a:tcPr>
+                </a:tc>
+                <a:tc>
+                  <a:txBody>
+                    <a:bodyPr/>
+                    <a:lstStyle/>
+                    <a:p>
+                      <a:pPr algn="ctr" rtl="0"/>
+                      <a:r>
+                        <a:rPr lang="en-US" sz="1800">
+                          <a:effectLst/>
+                          <a:latin typeface="Calibri" panose="020F0502020204030204" pitchFamily="34" charset="0"/>
+                          <a:ea typeface="Calibri" panose="020F0502020204030204" pitchFamily="34" charset="0"/>
+                          <a:cs typeface="Arial" panose="020B0604020202020204" pitchFamily="34" charset="0"/>
+                        </a:rPr>
+                        <a:t>3.785</a:t>
+                      </a:r>
+                    </a:p>
+                  </a:txBody>
+                  <a:tcPr marL="68580" marR="68580" marT="0" marB="0">
+                    <a:lnL w="38100" cap="flat" cmpd="sng" algn="ctr">
+                      <a:solidFill>
+                        <a:srgbClr val="000000"/>
+                      </a:solidFill>
+                      <a:prstDash val="solid"/>
+                      <a:round/>
+                      <a:headEnd type="none" w="med" len="med"/>
+                      <a:tailEnd type="none" w="med" len="med"/>
+                    </a:lnL>
+                    <a:lnR w="12700" cap="flat" cmpd="sng" algn="ctr">
+                      <a:solidFill>
+                        <a:srgbClr val="000000"/>
+                      </a:solidFill>
+                      <a:prstDash val="solid"/>
+                      <a:round/>
+                      <a:headEnd type="none" w="med" len="med"/>
+                      <a:tailEnd type="none" w="med" len="med"/>
+                    </a:lnR>
+                    <a:lnT w="12700" cap="flat" cmpd="sng" algn="ctr">
+                      <a:solidFill>
+                        <a:srgbClr val="000000"/>
+                      </a:solidFill>
+                      <a:prstDash val="solid"/>
+                      <a:round/>
+                      <a:headEnd type="none" w="med" len="med"/>
+                      <a:tailEnd type="none" w="med" len="med"/>
+                    </a:lnT>
+                    <a:lnB w="12700" cap="flat" cmpd="sng" algn="ctr">
+                      <a:solidFill>
+                        <a:srgbClr val="000000"/>
+                      </a:solidFill>
+                      <a:prstDash val="solid"/>
+                      <a:round/>
+                      <a:headEnd type="none" w="med" len="med"/>
+                      <a:tailEnd type="none" w="med" len="med"/>
+                    </a:lnB>
+                  </a:tcPr>
+                </a:tc>
+                <a:tc>
+                  <a:txBody>
+                    <a:bodyPr/>
+                    <a:lstStyle/>
+                    <a:p>
+                      <a:pPr algn="ctr" rtl="0"/>
+                      <a:r>
+                        <a:rPr lang="en-US" sz="1800">
+                          <a:effectLst/>
+                          <a:latin typeface="Calibri" panose="020F0502020204030204" pitchFamily="34" charset="0"/>
+                          <a:ea typeface="Calibri" panose="020F0502020204030204" pitchFamily="34" charset="0"/>
+                          <a:cs typeface="Arial" panose="020B0604020202020204" pitchFamily="34" charset="0"/>
+                        </a:rPr>
+                        <a:t>3.59</a:t>
+                      </a:r>
+                    </a:p>
+                  </a:txBody>
+                  <a:tcPr marL="68580" marR="68580" marT="0" marB="0">
+                    <a:lnL w="12700" cap="flat" cmpd="sng" algn="ctr">
+                      <a:solidFill>
+                        <a:srgbClr val="000000"/>
+                      </a:solidFill>
+                      <a:prstDash val="solid"/>
+                      <a:round/>
+                      <a:headEnd type="none" w="med" len="med"/>
+                      <a:tailEnd type="none" w="med" len="med"/>
+                    </a:lnL>
+                    <a:lnR w="38100" cap="flat" cmpd="sng" algn="ctr">
+                      <a:solidFill>
+                        <a:srgbClr val="000000"/>
+                      </a:solidFill>
+                      <a:prstDash val="solid"/>
+                      <a:round/>
+                      <a:headEnd type="none" w="med" len="med"/>
+                      <a:tailEnd type="none" w="med" len="med"/>
+                    </a:lnR>
+                    <a:lnT w="12700" cap="flat" cmpd="sng" algn="ctr">
+                      <a:solidFill>
+                        <a:srgbClr val="000000"/>
+                      </a:solidFill>
+                      <a:prstDash val="solid"/>
+                      <a:round/>
+                      <a:headEnd type="none" w="med" len="med"/>
+                      <a:tailEnd type="none" w="med" len="med"/>
+                    </a:lnT>
+                    <a:lnB w="12700" cap="flat" cmpd="sng" algn="ctr">
+                      <a:solidFill>
+                        <a:srgbClr val="000000"/>
+                      </a:solidFill>
+                      <a:prstDash val="solid"/>
+                      <a:round/>
+                      <a:headEnd type="none" w="med" len="med"/>
+                      <a:tailEnd type="none" w="med" len="med"/>
+                    </a:lnB>
+                  </a:tcPr>
+                </a:tc>
+                <a:tc>
+                  <a:txBody>
+                    <a:bodyPr/>
+                    <a:lstStyle/>
+                    <a:p>
+                      <a:pPr algn="ctr" rtl="0"/>
+                      <a:r>
+                        <a:rPr lang="en-US" sz="1800">
+                          <a:solidFill>
+                            <a:srgbClr val="000000"/>
+                          </a:solidFill>
+                          <a:effectLst/>
+                          <a:latin typeface="Calibri" panose="020F0502020204030204" pitchFamily="34" charset="0"/>
+                          <a:ea typeface="Calibri" panose="020F0502020204030204" pitchFamily="34" charset="0"/>
+                          <a:cs typeface="Arial" panose="020B0604020202020204" pitchFamily="34" charset="0"/>
+                        </a:rPr>
+                        <a:t>0.69</a:t>
+                      </a:r>
+                      <a:endParaRPr lang="en-US" sz="1800">
+                        <a:effectLst/>
+                        <a:latin typeface="Calibri" panose="020F0502020204030204" pitchFamily="34" charset="0"/>
+                        <a:ea typeface="Calibri" panose="020F0502020204030204" pitchFamily="34" charset="0"/>
+                        <a:cs typeface="Arial" panose="020B0604020202020204" pitchFamily="34" charset="0"/>
+                      </a:endParaRPr>
+                    </a:p>
+                  </a:txBody>
+                  <a:tcPr marL="68580" marR="68580" marT="0" marB="0">
+                    <a:lnL w="38100" cap="flat" cmpd="sng" algn="ctr">
+                      <a:solidFill>
+                        <a:srgbClr val="000000"/>
+                      </a:solidFill>
+                      <a:prstDash val="solid"/>
+                      <a:round/>
+                      <a:headEnd type="none" w="med" len="med"/>
+                      <a:tailEnd type="none" w="med" len="med"/>
+                    </a:lnL>
+                    <a:lnR w="12700" cap="flat" cmpd="sng" algn="ctr">
+                      <a:solidFill>
+                        <a:srgbClr val="000000"/>
+                      </a:solidFill>
+                      <a:prstDash val="solid"/>
+                      <a:round/>
+                      <a:headEnd type="none" w="med" len="med"/>
+                      <a:tailEnd type="none" w="med" len="med"/>
+                    </a:lnR>
+                    <a:lnT w="12700" cap="flat" cmpd="sng" algn="ctr">
+                      <a:solidFill>
+                        <a:srgbClr val="000000"/>
+                      </a:solidFill>
+                      <a:prstDash val="solid"/>
+                      <a:round/>
+                      <a:headEnd type="none" w="med" len="med"/>
+                      <a:tailEnd type="none" w="med" len="med"/>
+                    </a:lnT>
+                    <a:lnB w="12700" cap="flat" cmpd="sng" algn="ctr">
+                      <a:solidFill>
+                        <a:srgbClr val="000000"/>
+                      </a:solidFill>
+                      <a:prstDash val="solid"/>
+                      <a:round/>
+                      <a:headEnd type="none" w="med" len="med"/>
+                      <a:tailEnd type="none" w="med" len="med"/>
+                    </a:lnB>
+                    <a:solidFill>
+                      <a:srgbClr val="C5E0B3"/>
+                    </a:solidFill>
+                  </a:tcPr>
+                </a:tc>
+                <a:tc>
+                  <a:txBody>
+                    <a:bodyPr/>
+                    <a:lstStyle/>
+                    <a:p>
+                      <a:pPr algn="ctr" rtl="0"/>
+                      <a:r>
+                        <a:rPr lang="en-US" sz="1800">
+                          <a:effectLst/>
+                          <a:latin typeface="Calibri" panose="020F0502020204030204" pitchFamily="34" charset="0"/>
+                          <a:ea typeface="Calibri" panose="020F0502020204030204" pitchFamily="34" charset="0"/>
+                          <a:cs typeface="Arial" panose="020B0604020202020204" pitchFamily="34" charset="0"/>
+                        </a:rPr>
+                        <a:t>0.65</a:t>
+                      </a:r>
+                    </a:p>
+                  </a:txBody>
+                  <a:tcPr marL="68580" marR="68580" marT="0" marB="0">
+                    <a:lnL w="12700" cap="flat" cmpd="sng" algn="ctr">
+                      <a:solidFill>
+                        <a:srgbClr val="000000"/>
+                      </a:solidFill>
+                      <a:prstDash val="solid"/>
+                      <a:round/>
+                      <a:headEnd type="none" w="med" len="med"/>
+                      <a:tailEnd type="none" w="med" len="med"/>
+                    </a:lnL>
+                    <a:lnR w="38100" cap="flat" cmpd="sng" algn="ctr">
+                      <a:solidFill>
+                        <a:srgbClr val="000000"/>
+                      </a:solidFill>
+                      <a:prstDash val="solid"/>
+                      <a:round/>
+                      <a:headEnd type="none" w="med" len="med"/>
+                      <a:tailEnd type="none" w="med" len="med"/>
+                    </a:lnR>
+                    <a:lnT w="12700" cap="flat" cmpd="sng" algn="ctr">
+                      <a:solidFill>
+                        <a:srgbClr val="000000"/>
+                      </a:solidFill>
+                      <a:prstDash val="solid"/>
+                      <a:round/>
+                      <a:headEnd type="none" w="med" len="med"/>
+                      <a:tailEnd type="none" w="med" len="med"/>
+                    </a:lnT>
+                    <a:lnB w="12700" cap="flat" cmpd="sng" algn="ctr">
+                      <a:solidFill>
+                        <a:srgbClr val="000000"/>
+                      </a:solidFill>
+                      <a:prstDash val="solid"/>
+                      <a:round/>
+                      <a:headEnd type="none" w="med" len="med"/>
+                      <a:tailEnd type="none" w="med" len="med"/>
+                    </a:lnB>
+                  </a:tcPr>
+                </a:tc>
+                <a:tc>
+                  <a:txBody>
+                    <a:bodyPr/>
+                    <a:lstStyle/>
+                    <a:p>
+                      <a:pPr algn="ctr" rtl="1"/>
+                      <a:r>
+                        <a:rPr lang="en-US" sz="1800">
+                          <a:effectLst/>
+                          <a:latin typeface="Calibri" panose="020F0502020204030204" pitchFamily="34" charset="0"/>
+                          <a:ea typeface="Calibri" panose="020F0502020204030204" pitchFamily="34" charset="0"/>
+                          <a:cs typeface="Arial" panose="020B0604020202020204" pitchFamily="34" charset="0"/>
+                        </a:rPr>
+                        <a:t>Reach area</a:t>
+                      </a:r>
+                    </a:p>
+                  </a:txBody>
+                  <a:tcPr marL="68580" marR="68580" marT="0" marB="0">
+                    <a:lnL w="38100" cap="flat" cmpd="sng" algn="ctr">
+                      <a:solidFill>
+                        <a:srgbClr val="000000"/>
+                      </a:solidFill>
+                      <a:prstDash val="solid"/>
+                      <a:round/>
+                      <a:headEnd type="none" w="med" len="med"/>
+                      <a:tailEnd type="none" w="med" len="med"/>
+                    </a:lnL>
+                    <a:lnR w="12700" cap="flat" cmpd="sng" algn="ctr">
+                      <a:solidFill>
+                        <a:srgbClr val="000000"/>
+                      </a:solidFill>
+                      <a:prstDash val="solid"/>
+                      <a:round/>
+                      <a:headEnd type="none" w="med" len="med"/>
+                      <a:tailEnd type="none" w="med" len="med"/>
+                    </a:lnR>
+                    <a:lnT w="12700" cap="flat" cmpd="sng" algn="ctr">
+                      <a:solidFill>
+                        <a:srgbClr val="000000"/>
+                      </a:solidFill>
+                      <a:prstDash val="solid"/>
+                      <a:round/>
+                      <a:headEnd type="none" w="med" len="med"/>
+                      <a:tailEnd type="none" w="med" len="med"/>
+                    </a:lnT>
+                    <a:lnB w="12700" cap="flat" cmpd="sng" algn="ctr">
+                      <a:solidFill>
+                        <a:srgbClr val="000000"/>
+                      </a:solidFill>
+                      <a:prstDash val="solid"/>
+                      <a:round/>
+                      <a:headEnd type="none" w="med" len="med"/>
+                      <a:tailEnd type="none" w="med" len="med"/>
+                    </a:lnB>
+                  </a:tcPr>
+                </a:tc>
+                <a:extLst>
+                  <a:ext uri="{0D108BD9-81ED-4DB2-BD59-A6C34878D82A}">
+                    <a16:rowId xmlns:a16="http://schemas.microsoft.com/office/drawing/2014/main" val="3329680184"/>
+                  </a:ext>
+                </a:extLst>
+              </a:tr>
+              <a:tr h="236281">
+                <a:tc>
+                  <a:txBody>
+                    <a:bodyPr/>
+                    <a:lstStyle/>
+                    <a:p>
+                      <a:pPr algn="ctr" rtl="0"/>
+                      <a:r>
+                        <a:rPr lang="en-US" sz="1800">
+                          <a:effectLst/>
+                          <a:latin typeface="Calibri" panose="020F0502020204030204" pitchFamily="34" charset="0"/>
+                          <a:ea typeface="Calibri" panose="020F0502020204030204" pitchFamily="34" charset="0"/>
+                          <a:cs typeface="Arial" panose="020B0604020202020204" pitchFamily="34" charset="0"/>
+                        </a:rPr>
+                        <a:t>&lt;0.001</a:t>
+                      </a:r>
+                    </a:p>
+                  </a:txBody>
+                  <a:tcPr marL="68580" marR="68580" marT="0" marB="0">
+                    <a:lnL w="12700" cap="flat" cmpd="sng" algn="ctr">
+                      <a:solidFill>
+                        <a:srgbClr val="000000"/>
+                      </a:solidFill>
+                      <a:prstDash val="solid"/>
+                      <a:round/>
+                      <a:headEnd type="none" w="med" len="med"/>
+                      <a:tailEnd type="none" w="med" len="med"/>
+                    </a:lnL>
+                    <a:lnR w="12700" cap="flat" cmpd="sng" algn="ctr">
+                      <a:solidFill>
+                        <a:srgbClr val="000000"/>
+                      </a:solidFill>
+                      <a:prstDash val="solid"/>
+                      <a:round/>
+                      <a:headEnd type="none" w="med" len="med"/>
+                      <a:tailEnd type="none" w="med" len="med"/>
+                    </a:lnR>
+                    <a:lnT w="12700" cap="flat" cmpd="sng" algn="ctr">
+                      <a:solidFill>
+                        <a:srgbClr val="000000"/>
+                      </a:solidFill>
+                      <a:prstDash val="solid"/>
+                      <a:round/>
+                      <a:headEnd type="none" w="med" len="med"/>
+                      <a:tailEnd type="none" w="med" len="med"/>
+                    </a:lnT>
+                    <a:lnB w="12700" cap="flat" cmpd="sng" algn="ctr">
+                      <a:solidFill>
+                        <a:srgbClr val="000000"/>
+                      </a:solidFill>
+                      <a:prstDash val="solid"/>
+                      <a:round/>
+                      <a:headEnd type="none" w="med" len="med"/>
+                      <a:tailEnd type="none" w="med" len="med"/>
+                    </a:lnB>
+                  </a:tcPr>
+                </a:tc>
+                <a:tc>
+                  <a:txBody>
+                    <a:bodyPr/>
+                    <a:lstStyle/>
+                    <a:p>
+                      <a:pPr algn="ctr" rtl="0"/>
+                      <a:r>
+                        <a:rPr lang="en-US" sz="1800">
+                          <a:effectLst/>
+                          <a:latin typeface="Calibri" panose="020F0502020204030204" pitchFamily="34" charset="0"/>
+                          <a:ea typeface="Calibri" panose="020F0502020204030204" pitchFamily="34" charset="0"/>
+                          <a:cs typeface="Arial" panose="020B0604020202020204" pitchFamily="34" charset="0"/>
+                        </a:rPr>
+                        <a:t>&lt;0.001</a:t>
+                      </a:r>
+                    </a:p>
+                  </a:txBody>
+                  <a:tcPr marL="68580" marR="68580" marT="0" marB="0">
+                    <a:lnL w="12700" cap="flat" cmpd="sng" algn="ctr">
+                      <a:solidFill>
+                        <a:srgbClr val="000000"/>
+                      </a:solidFill>
+                      <a:prstDash val="solid"/>
+                      <a:round/>
+                      <a:headEnd type="none" w="med" len="med"/>
+                      <a:tailEnd type="none" w="med" len="med"/>
+                    </a:lnL>
+                    <a:lnR w="38100" cap="flat" cmpd="sng" algn="ctr">
+                      <a:solidFill>
+                        <a:srgbClr val="000000"/>
+                      </a:solidFill>
+                      <a:prstDash val="solid"/>
+                      <a:round/>
+                      <a:headEnd type="none" w="med" len="med"/>
+                      <a:tailEnd type="none" w="med" len="med"/>
+                    </a:lnR>
+                    <a:lnT w="12700" cap="flat" cmpd="sng" algn="ctr">
+                      <a:solidFill>
+                        <a:srgbClr val="000000"/>
+                      </a:solidFill>
+                      <a:prstDash val="solid"/>
+                      <a:round/>
+                      <a:headEnd type="none" w="med" len="med"/>
+                      <a:tailEnd type="none" w="med" len="med"/>
+                    </a:lnT>
+                    <a:lnB w="12700" cap="flat" cmpd="sng" algn="ctr">
+                      <a:solidFill>
+                        <a:srgbClr val="000000"/>
+                      </a:solidFill>
+                      <a:prstDash val="solid"/>
+                      <a:round/>
+                      <a:headEnd type="none" w="med" len="med"/>
+                      <a:tailEnd type="none" w="med" len="med"/>
+                    </a:lnB>
+                  </a:tcPr>
+                </a:tc>
+                <a:tc>
+                  <a:txBody>
+                    <a:bodyPr/>
+                    <a:lstStyle/>
+                    <a:p>
+                      <a:pPr algn="ctr" rtl="0"/>
+                      <a:r>
+                        <a:rPr lang="en-US" sz="1800">
+                          <a:effectLst/>
+                          <a:latin typeface="Calibri" panose="020F0502020204030204" pitchFamily="34" charset="0"/>
+                          <a:ea typeface="Calibri" panose="020F0502020204030204" pitchFamily="34" charset="0"/>
+                          <a:cs typeface="Arial" panose="020B0604020202020204" pitchFamily="34" charset="0"/>
+                        </a:rPr>
+                        <a:t>4.95</a:t>
+                      </a:r>
+                    </a:p>
+                  </a:txBody>
+                  <a:tcPr marL="68580" marR="68580" marT="0" marB="0">
+                    <a:lnL w="38100" cap="flat" cmpd="sng" algn="ctr">
+                      <a:solidFill>
+                        <a:srgbClr val="000000"/>
+                      </a:solidFill>
+                      <a:prstDash val="solid"/>
+                      <a:round/>
+                      <a:headEnd type="none" w="med" len="med"/>
+                      <a:tailEnd type="none" w="med" len="med"/>
+                    </a:lnL>
+                    <a:lnR w="12700" cap="flat" cmpd="sng" algn="ctr">
+                      <a:solidFill>
+                        <a:srgbClr val="000000"/>
+                      </a:solidFill>
+                      <a:prstDash val="solid"/>
+                      <a:round/>
+                      <a:headEnd type="none" w="med" len="med"/>
+                      <a:tailEnd type="none" w="med" len="med"/>
+                    </a:lnR>
+                    <a:lnT w="12700" cap="flat" cmpd="sng" algn="ctr">
+                      <a:solidFill>
+                        <a:srgbClr val="000000"/>
+                      </a:solidFill>
+                      <a:prstDash val="solid"/>
+                      <a:round/>
+                      <a:headEnd type="none" w="med" len="med"/>
+                      <a:tailEnd type="none" w="med" len="med"/>
+                    </a:lnT>
+                    <a:lnB w="12700" cap="flat" cmpd="sng" algn="ctr">
+                      <a:solidFill>
+                        <a:srgbClr val="000000"/>
+                      </a:solidFill>
+                      <a:prstDash val="solid"/>
+                      <a:round/>
+                      <a:headEnd type="none" w="med" len="med"/>
+                      <a:tailEnd type="none" w="med" len="med"/>
+                    </a:lnB>
+                  </a:tcPr>
+                </a:tc>
+                <a:tc>
+                  <a:txBody>
+                    <a:bodyPr/>
+                    <a:lstStyle/>
+                    <a:p>
+                      <a:pPr algn="ctr" rtl="0"/>
+                      <a:r>
+                        <a:rPr lang="en-US" sz="1800">
+                          <a:effectLst/>
+                          <a:latin typeface="Calibri" panose="020F0502020204030204" pitchFamily="34" charset="0"/>
+                          <a:ea typeface="Calibri" panose="020F0502020204030204" pitchFamily="34" charset="0"/>
+                          <a:cs typeface="Arial" panose="020B0604020202020204" pitchFamily="34" charset="0"/>
+                        </a:rPr>
+                        <a:t>5.14</a:t>
+                      </a:r>
+                    </a:p>
+                  </a:txBody>
+                  <a:tcPr marL="68580" marR="68580" marT="0" marB="0">
+                    <a:lnL w="12700" cap="flat" cmpd="sng" algn="ctr">
+                      <a:solidFill>
+                        <a:srgbClr val="000000"/>
+                      </a:solidFill>
+                      <a:prstDash val="solid"/>
+                      <a:round/>
+                      <a:headEnd type="none" w="med" len="med"/>
+                      <a:tailEnd type="none" w="med" len="med"/>
+                    </a:lnL>
+                    <a:lnR w="38100" cap="flat" cmpd="sng" algn="ctr">
+                      <a:solidFill>
+                        <a:srgbClr val="000000"/>
+                      </a:solidFill>
+                      <a:prstDash val="solid"/>
+                      <a:round/>
+                      <a:headEnd type="none" w="med" len="med"/>
+                      <a:tailEnd type="none" w="med" len="med"/>
+                    </a:lnR>
+                    <a:lnT w="12700" cap="flat" cmpd="sng" algn="ctr">
+                      <a:solidFill>
+                        <a:srgbClr val="000000"/>
+                      </a:solidFill>
+                      <a:prstDash val="solid"/>
+                      <a:round/>
+                      <a:headEnd type="none" w="med" len="med"/>
+                      <a:tailEnd type="none" w="med" len="med"/>
+                    </a:lnT>
+                    <a:lnB w="12700" cap="flat" cmpd="sng" algn="ctr">
+                      <a:solidFill>
+                        <a:srgbClr val="000000"/>
+                      </a:solidFill>
+                      <a:prstDash val="solid"/>
+                      <a:round/>
+                      <a:headEnd type="none" w="med" len="med"/>
+                      <a:tailEnd type="none" w="med" len="med"/>
+                    </a:lnB>
+                  </a:tcPr>
+                </a:tc>
+                <a:tc>
+                  <a:txBody>
+                    <a:bodyPr/>
+                    <a:lstStyle/>
+                    <a:p>
+                      <a:pPr algn="ctr" rtl="0"/>
+                      <a:r>
+                        <a:rPr lang="en-US" sz="1800">
+                          <a:effectLst/>
+                          <a:latin typeface="Calibri" panose="020F0502020204030204" pitchFamily="34" charset="0"/>
+                          <a:ea typeface="Calibri" panose="020F0502020204030204" pitchFamily="34" charset="0"/>
+                          <a:cs typeface="Arial" panose="020B0604020202020204" pitchFamily="34" charset="0"/>
+                        </a:rPr>
+                        <a:t>0.90</a:t>
+                      </a:r>
+                    </a:p>
+                  </a:txBody>
+                  <a:tcPr marL="68580" marR="68580" marT="0" marB="0">
+                    <a:lnL w="38100" cap="flat" cmpd="sng" algn="ctr">
+                      <a:solidFill>
+                        <a:srgbClr val="000000"/>
+                      </a:solidFill>
+                      <a:prstDash val="solid"/>
+                      <a:round/>
+                      <a:headEnd type="none" w="med" len="med"/>
+                      <a:tailEnd type="none" w="med" len="med"/>
+                    </a:lnL>
+                    <a:lnR w="12700" cap="flat" cmpd="sng" algn="ctr">
+                      <a:solidFill>
+                        <a:srgbClr val="000000"/>
+                      </a:solidFill>
+                      <a:prstDash val="solid"/>
+                      <a:round/>
+                      <a:headEnd type="none" w="med" len="med"/>
+                      <a:tailEnd type="none" w="med" len="med"/>
+                    </a:lnR>
+                    <a:lnT w="12700" cap="flat" cmpd="sng" algn="ctr">
+                      <a:solidFill>
+                        <a:srgbClr val="000000"/>
+                      </a:solidFill>
+                      <a:prstDash val="solid"/>
+                      <a:round/>
+                      <a:headEnd type="none" w="med" len="med"/>
+                      <a:tailEnd type="none" w="med" len="med"/>
+                    </a:lnT>
+                    <a:lnB w="12700" cap="flat" cmpd="sng" algn="ctr">
+                      <a:solidFill>
+                        <a:srgbClr val="000000"/>
+                      </a:solidFill>
+                      <a:prstDash val="solid"/>
+                      <a:round/>
+                      <a:headEnd type="none" w="med" len="med"/>
+                      <a:tailEnd type="none" w="med" len="med"/>
+                    </a:lnB>
+                  </a:tcPr>
+                </a:tc>
+                <a:tc>
+                  <a:txBody>
+                    <a:bodyPr/>
+                    <a:lstStyle/>
+                    <a:p>
+                      <a:pPr algn="ctr" rtl="0"/>
+                      <a:r>
+                        <a:rPr lang="en-US" sz="1800">
+                          <a:effectLst/>
+                          <a:latin typeface="Calibri" panose="020F0502020204030204" pitchFamily="34" charset="0"/>
+                          <a:ea typeface="Calibri" panose="020F0502020204030204" pitchFamily="34" charset="0"/>
+                          <a:cs typeface="Arial" panose="020B0604020202020204" pitchFamily="34" charset="0"/>
+                        </a:rPr>
+                        <a:t>0.93</a:t>
+                      </a:r>
+                    </a:p>
+                  </a:txBody>
+                  <a:tcPr marL="68580" marR="68580" marT="0" marB="0">
+                    <a:lnL w="12700" cap="flat" cmpd="sng" algn="ctr">
+                      <a:solidFill>
+                        <a:srgbClr val="000000"/>
+                      </a:solidFill>
+                      <a:prstDash val="solid"/>
+                      <a:round/>
+                      <a:headEnd type="none" w="med" len="med"/>
+                      <a:tailEnd type="none" w="med" len="med"/>
+                    </a:lnL>
+                    <a:lnR w="38100" cap="flat" cmpd="sng" algn="ctr">
+                      <a:solidFill>
+                        <a:srgbClr val="000000"/>
+                      </a:solidFill>
+                      <a:prstDash val="solid"/>
+                      <a:round/>
+                      <a:headEnd type="none" w="med" len="med"/>
+                      <a:tailEnd type="none" w="med" len="med"/>
+                    </a:lnR>
+                    <a:lnT w="12700" cap="flat" cmpd="sng" algn="ctr">
+                      <a:solidFill>
+                        <a:srgbClr val="000000"/>
+                      </a:solidFill>
+                      <a:prstDash val="solid"/>
+                      <a:round/>
+                      <a:headEnd type="none" w="med" len="med"/>
+                      <a:tailEnd type="none" w="med" len="med"/>
+                    </a:lnT>
+                    <a:lnB w="12700" cap="flat" cmpd="sng" algn="ctr">
+                      <a:solidFill>
+                        <a:srgbClr val="000000"/>
+                      </a:solidFill>
+                      <a:prstDash val="solid"/>
+                      <a:round/>
+                      <a:headEnd type="none" w="med" len="med"/>
+                      <a:tailEnd type="none" w="med" len="med"/>
+                    </a:lnB>
+                  </a:tcPr>
+                </a:tc>
+                <a:tc>
+                  <a:txBody>
+                    <a:bodyPr/>
+                    <a:lstStyle/>
+                    <a:p>
+                      <a:pPr algn="ctr" rtl="1"/>
+                      <a:r>
+                        <a:rPr lang="en-US" sz="1800">
+                          <a:effectLst/>
+                          <a:latin typeface="Calibri" panose="020F0502020204030204" pitchFamily="34" charset="0"/>
+                          <a:ea typeface="Calibri" panose="020F0502020204030204" pitchFamily="34" charset="0"/>
+                          <a:cs typeface="Arial" panose="020B0604020202020204" pitchFamily="34" charset="0"/>
+                        </a:rPr>
+                        <a:t>Distance traveled</a:t>
+                      </a:r>
+                    </a:p>
+                  </a:txBody>
+                  <a:tcPr marL="68580" marR="68580" marT="0" marB="0">
+                    <a:lnL w="38100" cap="flat" cmpd="sng" algn="ctr">
+                      <a:solidFill>
+                        <a:srgbClr val="000000"/>
+                      </a:solidFill>
+                      <a:prstDash val="solid"/>
+                      <a:round/>
+                      <a:headEnd type="none" w="med" len="med"/>
+                      <a:tailEnd type="none" w="med" len="med"/>
+                    </a:lnL>
+                    <a:lnR w="12700" cap="flat" cmpd="sng" algn="ctr">
+                      <a:solidFill>
+                        <a:srgbClr val="000000"/>
+                      </a:solidFill>
+                      <a:prstDash val="solid"/>
+                      <a:round/>
+                      <a:headEnd type="none" w="med" len="med"/>
+                      <a:tailEnd type="none" w="med" len="med"/>
+                    </a:lnR>
+                    <a:lnT w="12700" cap="flat" cmpd="sng" algn="ctr">
+                      <a:solidFill>
+                        <a:srgbClr val="000000"/>
+                      </a:solidFill>
+                      <a:prstDash val="solid"/>
+                      <a:round/>
+                      <a:headEnd type="none" w="med" len="med"/>
+                      <a:tailEnd type="none" w="med" len="med"/>
+                    </a:lnT>
+                    <a:lnB w="12700" cap="flat" cmpd="sng" algn="ctr">
+                      <a:solidFill>
+                        <a:srgbClr val="000000"/>
+                      </a:solidFill>
+                      <a:prstDash val="solid"/>
+                      <a:round/>
+                      <a:headEnd type="none" w="med" len="med"/>
+                      <a:tailEnd type="none" w="med" len="med"/>
+                    </a:lnB>
+                  </a:tcPr>
+                </a:tc>
+                <a:extLst>
+                  <a:ext uri="{0D108BD9-81ED-4DB2-BD59-A6C34878D82A}">
+                    <a16:rowId xmlns:a16="http://schemas.microsoft.com/office/drawing/2014/main" val="2797603384"/>
+                  </a:ext>
+                </a:extLst>
+              </a:tr>
+              <a:tr h="236281">
+                <a:tc>
+                  <a:txBody>
+                    <a:bodyPr/>
+                    <a:lstStyle/>
+                    <a:p>
+                      <a:pPr algn="ctr" rtl="0"/>
+                      <a:r>
+                        <a:rPr lang="en-US" sz="1800">
+                          <a:effectLst/>
+                          <a:latin typeface="Calibri" panose="020F0502020204030204" pitchFamily="34" charset="0"/>
+                          <a:ea typeface="Calibri" panose="020F0502020204030204" pitchFamily="34" charset="0"/>
+                          <a:cs typeface="Arial" panose="020B0604020202020204" pitchFamily="34" charset="0"/>
+                        </a:rPr>
+                        <a:t>0.685</a:t>
+                      </a:r>
+                    </a:p>
+                  </a:txBody>
+                  <a:tcPr marL="68580" marR="68580" marT="0" marB="0">
+                    <a:lnL w="12700" cap="flat" cmpd="sng" algn="ctr">
+                      <a:solidFill>
+                        <a:srgbClr val="000000"/>
+                      </a:solidFill>
+                      <a:prstDash val="solid"/>
+                      <a:round/>
+                      <a:headEnd type="none" w="med" len="med"/>
+                      <a:tailEnd type="none" w="med" len="med"/>
+                    </a:lnL>
+                    <a:lnR w="12700" cap="flat" cmpd="sng" algn="ctr">
+                      <a:solidFill>
+                        <a:srgbClr val="000000"/>
+                      </a:solidFill>
+                      <a:prstDash val="solid"/>
+                      <a:round/>
+                      <a:headEnd type="none" w="med" len="med"/>
+                      <a:tailEnd type="none" w="med" len="med"/>
+                    </a:lnR>
+                    <a:lnT w="12700" cap="flat" cmpd="sng" algn="ctr">
+                      <a:solidFill>
+                        <a:srgbClr val="000000"/>
+                      </a:solidFill>
+                      <a:prstDash val="solid"/>
+                      <a:round/>
+                      <a:headEnd type="none" w="med" len="med"/>
+                      <a:tailEnd type="none" w="med" len="med"/>
+                    </a:lnT>
+                    <a:lnB w="12700" cap="flat" cmpd="sng" algn="ctr">
+                      <a:solidFill>
+                        <a:srgbClr val="000000"/>
+                      </a:solidFill>
+                      <a:prstDash val="solid"/>
+                      <a:round/>
+                      <a:headEnd type="none" w="med" len="med"/>
+                      <a:tailEnd type="none" w="med" len="med"/>
+                    </a:lnB>
+                  </a:tcPr>
+                </a:tc>
+                <a:tc>
+                  <a:txBody>
+                    <a:bodyPr/>
+                    <a:lstStyle/>
+                    <a:p>
+                      <a:pPr algn="ctr" rtl="0"/>
+                      <a:r>
+                        <a:rPr lang="en-US" sz="1800">
+                          <a:effectLst/>
+                          <a:latin typeface="Calibri" panose="020F0502020204030204" pitchFamily="34" charset="0"/>
+                          <a:ea typeface="Calibri" panose="020F0502020204030204" pitchFamily="34" charset="0"/>
+                          <a:cs typeface="Arial" panose="020B0604020202020204" pitchFamily="34" charset="0"/>
+                        </a:rPr>
+                        <a:t>0.077</a:t>
+                      </a:r>
+                    </a:p>
+                  </a:txBody>
+                  <a:tcPr marL="68580" marR="68580" marT="0" marB="0">
+                    <a:lnL w="12700" cap="flat" cmpd="sng" algn="ctr">
+                      <a:solidFill>
+                        <a:srgbClr val="000000"/>
+                      </a:solidFill>
+                      <a:prstDash val="solid"/>
+                      <a:round/>
+                      <a:headEnd type="none" w="med" len="med"/>
+                      <a:tailEnd type="none" w="med" len="med"/>
+                    </a:lnL>
+                    <a:lnR w="38100" cap="flat" cmpd="sng" algn="ctr">
+                      <a:solidFill>
+                        <a:srgbClr val="000000"/>
+                      </a:solidFill>
+                      <a:prstDash val="solid"/>
+                      <a:round/>
+                      <a:headEnd type="none" w="med" len="med"/>
+                      <a:tailEnd type="none" w="med" len="med"/>
+                    </a:lnR>
+                    <a:lnT w="12700" cap="flat" cmpd="sng" algn="ctr">
+                      <a:solidFill>
+                        <a:srgbClr val="000000"/>
+                      </a:solidFill>
+                      <a:prstDash val="solid"/>
+                      <a:round/>
+                      <a:headEnd type="none" w="med" len="med"/>
+                      <a:tailEnd type="none" w="med" len="med"/>
+                    </a:lnT>
+                    <a:lnB w="12700" cap="flat" cmpd="sng" algn="ctr">
+                      <a:solidFill>
+                        <a:srgbClr val="000000"/>
+                      </a:solidFill>
+                      <a:prstDash val="solid"/>
+                      <a:round/>
+                      <a:headEnd type="none" w="med" len="med"/>
+                      <a:tailEnd type="none" w="med" len="med"/>
+                    </a:lnB>
+                  </a:tcPr>
+                </a:tc>
+                <a:tc>
+                  <a:txBody>
+                    <a:bodyPr/>
+                    <a:lstStyle/>
+                    <a:p>
+                      <a:pPr algn="ctr" rtl="0"/>
+                      <a:r>
+                        <a:rPr lang="en-US" sz="1800">
+                          <a:effectLst/>
+                          <a:latin typeface="Calibri" panose="020F0502020204030204" pitchFamily="34" charset="0"/>
+                          <a:ea typeface="Calibri" panose="020F0502020204030204" pitchFamily="34" charset="0"/>
+                          <a:cs typeface="Arial" panose="020B0604020202020204" pitchFamily="34" charset="0"/>
+                        </a:rPr>
+                        <a:t>0.40</a:t>
+                      </a:r>
+                    </a:p>
+                  </a:txBody>
+                  <a:tcPr marL="68580" marR="68580" marT="0" marB="0">
+                    <a:lnL w="38100" cap="flat" cmpd="sng" algn="ctr">
+                      <a:solidFill>
+                        <a:srgbClr val="000000"/>
+                      </a:solidFill>
+                      <a:prstDash val="solid"/>
+                      <a:round/>
+                      <a:headEnd type="none" w="med" len="med"/>
+                      <a:tailEnd type="none" w="med" len="med"/>
+                    </a:lnL>
+                    <a:lnR w="12700" cap="flat" cmpd="sng" algn="ctr">
+                      <a:solidFill>
+                        <a:srgbClr val="000000"/>
+                      </a:solidFill>
+                      <a:prstDash val="solid"/>
+                      <a:round/>
+                      <a:headEnd type="none" w="med" len="med"/>
+                      <a:tailEnd type="none" w="med" len="med"/>
+                    </a:lnR>
+                    <a:lnT w="12700" cap="flat" cmpd="sng" algn="ctr">
+                      <a:solidFill>
+                        <a:srgbClr val="000000"/>
+                      </a:solidFill>
+                      <a:prstDash val="solid"/>
+                      <a:round/>
+                      <a:headEnd type="none" w="med" len="med"/>
+                      <a:tailEnd type="none" w="med" len="med"/>
+                    </a:lnT>
+                    <a:lnB w="12700" cap="flat" cmpd="sng" algn="ctr">
+                      <a:solidFill>
+                        <a:srgbClr val="000000"/>
+                      </a:solidFill>
+                      <a:prstDash val="solid"/>
+                      <a:round/>
+                      <a:headEnd type="none" w="med" len="med"/>
+                      <a:tailEnd type="none" w="med" len="med"/>
+                    </a:lnB>
+                  </a:tcPr>
+                </a:tc>
+                <a:tc>
+                  <a:txBody>
+                    <a:bodyPr/>
+                    <a:lstStyle/>
+                    <a:p>
+                      <a:pPr algn="ctr" rtl="0"/>
+                      <a:r>
+                        <a:rPr lang="en-US" sz="1800">
+                          <a:effectLst/>
+                          <a:latin typeface="Calibri" panose="020F0502020204030204" pitchFamily="34" charset="0"/>
+                          <a:ea typeface="Calibri" panose="020F0502020204030204" pitchFamily="34" charset="0"/>
+                          <a:cs typeface="Arial" panose="020B0604020202020204" pitchFamily="34" charset="0"/>
+                        </a:rPr>
+                        <a:t>1.83</a:t>
+                      </a:r>
+                    </a:p>
+                  </a:txBody>
+                  <a:tcPr marL="68580" marR="68580" marT="0" marB="0">
+                    <a:lnL w="12700" cap="flat" cmpd="sng" algn="ctr">
+                      <a:solidFill>
+                        <a:srgbClr val="000000"/>
+                      </a:solidFill>
+                      <a:prstDash val="solid"/>
+                      <a:round/>
+                      <a:headEnd type="none" w="med" len="med"/>
+                      <a:tailEnd type="none" w="med" len="med"/>
+                    </a:lnL>
+                    <a:lnR w="38100" cap="flat" cmpd="sng" algn="ctr">
+                      <a:solidFill>
+                        <a:srgbClr val="000000"/>
+                      </a:solidFill>
+                      <a:prstDash val="solid"/>
+                      <a:round/>
+                      <a:headEnd type="none" w="med" len="med"/>
+                      <a:tailEnd type="none" w="med" len="med"/>
+                    </a:lnR>
+                    <a:lnT w="12700" cap="flat" cmpd="sng" algn="ctr">
+                      <a:solidFill>
+                        <a:srgbClr val="000000"/>
+                      </a:solidFill>
+                      <a:prstDash val="solid"/>
+                      <a:round/>
+                      <a:headEnd type="none" w="med" len="med"/>
+                      <a:tailEnd type="none" w="med" len="med"/>
+                    </a:lnT>
+                    <a:lnB w="12700" cap="flat" cmpd="sng" algn="ctr">
+                      <a:solidFill>
+                        <a:srgbClr val="000000"/>
+                      </a:solidFill>
+                      <a:prstDash val="solid"/>
+                      <a:round/>
+                      <a:headEnd type="none" w="med" len="med"/>
+                      <a:tailEnd type="none" w="med" len="med"/>
+                    </a:lnB>
+                  </a:tcPr>
+                </a:tc>
+                <a:tc>
+                  <a:txBody>
+                    <a:bodyPr/>
+                    <a:lstStyle/>
+                    <a:p>
+                      <a:pPr algn="ctr" rtl="0"/>
+                      <a:r>
+                        <a:rPr lang="en-US" sz="1800">
+                          <a:effectLst/>
+                          <a:latin typeface="Calibri" panose="020F0502020204030204" pitchFamily="34" charset="0"/>
+                          <a:ea typeface="Calibri" panose="020F0502020204030204" pitchFamily="34" charset="0"/>
+                          <a:cs typeface="Arial" panose="020B0604020202020204" pitchFamily="34" charset="0"/>
+                        </a:rPr>
+                        <a:t>0.07</a:t>
+                      </a:r>
+                    </a:p>
+                  </a:txBody>
+                  <a:tcPr marL="68580" marR="68580" marT="0" marB="0">
+                    <a:lnL w="38100" cap="flat" cmpd="sng" algn="ctr">
+                      <a:solidFill>
+                        <a:srgbClr val="000000"/>
+                      </a:solidFill>
+                      <a:prstDash val="solid"/>
+                      <a:round/>
+                      <a:headEnd type="none" w="med" len="med"/>
+                      <a:tailEnd type="none" w="med" len="med"/>
+                    </a:lnL>
+                    <a:lnR w="12700" cap="flat" cmpd="sng" algn="ctr">
+                      <a:solidFill>
+                        <a:srgbClr val="000000"/>
+                      </a:solidFill>
+                      <a:prstDash val="solid"/>
+                      <a:round/>
+                      <a:headEnd type="none" w="med" len="med"/>
+                      <a:tailEnd type="none" w="med" len="med"/>
+                    </a:lnR>
+                    <a:lnT w="12700" cap="flat" cmpd="sng" algn="ctr">
+                      <a:solidFill>
+                        <a:srgbClr val="000000"/>
+                      </a:solidFill>
+                      <a:prstDash val="solid"/>
+                      <a:round/>
+                      <a:headEnd type="none" w="med" len="med"/>
+                      <a:tailEnd type="none" w="med" len="med"/>
+                    </a:lnT>
+                    <a:lnB w="12700" cap="flat" cmpd="sng" algn="ctr">
+                      <a:solidFill>
+                        <a:srgbClr val="000000"/>
+                      </a:solidFill>
+                      <a:prstDash val="solid"/>
+                      <a:round/>
+                      <a:headEnd type="none" w="med" len="med"/>
+                      <a:tailEnd type="none" w="med" len="med"/>
+                    </a:lnB>
+                  </a:tcPr>
+                </a:tc>
+                <a:tc>
+                  <a:txBody>
+                    <a:bodyPr/>
+                    <a:lstStyle/>
+                    <a:p>
+                      <a:pPr algn="ctr" rtl="0"/>
+                      <a:r>
+                        <a:rPr lang="en-US" sz="1800">
+                          <a:effectLst/>
+                          <a:latin typeface="Calibri" panose="020F0502020204030204" pitchFamily="34" charset="0"/>
+                          <a:ea typeface="Calibri" panose="020F0502020204030204" pitchFamily="34" charset="0"/>
+                          <a:cs typeface="Arial" panose="020B0604020202020204" pitchFamily="34" charset="0"/>
+                        </a:rPr>
+                        <a:t>0.33</a:t>
+                      </a:r>
+                    </a:p>
+                  </a:txBody>
+                  <a:tcPr marL="68580" marR="68580" marT="0" marB="0">
+                    <a:lnL w="12700" cap="flat" cmpd="sng" algn="ctr">
+                      <a:solidFill>
+                        <a:srgbClr val="000000"/>
+                      </a:solidFill>
+                      <a:prstDash val="solid"/>
+                      <a:round/>
+                      <a:headEnd type="none" w="med" len="med"/>
+                      <a:tailEnd type="none" w="med" len="med"/>
+                    </a:lnL>
+                    <a:lnR w="38100" cap="flat" cmpd="sng" algn="ctr">
+                      <a:solidFill>
+                        <a:srgbClr val="000000"/>
+                      </a:solidFill>
+                      <a:prstDash val="solid"/>
+                      <a:round/>
+                      <a:headEnd type="none" w="med" len="med"/>
+                      <a:tailEnd type="none" w="med" len="med"/>
+                    </a:lnR>
+                    <a:lnT w="12700" cap="flat" cmpd="sng" algn="ctr">
+                      <a:solidFill>
+                        <a:srgbClr val="000000"/>
+                      </a:solidFill>
+                      <a:prstDash val="solid"/>
+                      <a:round/>
+                      <a:headEnd type="none" w="med" len="med"/>
+                      <a:tailEnd type="none" w="med" len="med"/>
+                    </a:lnT>
+                    <a:lnB w="12700" cap="flat" cmpd="sng" algn="ctr">
+                      <a:solidFill>
+                        <a:srgbClr val="000000"/>
+                      </a:solidFill>
+                      <a:prstDash val="solid"/>
+                      <a:round/>
+                      <a:headEnd type="none" w="med" len="med"/>
+                      <a:tailEnd type="none" w="med" len="med"/>
+                    </a:lnB>
+                  </a:tcPr>
+                </a:tc>
+                <a:tc>
+                  <a:txBody>
+                    <a:bodyPr/>
+                    <a:lstStyle/>
+                    <a:p>
+                      <a:pPr algn="ctr" rtl="1"/>
+                      <a:r>
+                        <a:rPr lang="en-US" sz="1800" dirty="0">
+                          <a:effectLst/>
+                          <a:latin typeface="Calibri" panose="020F0502020204030204" pitchFamily="34" charset="0"/>
+                          <a:ea typeface="Calibri" panose="020F0502020204030204" pitchFamily="34" charset="0"/>
+                          <a:cs typeface="Arial" panose="020B0604020202020204" pitchFamily="34" charset="0"/>
+                        </a:rPr>
+                        <a:t>AUC</a:t>
+                      </a:r>
+                    </a:p>
+                  </a:txBody>
+                  <a:tcPr marL="68580" marR="68580" marT="0" marB="0">
+                    <a:lnL w="38100" cap="flat" cmpd="sng" algn="ctr">
+                      <a:solidFill>
+                        <a:srgbClr val="000000"/>
+                      </a:solidFill>
+                      <a:prstDash val="solid"/>
+                      <a:round/>
+                      <a:headEnd type="none" w="med" len="med"/>
+                      <a:tailEnd type="none" w="med" len="med"/>
+                    </a:lnL>
+                    <a:lnR w="12700" cap="flat" cmpd="sng" algn="ctr">
+                      <a:solidFill>
+                        <a:srgbClr val="000000"/>
+                      </a:solidFill>
+                      <a:prstDash val="solid"/>
+                      <a:round/>
+                      <a:headEnd type="none" w="med" len="med"/>
+                      <a:tailEnd type="none" w="med" len="med"/>
+                    </a:lnR>
+                    <a:lnT w="12700" cap="flat" cmpd="sng" algn="ctr">
+                      <a:solidFill>
+                        <a:srgbClr val="000000"/>
+                      </a:solidFill>
+                      <a:prstDash val="solid"/>
+                      <a:round/>
+                      <a:headEnd type="none" w="med" len="med"/>
+                      <a:tailEnd type="none" w="med" len="med"/>
+                    </a:lnT>
+                    <a:lnB w="12700" cap="flat" cmpd="sng" algn="ctr">
+                      <a:solidFill>
+                        <a:srgbClr val="000000"/>
+                      </a:solidFill>
+                      <a:prstDash val="solid"/>
+                      <a:round/>
+                      <a:headEnd type="none" w="med" len="med"/>
+                      <a:tailEnd type="none" w="med" len="med"/>
+                    </a:lnB>
+                  </a:tcPr>
+                </a:tc>
+                <a:extLst>
+                  <a:ext uri="{0D108BD9-81ED-4DB2-BD59-A6C34878D82A}">
+                    <a16:rowId xmlns:a16="http://schemas.microsoft.com/office/drawing/2014/main" val="481684554"/>
+                  </a:ext>
+                </a:extLst>
+              </a:tr>
+            </a:tbl>
+          </a:graphicData>
+        </a:graphic>
+      </p:graphicFrame>
+    </p:spTree>
+    <p:extLst>
+      <p:ext uri="{BB962C8B-B14F-4D97-AF65-F5344CB8AC3E}">
+        <p14:creationId xmlns:p14="http://schemas.microsoft.com/office/powerpoint/2010/main" val="3654243245"/>
       </p:ext>
     </p:extLst>
   </p:cSld>
@@ -3958,6 +9044,45 @@
           </a:prstGeom>
         </p:spPr>
       </p:pic>
+      <p:sp>
+        <p:nvSpPr>
+          <p:cNvPr id="2" name="TextBox 1">
+            <a:extLst>
+              <a:ext uri="{FF2B5EF4-FFF2-40B4-BE49-F238E27FC236}">
+                <a16:creationId xmlns:a16="http://schemas.microsoft.com/office/drawing/2014/main" id="{7E03B689-0CE7-47CD-1894-BB0FFD860953}"/>
+              </a:ext>
+            </a:extLst>
+          </p:cNvPr>
+          <p:cNvSpPr txBox="1"/>
+          <p:nvPr/>
+        </p:nvSpPr>
+        <p:spPr>
+          <a:xfrm>
+            <a:off x="5740443" y="0"/>
+            <a:ext cx="1252151" cy="369332"/>
+          </a:xfrm>
+          <a:prstGeom prst="rect">
+            <a:avLst/>
+          </a:prstGeom>
+          <a:noFill/>
+        </p:spPr>
+        <p:txBody>
+          <a:bodyPr wrap="square" rtlCol="1">
+            <a:spAutoFit/>
+          </a:bodyPr>
+          <a:lstStyle/>
+          <a:p>
+            <a:r>
+              <a:rPr lang="en-US" dirty="0">
+                <a:solidFill>
+                  <a:srgbClr val="FF0000"/>
+                </a:solidFill>
+              </a:rPr>
+              <a:t>0-300ms</a:t>
+            </a:r>
+          </a:p>
+        </p:txBody>
+      </p:sp>
     </p:spTree>
     <p:extLst>
       <p:ext uri="{BB962C8B-B14F-4D97-AF65-F5344CB8AC3E}">
@@ -4080,6 +9205,36 @@
           <a:chExt cx="0" cy="0"/>
         </a:xfrm>
       </p:grpSpPr>
+      <p:pic>
+        <p:nvPicPr>
+          <p:cNvPr id="5" name="Picture 4">
+            <a:extLst>
+              <a:ext uri="{FF2B5EF4-FFF2-40B4-BE49-F238E27FC236}">
+                <a16:creationId xmlns:a16="http://schemas.microsoft.com/office/drawing/2014/main" id="{498B7164-FF60-B478-C21C-17B7ED5CE37A}"/>
+              </a:ext>
+            </a:extLst>
+          </p:cNvPr>
+          <p:cNvPicPr>
+            <a:picLocks noChangeAspect="1"/>
+          </p:cNvPicPr>
+          <p:nvPr/>
+        </p:nvPicPr>
+        <p:blipFill>
+          <a:blip r:embed="rId2"/>
+          <a:stretch>
+            <a:fillRect/>
+          </a:stretch>
+        </p:blipFill>
+        <p:spPr>
+          <a:xfrm>
+            <a:off x="0" y="349250"/>
+            <a:ext cx="12192000" cy="6159500"/>
+          </a:xfrm>
+          <a:prstGeom prst="rect">
+            <a:avLst/>
+          </a:prstGeom>
+        </p:spPr>
+      </p:pic>
     </p:spTree>
     <p:extLst>
       <p:ext uri="{BB962C8B-B14F-4D97-AF65-F5344CB8AC3E}">
